--- a/infrastructure-week-5.pptx
+++ b/infrastructure-week-5.pptx
@@ -34,7 +34,15 @@
     <p:sldId id="283" r:id="rId28"/>
     <p:sldId id="285" r:id="rId29"/>
     <p:sldId id="267" r:id="rId30"/>
-    <p:sldId id="259" r:id="rId31"/>
+    <p:sldId id="287" r:id="rId31"/>
+    <p:sldId id="291" r:id="rId32"/>
+    <p:sldId id="292" r:id="rId33"/>
+    <p:sldId id="293" r:id="rId34"/>
+    <p:sldId id="294" r:id="rId35"/>
+    <p:sldId id="288" r:id="rId36"/>
+    <p:sldId id="289" r:id="rId37"/>
+    <p:sldId id="290" r:id="rId38"/>
+    <p:sldId id="259" r:id="rId39"/>
   </p:sldIdLst>
   <p:sldSz cx="9144000" cy="6858000" type="screen4x3"/>
   <p:notesSz cx="6858000" cy="9144000"/>
@@ -4428,7 +4436,7 @@
         <p:spPr/>
         <p:txBody>
           <a:bodyPr>
-            <a:normAutofit/>
+            <a:normAutofit lnSpcReduction="10000"/>
           </a:bodyPr>
           <a:lstStyle/>
           <a:p>
@@ -4483,6 +4491,16 @@
             <a:r>
               <a:rPr lang="en-US" dirty="0" smtClean="0"/>
               <a:t>RDS</a:t>
+            </a:r>
+          </a:p>
+          <a:p>
+            <a:r>
+              <a:rPr lang="en-US" dirty="0" err="1" smtClean="0"/>
+              <a:t>DynamoDB</a:t>
+            </a:r>
+            <a:r>
+              <a:rPr lang="en-US" dirty="0" smtClean="0"/>
+              <a:t>, Redshift</a:t>
             </a:r>
           </a:p>
           <a:p>
@@ -5308,125 +5326,101 @@
         <p:spPr/>
         <p:txBody>
           <a:bodyPr>
-            <a:normAutofit fontScale="62500" lnSpcReduction="20000"/>
+            <a:noAutofit/>
           </a:bodyPr>
           <a:lstStyle/>
           <a:p>
             <a:r>
-              <a:rPr lang="en-US" dirty="0" smtClean="0"/>
+              <a:rPr lang="en-US" sz="2000" dirty="0" smtClean="0"/>
               <a:t>Create a new VPC</a:t>
             </a:r>
           </a:p>
           <a:p>
             <a:pPr lvl="1"/>
             <a:r>
-              <a:rPr lang="en-US" dirty="0" smtClean="0"/>
+              <a:rPr lang="en-US" sz="2000" dirty="0" smtClean="0"/>
               <a:t>Name: </a:t>
             </a:r>
             <a:r>
-              <a:rPr lang="en-US" dirty="0" err="1" smtClean="0"/>
+              <a:rPr lang="en-US" sz="2000" dirty="0" err="1" smtClean="0"/>
               <a:t>classvpc</a:t>
             </a:r>
-            <a:endParaRPr lang="en-US" dirty="0" smtClean="0"/>
-          </a:p>
-          <a:p>
-            <a:pPr lvl="1"/>
-            <a:r>
-              <a:rPr lang="en-US" dirty="0" smtClean="0"/>
+            <a:endParaRPr lang="en-US" sz="2000" dirty="0" smtClean="0"/>
+          </a:p>
+          <a:p>
+            <a:pPr lvl="1"/>
+            <a:r>
+              <a:rPr lang="en-US" sz="2000" dirty="0" smtClean="0"/>
               <a:t>CIDR block: 10.0.0.0/18</a:t>
             </a:r>
           </a:p>
           <a:p>
             <a:r>
-              <a:rPr lang="en-US" dirty="0" smtClean="0"/>
+              <a:rPr lang="en-US" sz="2000" dirty="0" smtClean="0"/>
               <a:t>Create two subnets in VPC on separate AZs</a:t>
             </a:r>
           </a:p>
           <a:p>
             <a:pPr lvl="1"/>
             <a:r>
-              <a:rPr lang="en-US" dirty="0" smtClean="0"/>
+              <a:rPr lang="en-US" sz="2000" dirty="0" smtClean="0"/>
               <a:t>Public subnet</a:t>
             </a:r>
           </a:p>
           <a:p>
             <a:pPr lvl="2"/>
             <a:r>
-              <a:rPr lang="en-US" dirty="0" smtClean="0"/>
+              <a:rPr lang="en-US" sz="2000" dirty="0" smtClean="0"/>
               <a:t>Name: class-public</a:t>
             </a:r>
           </a:p>
           <a:p>
             <a:pPr lvl="2"/>
             <a:r>
-              <a:rPr lang="en-US" dirty="0" smtClean="0"/>
+              <a:rPr lang="en-US" sz="2000" dirty="0" smtClean="0"/>
               <a:t>AZ: us-east-1a</a:t>
             </a:r>
           </a:p>
           <a:p>
             <a:pPr lvl="2"/>
             <a:r>
-              <a:rPr lang="en-US" dirty="0" smtClean="0"/>
+              <a:rPr lang="en-US" sz="2000" dirty="0" smtClean="0"/>
               <a:t>CIDR block: 10.0.1.0/24</a:t>
             </a:r>
           </a:p>
           <a:p>
             <a:pPr lvl="1"/>
             <a:r>
-              <a:rPr lang="en-US" dirty="0" smtClean="0"/>
+              <a:rPr lang="en-US" sz="2000" dirty="0" smtClean="0"/>
               <a:t>Private subnet</a:t>
             </a:r>
           </a:p>
           <a:p>
             <a:pPr lvl="2"/>
             <a:r>
-              <a:rPr lang="en-US" dirty="0" smtClean="0"/>
+              <a:rPr lang="en-US" sz="2000" dirty="0" smtClean="0"/>
               <a:t>Name: class-private</a:t>
             </a:r>
           </a:p>
           <a:p>
             <a:pPr lvl="2"/>
             <a:r>
-              <a:rPr lang="en-US" dirty="0" smtClean="0"/>
+              <a:rPr lang="en-US" sz="2000" dirty="0" smtClean="0"/>
               <a:t>AZ: us-east-1b</a:t>
             </a:r>
           </a:p>
           <a:p>
             <a:pPr lvl="2"/>
             <a:r>
-              <a:rPr lang="en-US" dirty="0" smtClean="0"/>
+              <a:rPr lang="en-US" sz="2000" dirty="0" smtClean="0"/>
               <a:t>CIDR block: 10.0.2.0/24</a:t>
             </a:r>
           </a:p>
           <a:p>
             <a:r>
-              <a:rPr lang="en-US" dirty="0" smtClean="0"/>
+              <a:rPr lang="en-US" sz="2000" dirty="0" smtClean="0"/>
               <a:t>Review main route table for VPC and current subnet association</a:t>
             </a:r>
-          </a:p>
-          <a:p>
-            <a:r>
-              <a:rPr lang="en-US" dirty="0" smtClean="0"/>
-              <a:t>Add Internet Gateway to VPC</a:t>
-            </a:r>
-          </a:p>
-          <a:p>
-            <a:pPr lvl="1"/>
-            <a:r>
-              <a:rPr lang="en-US" dirty="0" smtClean="0"/>
-              <a:t>Name: class-IG</a:t>
-            </a:r>
-          </a:p>
-          <a:p>
-            <a:pPr lvl="1"/>
-            <a:r>
-              <a:rPr lang="en-US" dirty="0" smtClean="0"/>
-              <a:t>Attach to new VPC</a:t>
-            </a:r>
-          </a:p>
-          <a:p>
-            <a:pPr lvl="1"/>
-            <a:endParaRPr lang="en-US" dirty="0" smtClean="0"/>
           </a:p>
         </p:txBody>
       </p:sp>
@@ -5495,8 +5489,30 @@
         </p:nvSpPr>
         <p:spPr/>
         <p:txBody>
-          <a:bodyPr/>
-          <a:lstStyle/>
+          <a:bodyPr>
+            <a:normAutofit fontScale="85000" lnSpcReduction="10000"/>
+          </a:bodyPr>
+          <a:lstStyle/>
+          <a:p>
+            <a:r>
+              <a:rPr lang="en-US" dirty="0" smtClean="0"/>
+              <a:t>Add Internet Gateway to VPC</a:t>
+            </a:r>
+          </a:p>
+          <a:p>
+            <a:pPr lvl="1"/>
+            <a:r>
+              <a:rPr lang="en-US" dirty="0" smtClean="0"/>
+              <a:t>Name: class-IG</a:t>
+            </a:r>
+          </a:p>
+          <a:p>
+            <a:pPr lvl="1"/>
+            <a:r>
+              <a:rPr lang="en-US" dirty="0" smtClean="0"/>
+              <a:t>Attach to new VPC</a:t>
+            </a:r>
+          </a:p>
           <a:p>
             <a:r>
               <a:rPr lang="en-US" dirty="0" smtClean="0"/>
@@ -5506,17 +5522,34 @@
           <a:p>
             <a:r>
               <a:rPr lang="en-US" dirty="0" smtClean="0"/>
+              <a:t>Configure routing tables for public and private subnets</a:t>
+            </a:r>
+          </a:p>
+          <a:p>
+            <a:pPr lvl="1"/>
+            <a:r>
+              <a:rPr lang="en-US" dirty="0" smtClean="0"/>
+              <a:t>Public routing table routes through IG</a:t>
+            </a:r>
+          </a:p>
+          <a:p>
+            <a:r>
+              <a:rPr lang="en-US" dirty="0" smtClean="0"/>
               <a:t>Setup a NAT in the public subnet</a:t>
             </a:r>
           </a:p>
           <a:p>
-            <a:r>
-              <a:rPr lang="en-US" dirty="0" smtClean="0"/>
-              <a:t>Configure routing tables for public and private subnets</a:t>
-            </a:r>
-          </a:p>
-          <a:p>
-            <a:endParaRPr lang="en-US" dirty="0"/>
+            <a:pPr lvl="1"/>
+            <a:r>
+              <a:rPr lang="en-US" dirty="0" smtClean="0"/>
+              <a:t>Modify private subnet route table to route through NAT</a:t>
+            </a:r>
+          </a:p>
+          <a:p>
+            <a:r>
+              <a:rPr lang="en-US" dirty="0" smtClean="0"/>
+              <a:t>Terminal into public and private servers to verify access</a:t>
+            </a:r>
           </a:p>
         </p:txBody>
       </p:sp>
@@ -5589,9 +5622,30 @@
           <a:lstStyle/>
           <a:p>
             <a:r>
-              <a:rPr lang="en-US" dirty="0" err="1" smtClean="0"/>
-              <a:t>sdsdf</a:t>
-            </a:r>
+              <a:rPr lang="en-US" dirty="0" smtClean="0"/>
+              <a:t>Managed database service supporting traditional relational databases</a:t>
+            </a:r>
+          </a:p>
+          <a:p>
+            <a:endParaRPr lang="en-US" dirty="0"/>
+          </a:p>
+          <a:p>
+            <a:endParaRPr lang="en-US" dirty="0" smtClean="0"/>
+          </a:p>
+          <a:p>
+            <a:endParaRPr lang="en-US" dirty="0"/>
+          </a:p>
+          <a:p>
+            <a:endParaRPr lang="en-US" dirty="0" smtClean="0"/>
+          </a:p>
+          <a:p>
+            <a:pPr marL="0" indent="0">
+              <a:buNone/>
+            </a:pPr>
+            <a:endParaRPr lang="en-US" dirty="0" smtClean="0"/>
+          </a:p>
+          <a:p>
+            <a:pPr lvl="1"/>
             <a:endParaRPr lang="en-US" dirty="0"/>
           </a:p>
         </p:txBody>
@@ -5614,6 +5668,54 @@
           <a:xfrm>
             <a:off x="7785179" y="1417638"/>
             <a:ext cx="901621" cy="901621"/>
+          </a:xfrm>
+          <a:prstGeom prst="rect">
+            <a:avLst/>
+          </a:prstGeom>
+        </p:spPr>
+      </p:pic>
+      <p:pic>
+        <p:nvPicPr>
+          <p:cNvPr id="5" name="Picture 4"/>
+          <p:cNvPicPr>
+            <a:picLocks noChangeAspect="1"/>
+          </p:cNvPicPr>
+          <p:nvPr/>
+        </p:nvPicPr>
+        <p:blipFill>
+          <a:blip r:embed="rId3"/>
+          <a:stretch>
+            <a:fillRect/>
+          </a:stretch>
+        </p:blipFill>
+        <p:spPr>
+          <a:xfrm>
+            <a:off x="1101492" y="2879202"/>
+            <a:ext cx="3667320" cy="1714472"/>
+          </a:xfrm>
+          <a:prstGeom prst="rect">
+            <a:avLst/>
+          </a:prstGeom>
+        </p:spPr>
+      </p:pic>
+      <p:pic>
+        <p:nvPicPr>
+          <p:cNvPr id="6" name="Picture 5"/>
+          <p:cNvPicPr>
+            <a:picLocks noChangeAspect="1"/>
+          </p:cNvPicPr>
+          <p:nvPr/>
+        </p:nvPicPr>
+        <p:blipFill>
+          <a:blip r:embed="rId4"/>
+          <a:stretch>
+            <a:fillRect/>
+          </a:stretch>
+        </p:blipFill>
+        <p:spPr>
+          <a:xfrm>
+            <a:off x="5192193" y="3187658"/>
+            <a:ext cx="3494607" cy="3118506"/>
           </a:xfrm>
           <a:prstGeom prst="rect">
             <a:avLst/>
@@ -5766,6 +5868,949 @@
 </file>
 
 <file path=ppt/slides/slide30.xml><?xml version="1.0" encoding="utf-8"?>
+<p:sld xmlns:a="http://schemas.openxmlformats.org/drawingml/2006/main" xmlns:r="http://schemas.openxmlformats.org/officeDocument/2006/relationships" xmlns:p="http://schemas.openxmlformats.org/presentationml/2006/main">
+  <p:cSld>
+    <p:spTree>
+      <p:nvGrpSpPr>
+        <p:cNvPr id="1" name=""/>
+        <p:cNvGrpSpPr/>
+        <p:nvPr/>
+      </p:nvGrpSpPr>
+      <p:grpSpPr>
+        <a:xfrm>
+          <a:off x="0" y="0"/>
+          <a:ext cx="0" cy="0"/>
+          <a:chOff x="0" y="0"/>
+          <a:chExt cx="0" cy="0"/>
+        </a:xfrm>
+      </p:grpSpPr>
+      <p:sp>
+        <p:nvSpPr>
+          <p:cNvPr id="2" name="Title 1"/>
+          <p:cNvSpPr>
+            <a:spLocks noGrp="1"/>
+          </p:cNvSpPr>
+          <p:nvPr>
+            <p:ph type="title"/>
+          </p:nvPr>
+        </p:nvSpPr>
+        <p:spPr/>
+        <p:txBody>
+          <a:bodyPr/>
+          <a:lstStyle/>
+          <a:p>
+            <a:r>
+              <a:rPr lang="en-US" dirty="0" smtClean="0"/>
+              <a:t>RDS</a:t>
+            </a:r>
+            <a:endParaRPr lang="en-US" dirty="0"/>
+          </a:p>
+        </p:txBody>
+      </p:sp>
+      <p:sp>
+        <p:nvSpPr>
+          <p:cNvPr id="3" name="Content Placeholder 2"/>
+          <p:cNvSpPr>
+            <a:spLocks noGrp="1"/>
+          </p:cNvSpPr>
+          <p:nvPr>
+            <p:ph idx="1"/>
+          </p:nvPr>
+        </p:nvSpPr>
+        <p:spPr/>
+        <p:txBody>
+          <a:bodyPr>
+            <a:normAutofit fontScale="92500" lnSpcReduction="10000"/>
+          </a:bodyPr>
+          <a:lstStyle/>
+          <a:p>
+            <a:r>
+              <a:rPr lang="en-US" dirty="0" smtClean="0"/>
+              <a:t>Supported databases:</a:t>
+            </a:r>
+          </a:p>
+          <a:p>
+            <a:pPr lvl="1"/>
+            <a:r>
+              <a:rPr lang="en-US" dirty="0" smtClean="0"/>
+              <a:t>MySQL</a:t>
+            </a:r>
+          </a:p>
+          <a:p>
+            <a:pPr lvl="1"/>
+            <a:r>
+              <a:rPr lang="en-US" dirty="0" err="1" smtClean="0"/>
+              <a:t>MariaDB</a:t>
+            </a:r>
+            <a:r>
+              <a:rPr lang="en-US" dirty="0" smtClean="0"/>
+              <a:t> (MySQL fork)</a:t>
+            </a:r>
+          </a:p>
+          <a:p>
+            <a:pPr lvl="1"/>
+            <a:r>
+              <a:rPr lang="en-US" dirty="0" smtClean="0"/>
+              <a:t>Microsoft SQL Server</a:t>
+            </a:r>
+          </a:p>
+          <a:p>
+            <a:pPr lvl="1"/>
+            <a:r>
+              <a:rPr lang="en-US" dirty="0" smtClean="0"/>
+              <a:t>Oracle</a:t>
+            </a:r>
+          </a:p>
+          <a:p>
+            <a:pPr lvl="1"/>
+            <a:r>
+              <a:rPr lang="en-US" dirty="0" err="1" smtClean="0"/>
+              <a:t>PostgreSQL</a:t>
+            </a:r>
+            <a:endParaRPr lang="en-US" dirty="0" smtClean="0"/>
+          </a:p>
+          <a:p>
+            <a:pPr lvl="1"/>
+            <a:r>
+              <a:rPr lang="en-US" dirty="0" smtClean="0"/>
+              <a:t>Aurora (designed by AWS)</a:t>
+            </a:r>
+          </a:p>
+          <a:p>
+            <a:r>
+              <a:rPr lang="en-US" dirty="0" smtClean="0"/>
+              <a:t>RDS provides an endpoint for each database which is used by an application for communication</a:t>
+            </a:r>
+            <a:endParaRPr lang="en-US" dirty="0"/>
+          </a:p>
+        </p:txBody>
+      </p:sp>
+    </p:spTree>
+    <p:extLst>
+      <p:ext uri="{BB962C8B-B14F-4D97-AF65-F5344CB8AC3E}">
+        <p14:creationId xmlns:p14="http://schemas.microsoft.com/office/powerpoint/2010/main" val="2135207824"/>
+      </p:ext>
+    </p:extLst>
+  </p:cSld>
+  <p:clrMapOvr>
+    <a:masterClrMapping/>
+  </p:clrMapOvr>
+</p:sld>
+</file>
+
+<file path=ppt/slides/slide31.xml><?xml version="1.0" encoding="utf-8"?>
+<p:sld xmlns:a="http://schemas.openxmlformats.org/drawingml/2006/main" xmlns:r="http://schemas.openxmlformats.org/officeDocument/2006/relationships" xmlns:p="http://schemas.openxmlformats.org/presentationml/2006/main">
+  <p:cSld>
+    <p:spTree>
+      <p:nvGrpSpPr>
+        <p:cNvPr id="1" name=""/>
+        <p:cNvGrpSpPr/>
+        <p:nvPr/>
+      </p:nvGrpSpPr>
+      <p:grpSpPr>
+        <a:xfrm>
+          <a:off x="0" y="0"/>
+          <a:ext cx="0" cy="0"/>
+          <a:chOff x="0" y="0"/>
+          <a:chExt cx="0" cy="0"/>
+        </a:xfrm>
+      </p:grpSpPr>
+      <p:sp>
+        <p:nvSpPr>
+          <p:cNvPr id="2" name="Title 1"/>
+          <p:cNvSpPr>
+            <a:spLocks noGrp="1"/>
+          </p:cNvSpPr>
+          <p:nvPr>
+            <p:ph type="title"/>
+          </p:nvPr>
+        </p:nvSpPr>
+        <p:spPr/>
+        <p:txBody>
+          <a:bodyPr/>
+          <a:lstStyle/>
+          <a:p>
+            <a:r>
+              <a:rPr lang="en-US" dirty="0" smtClean="0"/>
+              <a:t>RDS</a:t>
+            </a:r>
+            <a:endParaRPr lang="en-US" dirty="0"/>
+          </a:p>
+        </p:txBody>
+      </p:sp>
+      <p:sp>
+        <p:nvSpPr>
+          <p:cNvPr id="3" name="Content Placeholder 2"/>
+          <p:cNvSpPr>
+            <a:spLocks noGrp="1"/>
+          </p:cNvSpPr>
+          <p:nvPr>
+            <p:ph idx="1"/>
+          </p:nvPr>
+        </p:nvSpPr>
+        <p:spPr/>
+        <p:txBody>
+          <a:bodyPr>
+            <a:normAutofit fontScale="92500" lnSpcReduction="20000"/>
+          </a:bodyPr>
+          <a:lstStyle/>
+          <a:p>
+            <a:r>
+              <a:rPr lang="en-US" dirty="0" smtClean="0"/>
+              <a:t>RDS supports two different database backup schemes: automated backups and snapshots</a:t>
+            </a:r>
+          </a:p>
+          <a:p>
+            <a:r>
+              <a:rPr lang="en-US" dirty="0" smtClean="0"/>
+              <a:t>Automated backups: RDS performs a full daily backup of the database and stores transaction logs since the backup job</a:t>
+            </a:r>
+          </a:p>
+          <a:p>
+            <a:pPr lvl="1"/>
+            <a:r>
+              <a:rPr lang="en-US" dirty="0" smtClean="0"/>
+              <a:t>Retains backup data for 1 to 35 days</a:t>
+            </a:r>
+          </a:p>
+          <a:p>
+            <a:pPr lvl="1"/>
+            <a:r>
+              <a:rPr lang="en-US" dirty="0" smtClean="0"/>
+              <a:t>During recovery full backup is restored and then transaction logs are replayed</a:t>
+            </a:r>
+          </a:p>
+          <a:p>
+            <a:pPr lvl="1"/>
+            <a:r>
+              <a:rPr lang="en-US" dirty="0" smtClean="0"/>
+              <a:t>Backup data stored on S3</a:t>
+            </a:r>
+          </a:p>
+          <a:p>
+            <a:pPr lvl="1"/>
+            <a:r>
+              <a:rPr lang="en-US" dirty="0" smtClean="0"/>
+              <a:t>Backups occur during a specified window and the database storage I/O may be significantly reduced</a:t>
+            </a:r>
+          </a:p>
+        </p:txBody>
+      </p:sp>
+    </p:spTree>
+    <p:extLst>
+      <p:ext uri="{BB962C8B-B14F-4D97-AF65-F5344CB8AC3E}">
+        <p14:creationId xmlns:p14="http://schemas.microsoft.com/office/powerpoint/2010/main" val="3250670807"/>
+      </p:ext>
+    </p:extLst>
+  </p:cSld>
+  <p:clrMapOvr>
+    <a:masterClrMapping/>
+  </p:clrMapOvr>
+</p:sld>
+</file>
+
+<file path=ppt/slides/slide32.xml><?xml version="1.0" encoding="utf-8"?>
+<p:sld xmlns:a="http://schemas.openxmlformats.org/drawingml/2006/main" xmlns:r="http://schemas.openxmlformats.org/officeDocument/2006/relationships" xmlns:p="http://schemas.openxmlformats.org/presentationml/2006/main">
+  <p:cSld>
+    <p:spTree>
+      <p:nvGrpSpPr>
+        <p:cNvPr id="1" name=""/>
+        <p:cNvGrpSpPr/>
+        <p:nvPr/>
+      </p:nvGrpSpPr>
+      <p:grpSpPr>
+        <a:xfrm>
+          <a:off x="0" y="0"/>
+          <a:ext cx="0" cy="0"/>
+          <a:chOff x="0" y="0"/>
+          <a:chExt cx="0" cy="0"/>
+        </a:xfrm>
+      </p:grpSpPr>
+      <p:sp>
+        <p:nvSpPr>
+          <p:cNvPr id="2" name="Title 1"/>
+          <p:cNvSpPr>
+            <a:spLocks noGrp="1"/>
+          </p:cNvSpPr>
+          <p:nvPr>
+            <p:ph type="title"/>
+          </p:nvPr>
+        </p:nvSpPr>
+        <p:spPr/>
+        <p:txBody>
+          <a:bodyPr/>
+          <a:lstStyle/>
+          <a:p>
+            <a:r>
+              <a:rPr lang="en-US" dirty="0" smtClean="0"/>
+              <a:t>RDS</a:t>
+            </a:r>
+            <a:endParaRPr lang="en-US" dirty="0"/>
+          </a:p>
+        </p:txBody>
+      </p:sp>
+      <p:sp>
+        <p:nvSpPr>
+          <p:cNvPr id="3" name="Content Placeholder 2"/>
+          <p:cNvSpPr>
+            <a:spLocks noGrp="1"/>
+          </p:cNvSpPr>
+          <p:nvPr>
+            <p:ph idx="1"/>
+          </p:nvPr>
+        </p:nvSpPr>
+        <p:spPr/>
+        <p:txBody>
+          <a:bodyPr>
+            <a:normAutofit fontScale="85000" lnSpcReduction="10000"/>
+          </a:bodyPr>
+          <a:lstStyle/>
+          <a:p>
+            <a:r>
+              <a:rPr lang="en-US" dirty="0" smtClean="0"/>
+              <a:t>RDS snapshots are initiated manually by the user and exist indefinitely – even after database is removed</a:t>
+            </a:r>
+          </a:p>
+          <a:p>
+            <a:pPr lvl="1"/>
+            <a:r>
+              <a:rPr lang="en-US" dirty="0" smtClean="0"/>
+              <a:t>It’s possible to use RDS data backups to copy databases (for testing or to move)</a:t>
+            </a:r>
+          </a:p>
+          <a:p>
+            <a:r>
+              <a:rPr lang="en-US" dirty="0" smtClean="0"/>
+              <a:t>Multi-AZ capability provides standby database instance in a separate AZ for fail-over purposes</a:t>
+            </a:r>
+          </a:p>
+          <a:p>
+            <a:pPr lvl="1"/>
+            <a:r>
+              <a:rPr lang="en-US" dirty="0" smtClean="0"/>
+              <a:t>Writes to main database server are synchronized to the standby database</a:t>
+            </a:r>
+          </a:p>
+          <a:p>
+            <a:pPr lvl="1"/>
+            <a:r>
+              <a:rPr lang="en-US" dirty="0" smtClean="0"/>
+              <a:t>Main purpose is for greater service resiliency, it does not improve performance</a:t>
+            </a:r>
+          </a:p>
+          <a:p>
+            <a:pPr lvl="2"/>
+            <a:r>
+              <a:rPr lang="en-US" dirty="0" smtClean="0"/>
+              <a:t>Although, it allows RDS to update or backup a server without degrading I/O</a:t>
+            </a:r>
+            <a:endParaRPr lang="en-US" dirty="0"/>
+          </a:p>
+        </p:txBody>
+      </p:sp>
+    </p:spTree>
+    <p:extLst>
+      <p:ext uri="{BB962C8B-B14F-4D97-AF65-F5344CB8AC3E}">
+        <p14:creationId xmlns:p14="http://schemas.microsoft.com/office/powerpoint/2010/main" val="2213812657"/>
+      </p:ext>
+    </p:extLst>
+  </p:cSld>
+  <p:clrMapOvr>
+    <a:masterClrMapping/>
+  </p:clrMapOvr>
+</p:sld>
+</file>
+
+<file path=ppt/slides/slide33.xml><?xml version="1.0" encoding="utf-8"?>
+<p:sld xmlns:a="http://schemas.openxmlformats.org/drawingml/2006/main" xmlns:r="http://schemas.openxmlformats.org/officeDocument/2006/relationships" xmlns:p="http://schemas.openxmlformats.org/presentationml/2006/main">
+  <p:cSld>
+    <p:spTree>
+      <p:nvGrpSpPr>
+        <p:cNvPr id="1" name=""/>
+        <p:cNvGrpSpPr/>
+        <p:nvPr/>
+      </p:nvGrpSpPr>
+      <p:grpSpPr>
+        <a:xfrm>
+          <a:off x="0" y="0"/>
+          <a:ext cx="0" cy="0"/>
+          <a:chOff x="0" y="0"/>
+          <a:chExt cx="0" cy="0"/>
+        </a:xfrm>
+      </p:grpSpPr>
+      <p:sp>
+        <p:nvSpPr>
+          <p:cNvPr id="2" name="Title 1"/>
+          <p:cNvSpPr>
+            <a:spLocks noGrp="1"/>
+          </p:cNvSpPr>
+          <p:nvPr>
+            <p:ph type="title"/>
+          </p:nvPr>
+        </p:nvSpPr>
+        <p:spPr/>
+        <p:txBody>
+          <a:bodyPr/>
+          <a:lstStyle/>
+          <a:p>
+            <a:r>
+              <a:rPr lang="en-US" dirty="0" smtClean="0"/>
+              <a:t>RDS</a:t>
+            </a:r>
+            <a:endParaRPr lang="en-US" dirty="0"/>
+          </a:p>
+        </p:txBody>
+      </p:sp>
+      <p:sp>
+        <p:nvSpPr>
+          <p:cNvPr id="3" name="Content Placeholder 2"/>
+          <p:cNvSpPr>
+            <a:spLocks noGrp="1"/>
+          </p:cNvSpPr>
+          <p:nvPr>
+            <p:ph idx="1"/>
+          </p:nvPr>
+        </p:nvSpPr>
+        <p:spPr/>
+        <p:txBody>
+          <a:bodyPr>
+            <a:normAutofit fontScale="85000" lnSpcReduction="20000"/>
+          </a:bodyPr>
+          <a:lstStyle/>
+          <a:p>
+            <a:r>
+              <a:rPr lang="en-US" dirty="0" smtClean="0"/>
+              <a:t>All database types support Multi-AZ</a:t>
+            </a:r>
+          </a:p>
+          <a:p>
+            <a:pPr lvl="1"/>
+            <a:r>
+              <a:rPr lang="en-US" dirty="0" smtClean="0"/>
+              <a:t>Aurora is special because it is only offered in a multi-AZ architecture (2 DBs in 3 AZs = 6 total!)</a:t>
+            </a:r>
+          </a:p>
+          <a:p>
+            <a:r>
+              <a:rPr lang="en-US" dirty="0" smtClean="0"/>
+              <a:t>Read Replica: a database instance in a separate AZ which asynchronously copies data from the main database</a:t>
+            </a:r>
+          </a:p>
+          <a:p>
+            <a:pPr lvl="1"/>
+            <a:r>
+              <a:rPr lang="en-US" dirty="0" smtClean="0"/>
+              <a:t>Only used for READS</a:t>
+            </a:r>
+          </a:p>
+          <a:p>
+            <a:pPr lvl="1"/>
+            <a:r>
+              <a:rPr lang="en-US" dirty="0" smtClean="0"/>
+              <a:t>Scales database performance by allowing database clients to read data from multiple instances</a:t>
+            </a:r>
+          </a:p>
+          <a:p>
+            <a:pPr lvl="1"/>
+            <a:r>
+              <a:rPr lang="en-US" dirty="0" smtClean="0"/>
+              <a:t>Up to 5 read replicas supported </a:t>
+            </a:r>
+          </a:p>
+          <a:p>
+            <a:pPr lvl="1"/>
+            <a:r>
+              <a:rPr lang="en-US" dirty="0" smtClean="0"/>
+              <a:t>Owner can promote a read replica into a separate database, splitting relationship with parent</a:t>
+            </a:r>
+          </a:p>
+        </p:txBody>
+      </p:sp>
+    </p:spTree>
+    <p:extLst>
+      <p:ext uri="{BB962C8B-B14F-4D97-AF65-F5344CB8AC3E}">
+        <p14:creationId xmlns:p14="http://schemas.microsoft.com/office/powerpoint/2010/main" val="719303112"/>
+      </p:ext>
+    </p:extLst>
+  </p:cSld>
+  <p:clrMapOvr>
+    <a:masterClrMapping/>
+  </p:clrMapOvr>
+</p:sld>
+</file>
+
+<file path=ppt/slides/slide34.xml><?xml version="1.0" encoding="utf-8"?>
+<p:sld xmlns:a="http://schemas.openxmlformats.org/drawingml/2006/main" xmlns:r="http://schemas.openxmlformats.org/officeDocument/2006/relationships" xmlns:p="http://schemas.openxmlformats.org/presentationml/2006/main">
+  <p:cSld>
+    <p:spTree>
+      <p:nvGrpSpPr>
+        <p:cNvPr id="1" name=""/>
+        <p:cNvGrpSpPr/>
+        <p:nvPr/>
+      </p:nvGrpSpPr>
+      <p:grpSpPr>
+        <a:xfrm>
+          <a:off x="0" y="0"/>
+          <a:ext cx="0" cy="0"/>
+          <a:chOff x="0" y="0"/>
+          <a:chExt cx="0" cy="0"/>
+        </a:xfrm>
+      </p:grpSpPr>
+      <p:sp>
+        <p:nvSpPr>
+          <p:cNvPr id="2" name="Title 1"/>
+          <p:cNvSpPr>
+            <a:spLocks noGrp="1"/>
+          </p:cNvSpPr>
+          <p:nvPr>
+            <p:ph type="title"/>
+          </p:nvPr>
+        </p:nvSpPr>
+        <p:spPr/>
+        <p:txBody>
+          <a:bodyPr/>
+          <a:lstStyle/>
+          <a:p>
+            <a:r>
+              <a:rPr lang="en-US" dirty="0" smtClean="0"/>
+              <a:t>RDS Hands-on</a:t>
+            </a:r>
+            <a:endParaRPr lang="en-US" dirty="0"/>
+          </a:p>
+        </p:txBody>
+      </p:sp>
+      <p:sp>
+        <p:nvSpPr>
+          <p:cNvPr id="3" name="Content Placeholder 2"/>
+          <p:cNvSpPr>
+            <a:spLocks noGrp="1"/>
+          </p:cNvSpPr>
+          <p:nvPr>
+            <p:ph idx="1"/>
+          </p:nvPr>
+        </p:nvSpPr>
+        <p:spPr/>
+        <p:txBody>
+          <a:bodyPr/>
+          <a:lstStyle/>
+          <a:p>
+            <a:r>
+              <a:rPr lang="en-US" dirty="0" smtClean="0"/>
+              <a:t>Create an RDS database</a:t>
+            </a:r>
+          </a:p>
+          <a:p>
+            <a:pPr lvl="1"/>
+            <a:r>
+              <a:rPr lang="en-US" dirty="0" smtClean="0"/>
+              <a:t>Create database security group</a:t>
+            </a:r>
+          </a:p>
+          <a:p>
+            <a:r>
+              <a:rPr lang="en-US" dirty="0" smtClean="0"/>
+              <a:t>Locate database endpoint</a:t>
+            </a:r>
+          </a:p>
+          <a:p>
+            <a:r>
+              <a:rPr lang="en-US" dirty="0" smtClean="0"/>
+              <a:t>Review automatic backup schedule</a:t>
+            </a:r>
+          </a:p>
+          <a:p>
+            <a:r>
+              <a:rPr lang="en-US" dirty="0" smtClean="0"/>
+              <a:t>Perform a snapshot</a:t>
+            </a:r>
+            <a:endParaRPr lang="en-US" dirty="0"/>
+          </a:p>
+        </p:txBody>
+      </p:sp>
+    </p:spTree>
+    <p:extLst>
+      <p:ext uri="{BB962C8B-B14F-4D97-AF65-F5344CB8AC3E}">
+        <p14:creationId xmlns:p14="http://schemas.microsoft.com/office/powerpoint/2010/main" val="4067587923"/>
+      </p:ext>
+    </p:extLst>
+  </p:cSld>
+  <p:clrMapOvr>
+    <a:masterClrMapping/>
+  </p:clrMapOvr>
+</p:sld>
+</file>
+
+<file path=ppt/slides/slide35.xml><?xml version="1.0" encoding="utf-8"?>
+<p:sld xmlns:a="http://schemas.openxmlformats.org/drawingml/2006/main" xmlns:r="http://schemas.openxmlformats.org/officeDocument/2006/relationships" xmlns:p="http://schemas.openxmlformats.org/presentationml/2006/main">
+  <p:cSld>
+    <p:spTree>
+      <p:nvGrpSpPr>
+        <p:cNvPr id="1" name=""/>
+        <p:cNvGrpSpPr/>
+        <p:nvPr/>
+      </p:nvGrpSpPr>
+      <p:grpSpPr>
+        <a:xfrm>
+          <a:off x="0" y="0"/>
+          <a:ext cx="0" cy="0"/>
+          <a:chOff x="0" y="0"/>
+          <a:chExt cx="0" cy="0"/>
+        </a:xfrm>
+      </p:grpSpPr>
+      <p:sp>
+        <p:nvSpPr>
+          <p:cNvPr id="2" name="Title 1"/>
+          <p:cNvSpPr>
+            <a:spLocks noGrp="1"/>
+          </p:cNvSpPr>
+          <p:nvPr>
+            <p:ph type="title"/>
+          </p:nvPr>
+        </p:nvSpPr>
+        <p:spPr/>
+        <p:txBody>
+          <a:bodyPr/>
+          <a:lstStyle/>
+          <a:p>
+            <a:r>
+              <a:rPr lang="en-US" dirty="0" err="1" smtClean="0"/>
+              <a:t>DynamoDB</a:t>
+            </a:r>
+            <a:endParaRPr lang="en-US" dirty="0"/>
+          </a:p>
+        </p:txBody>
+      </p:sp>
+      <p:sp>
+        <p:nvSpPr>
+          <p:cNvPr id="3" name="Content Placeholder 2"/>
+          <p:cNvSpPr>
+            <a:spLocks noGrp="1"/>
+          </p:cNvSpPr>
+          <p:nvPr>
+            <p:ph idx="1"/>
+          </p:nvPr>
+        </p:nvSpPr>
+        <p:spPr/>
+        <p:txBody>
+          <a:bodyPr>
+            <a:normAutofit fontScale="92500" lnSpcReduction="20000"/>
+          </a:bodyPr>
+          <a:lstStyle/>
+          <a:p>
+            <a:r>
+              <a:rPr lang="en-US" dirty="0" smtClean="0"/>
+              <a:t>AWS </a:t>
+            </a:r>
+            <a:r>
+              <a:rPr lang="en-US" dirty="0" err="1" smtClean="0"/>
+              <a:t>NoSQL</a:t>
+            </a:r>
+            <a:r>
+              <a:rPr lang="en-US" dirty="0" smtClean="0"/>
+              <a:t> database based on document storage</a:t>
+            </a:r>
+          </a:p>
+          <a:p>
+            <a:pPr lvl="1"/>
+            <a:r>
+              <a:rPr lang="en-US" dirty="0" smtClean="0"/>
+              <a:t>Each document is comprised of key/value pairs stored in JavaScript Object Notation (JSON)</a:t>
+            </a:r>
+          </a:p>
+          <a:p>
+            <a:pPr lvl="1"/>
+            <a:r>
+              <a:rPr lang="en-US" dirty="0" smtClean="0"/>
+              <a:t>Similar to </a:t>
+            </a:r>
+            <a:r>
+              <a:rPr lang="en-US" dirty="0" err="1" smtClean="0"/>
+              <a:t>MongoDB</a:t>
+            </a:r>
+            <a:endParaRPr lang="en-US" dirty="0" smtClean="0"/>
+          </a:p>
+          <a:p>
+            <a:r>
+              <a:rPr lang="en-US" dirty="0" smtClean="0"/>
+              <a:t>Supports highly scalable number of reads and writes with unlimited data storage</a:t>
+            </a:r>
+          </a:p>
+          <a:p>
+            <a:pPr lvl="1"/>
+            <a:r>
+              <a:rPr lang="en-US" dirty="0" smtClean="0"/>
+              <a:t>Automatically scales data storage, no need to reconfigure database like RDS (relational)</a:t>
+            </a:r>
+          </a:p>
+          <a:p>
+            <a:r>
+              <a:rPr lang="en-US" dirty="0" smtClean="0"/>
+              <a:t>Data replicated between 3 separate datacenters (not necessarily in separate AZs)</a:t>
+            </a:r>
+          </a:p>
+          <a:p>
+            <a:pPr lvl="1"/>
+            <a:endParaRPr lang="en-US" dirty="0"/>
+          </a:p>
+        </p:txBody>
+      </p:sp>
+      <p:pic>
+        <p:nvPicPr>
+          <p:cNvPr id="4" name="Picture 3"/>
+          <p:cNvPicPr>
+            <a:picLocks noChangeAspect="1"/>
+          </p:cNvPicPr>
+          <p:nvPr/>
+        </p:nvPicPr>
+        <p:blipFill>
+          <a:blip r:embed="rId2"/>
+          <a:stretch>
+            <a:fillRect/>
+          </a:stretch>
+        </p:blipFill>
+        <p:spPr>
+          <a:xfrm>
+            <a:off x="7297059" y="401695"/>
+            <a:ext cx="1389741" cy="1389741"/>
+          </a:xfrm>
+          <a:prstGeom prst="rect">
+            <a:avLst/>
+          </a:prstGeom>
+        </p:spPr>
+      </p:pic>
+    </p:spTree>
+    <p:extLst>
+      <p:ext uri="{BB962C8B-B14F-4D97-AF65-F5344CB8AC3E}">
+        <p14:creationId xmlns:p14="http://schemas.microsoft.com/office/powerpoint/2010/main" val="810745224"/>
+      </p:ext>
+    </p:extLst>
+  </p:cSld>
+  <p:clrMapOvr>
+    <a:masterClrMapping/>
+  </p:clrMapOvr>
+</p:sld>
+</file>
+
+<file path=ppt/slides/slide36.xml><?xml version="1.0" encoding="utf-8"?>
+<p:sld xmlns:a="http://schemas.openxmlformats.org/drawingml/2006/main" xmlns:r="http://schemas.openxmlformats.org/officeDocument/2006/relationships" xmlns:p="http://schemas.openxmlformats.org/presentationml/2006/main">
+  <p:cSld>
+    <p:spTree>
+      <p:nvGrpSpPr>
+        <p:cNvPr id="1" name=""/>
+        <p:cNvGrpSpPr/>
+        <p:nvPr/>
+      </p:nvGrpSpPr>
+      <p:grpSpPr>
+        <a:xfrm>
+          <a:off x="0" y="0"/>
+          <a:ext cx="0" cy="0"/>
+          <a:chOff x="0" y="0"/>
+          <a:chExt cx="0" cy="0"/>
+        </a:xfrm>
+      </p:grpSpPr>
+      <p:sp>
+        <p:nvSpPr>
+          <p:cNvPr id="2" name="Title 1"/>
+          <p:cNvSpPr>
+            <a:spLocks noGrp="1"/>
+          </p:cNvSpPr>
+          <p:nvPr>
+            <p:ph type="title"/>
+          </p:nvPr>
+        </p:nvSpPr>
+        <p:spPr/>
+        <p:txBody>
+          <a:bodyPr/>
+          <a:lstStyle/>
+          <a:p>
+            <a:r>
+              <a:rPr lang="en-US" dirty="0" err="1" smtClean="0"/>
+              <a:t>DynamoDB</a:t>
+            </a:r>
+            <a:endParaRPr lang="en-US" dirty="0"/>
+          </a:p>
+        </p:txBody>
+      </p:sp>
+      <p:pic>
+        <p:nvPicPr>
+          <p:cNvPr id="4" name="Picture 3"/>
+          <p:cNvPicPr>
+            <a:picLocks noChangeAspect="1"/>
+          </p:cNvPicPr>
+          <p:nvPr/>
+        </p:nvPicPr>
+        <p:blipFill>
+          <a:blip r:embed="rId2"/>
+          <a:stretch>
+            <a:fillRect/>
+          </a:stretch>
+        </p:blipFill>
+        <p:spPr>
+          <a:xfrm>
+            <a:off x="1568005" y="1441756"/>
+            <a:ext cx="6168353" cy="5276719"/>
+          </a:xfrm>
+          <a:prstGeom prst="rect">
+            <a:avLst/>
+          </a:prstGeom>
+        </p:spPr>
+      </p:pic>
+    </p:spTree>
+    <p:extLst>
+      <p:ext uri="{BB962C8B-B14F-4D97-AF65-F5344CB8AC3E}">
+        <p14:creationId xmlns:p14="http://schemas.microsoft.com/office/powerpoint/2010/main" val="3007743103"/>
+      </p:ext>
+    </p:extLst>
+  </p:cSld>
+  <p:clrMapOvr>
+    <a:masterClrMapping/>
+  </p:clrMapOvr>
+</p:sld>
+</file>
+
+<file path=ppt/slides/slide37.xml><?xml version="1.0" encoding="utf-8"?>
+<p:sld xmlns:a="http://schemas.openxmlformats.org/drawingml/2006/main" xmlns:r="http://schemas.openxmlformats.org/officeDocument/2006/relationships" xmlns:p="http://schemas.openxmlformats.org/presentationml/2006/main">
+  <p:cSld>
+    <p:spTree>
+      <p:nvGrpSpPr>
+        <p:cNvPr id="1" name=""/>
+        <p:cNvGrpSpPr/>
+        <p:nvPr/>
+      </p:nvGrpSpPr>
+      <p:grpSpPr>
+        <a:xfrm>
+          <a:off x="0" y="0"/>
+          <a:ext cx="0" cy="0"/>
+          <a:chOff x="0" y="0"/>
+          <a:chExt cx="0" cy="0"/>
+        </a:xfrm>
+      </p:grpSpPr>
+      <p:sp>
+        <p:nvSpPr>
+          <p:cNvPr id="2" name="Title 1"/>
+          <p:cNvSpPr>
+            <a:spLocks noGrp="1"/>
+          </p:cNvSpPr>
+          <p:nvPr>
+            <p:ph type="title"/>
+          </p:nvPr>
+        </p:nvSpPr>
+        <p:spPr/>
+        <p:txBody>
+          <a:bodyPr/>
+          <a:lstStyle/>
+          <a:p>
+            <a:r>
+              <a:rPr lang="en-US" dirty="0" smtClean="0"/>
+              <a:t>Redshift</a:t>
+            </a:r>
+            <a:endParaRPr lang="en-US" dirty="0"/>
+          </a:p>
+        </p:txBody>
+      </p:sp>
+      <p:sp>
+        <p:nvSpPr>
+          <p:cNvPr id="3" name="Content Placeholder 2"/>
+          <p:cNvSpPr>
+            <a:spLocks noGrp="1"/>
+          </p:cNvSpPr>
+          <p:nvPr>
+            <p:ph idx="1"/>
+          </p:nvPr>
+        </p:nvSpPr>
+        <p:spPr/>
+        <p:txBody>
+          <a:bodyPr>
+            <a:normAutofit fontScale="92500" lnSpcReduction="20000"/>
+          </a:bodyPr>
+          <a:lstStyle/>
+          <a:p>
+            <a:r>
+              <a:rPr lang="en-US" dirty="0" smtClean="0"/>
+              <a:t>Managed data warehousing and analytics database (OLAP)</a:t>
+            </a:r>
+          </a:p>
+          <a:p>
+            <a:pPr lvl="1"/>
+            <a:r>
+              <a:rPr lang="en-US" dirty="0" smtClean="0"/>
+              <a:t>Online Transaction Processing (OLTP) focuses on querying and maintaining individual transactions</a:t>
+            </a:r>
+          </a:p>
+          <a:p>
+            <a:pPr lvl="2"/>
+            <a:r>
+              <a:rPr lang="en-US" dirty="0" smtClean="0"/>
+              <a:t>Products purchased in a specific order</a:t>
+            </a:r>
+          </a:p>
+          <a:p>
+            <a:pPr lvl="1"/>
+            <a:r>
+              <a:rPr lang="en-US" dirty="0" smtClean="0"/>
+              <a:t>Online Analytical Processing (OLAP) focuses on the analysis of aggregate sets of data</a:t>
+            </a:r>
+          </a:p>
+          <a:p>
+            <a:pPr lvl="2"/>
+            <a:r>
+              <a:rPr lang="en-US" dirty="0" smtClean="0"/>
+              <a:t>Total store sales across North America </a:t>
+            </a:r>
+          </a:p>
+          <a:p>
+            <a:r>
+              <a:rPr lang="en-US" dirty="0" smtClean="0"/>
+              <a:t>Uses columnar storage to improve performance</a:t>
+            </a:r>
+          </a:p>
+          <a:p>
+            <a:pPr lvl="1"/>
+            <a:r>
+              <a:rPr lang="en-US" dirty="0" smtClean="0"/>
+              <a:t>Generally computation is performed on values within a column, so store them in the same page to improve query performance (reduce I/O)</a:t>
+            </a:r>
+          </a:p>
+        </p:txBody>
+      </p:sp>
+      <p:pic>
+        <p:nvPicPr>
+          <p:cNvPr id="4" name="Picture 3"/>
+          <p:cNvPicPr>
+            <a:picLocks noChangeAspect="1"/>
+          </p:cNvPicPr>
+          <p:nvPr/>
+        </p:nvPicPr>
+        <p:blipFill>
+          <a:blip r:embed="rId2"/>
+          <a:stretch>
+            <a:fillRect/>
+          </a:stretch>
+        </p:blipFill>
+        <p:spPr>
+          <a:xfrm>
+            <a:off x="7401745" y="274638"/>
+            <a:ext cx="1480447" cy="1480447"/>
+          </a:xfrm>
+          <a:prstGeom prst="rect">
+            <a:avLst/>
+          </a:prstGeom>
+        </p:spPr>
+      </p:pic>
+    </p:spTree>
+    <p:extLst>
+      <p:ext uri="{BB962C8B-B14F-4D97-AF65-F5344CB8AC3E}">
+        <p14:creationId xmlns:p14="http://schemas.microsoft.com/office/powerpoint/2010/main" val="3850342652"/>
+      </p:ext>
+    </p:extLst>
+  </p:cSld>
+  <p:clrMapOvr>
+    <a:masterClrMapping/>
+  </p:clrMapOvr>
+</p:sld>
+</file>
+
+<file path=ppt/slides/slide38.xml><?xml version="1.0" encoding="utf-8"?>
 <p:sld xmlns:a="http://schemas.openxmlformats.org/drawingml/2006/main" xmlns:r="http://schemas.openxmlformats.org/officeDocument/2006/relationships" xmlns:p="http://schemas.openxmlformats.org/presentationml/2006/main">
   <p:cSld>
     <p:spTree>

--- a/infrastructure-week-5.pptx
+++ b/infrastructure-week-5.pptx
@@ -325,7 +325,7 @@
           <a:p>
             <a:fld id="{5C992B2E-871F-DF41-938B-F17F540EA4B5}" type="datetimeFigureOut">
               <a:rPr lang="en-US" smtClean="0"/>
-              <a:t>4/5/16</a:t>
+              <a:t>4/11/16</a:t>
             </a:fld>
             <a:endParaRPr lang="en-US"/>
           </a:p>
@@ -495,7 +495,7 @@
           <a:p>
             <a:fld id="{5C992B2E-871F-DF41-938B-F17F540EA4B5}" type="datetimeFigureOut">
               <a:rPr lang="en-US" smtClean="0"/>
-              <a:t>4/5/16</a:t>
+              <a:t>4/11/16</a:t>
             </a:fld>
             <a:endParaRPr lang="en-US"/>
           </a:p>
@@ -675,7 +675,7 @@
           <a:p>
             <a:fld id="{5C992B2E-871F-DF41-938B-F17F540EA4B5}" type="datetimeFigureOut">
               <a:rPr lang="en-US" smtClean="0"/>
-              <a:t>4/5/16</a:t>
+              <a:t>4/11/16</a:t>
             </a:fld>
             <a:endParaRPr lang="en-US"/>
           </a:p>
@@ -845,7 +845,7 @@
           <a:p>
             <a:fld id="{5C992B2E-871F-DF41-938B-F17F540EA4B5}" type="datetimeFigureOut">
               <a:rPr lang="en-US" smtClean="0"/>
-              <a:t>4/5/16</a:t>
+              <a:t>4/11/16</a:t>
             </a:fld>
             <a:endParaRPr lang="en-US"/>
           </a:p>
@@ -1091,7 +1091,7 @@
           <a:p>
             <a:fld id="{5C992B2E-871F-DF41-938B-F17F540EA4B5}" type="datetimeFigureOut">
               <a:rPr lang="en-US" smtClean="0"/>
-              <a:t>4/5/16</a:t>
+              <a:t>4/11/16</a:t>
             </a:fld>
             <a:endParaRPr lang="en-US"/>
           </a:p>
@@ -1379,7 +1379,7 @@
           <a:p>
             <a:fld id="{5C992B2E-871F-DF41-938B-F17F540EA4B5}" type="datetimeFigureOut">
               <a:rPr lang="en-US" smtClean="0"/>
-              <a:t>4/5/16</a:t>
+              <a:t>4/11/16</a:t>
             </a:fld>
             <a:endParaRPr lang="en-US"/>
           </a:p>
@@ -1801,7 +1801,7 @@
           <a:p>
             <a:fld id="{5C992B2E-871F-DF41-938B-F17F540EA4B5}" type="datetimeFigureOut">
               <a:rPr lang="en-US" smtClean="0"/>
-              <a:t>4/5/16</a:t>
+              <a:t>4/11/16</a:t>
             </a:fld>
             <a:endParaRPr lang="en-US"/>
           </a:p>
@@ -1919,7 +1919,7 @@
           <a:p>
             <a:fld id="{5C992B2E-871F-DF41-938B-F17F540EA4B5}" type="datetimeFigureOut">
               <a:rPr lang="en-US" smtClean="0"/>
-              <a:t>4/5/16</a:t>
+              <a:t>4/11/16</a:t>
             </a:fld>
             <a:endParaRPr lang="en-US"/>
           </a:p>
@@ -2014,7 +2014,7 @@
           <a:p>
             <a:fld id="{5C992B2E-871F-DF41-938B-F17F540EA4B5}" type="datetimeFigureOut">
               <a:rPr lang="en-US" smtClean="0"/>
-              <a:t>4/5/16</a:t>
+              <a:t>4/11/16</a:t>
             </a:fld>
             <a:endParaRPr lang="en-US"/>
           </a:p>
@@ -2291,7 +2291,7 @@
           <a:p>
             <a:fld id="{5C992B2E-871F-DF41-938B-F17F540EA4B5}" type="datetimeFigureOut">
               <a:rPr lang="en-US" smtClean="0"/>
-              <a:t>4/5/16</a:t>
+              <a:t>4/11/16</a:t>
             </a:fld>
             <a:endParaRPr lang="en-US"/>
           </a:p>
@@ -2544,7 +2544,7 @@
           <a:p>
             <a:fld id="{5C992B2E-871F-DF41-938B-F17F540EA4B5}" type="datetimeFigureOut">
               <a:rPr lang="en-US" smtClean="0"/>
-              <a:t>4/5/16</a:t>
+              <a:t>4/11/16</a:t>
             </a:fld>
             <a:endParaRPr lang="en-US"/>
           </a:p>
@@ -2757,7 +2757,7 @@
           <a:p>
             <a:fld id="{5C992B2E-871F-DF41-938B-F17F540EA4B5}" type="datetimeFigureOut">
               <a:rPr lang="en-US" smtClean="0"/>
-              <a:t>4/5/16</a:t>
+              <a:t>4/11/16</a:t>
             </a:fld>
             <a:endParaRPr lang="en-US"/>
           </a:p>
@@ -3150,30 +3150,62 @@
         </p:spPr>
         <p:txBody>
           <a:bodyPr>
-            <a:normAutofit fontScale="90000"/>
+            <a:normAutofit/>
           </a:bodyPr>
           <a:lstStyle/>
           <a:p>
             <a:r>
-              <a:rPr lang="en-US" sz="6000" dirty="0" smtClean="0"/>
+              <a:rPr lang="en-US" sz="3600" dirty="0" err="1">
+                <a:solidFill>
+                  <a:prstClr val="black"/>
+                </a:solidFill>
+              </a:rPr>
+              <a:t>DevOps</a:t>
+            </a:r>
+            <a:r>
+              <a:rPr lang="en-US" sz="3600" dirty="0">
+                <a:solidFill>
+                  <a:prstClr val="black"/>
+                </a:solidFill>
+              </a:rPr>
+              <a:t> &amp; Cloud Infrastructure</a:t>
+            </a:r>
+            <a:br>
+              <a:rPr lang="en-US" sz="3600" dirty="0">
+                <a:solidFill>
+                  <a:prstClr val="black"/>
+                </a:solidFill>
+              </a:rPr>
+            </a:br>
+            <a:r>
+              <a:rPr lang="en-US" sz="3600" dirty="0">
+                <a:solidFill>
+                  <a:prstClr val="black"/>
+                </a:solidFill>
+              </a:rPr>
               <a:t>SEIS 6XX</a:t>
             </a:r>
             <a:br>
-              <a:rPr lang="en-US" sz="6000" dirty="0" smtClean="0"/>
+              <a:rPr lang="en-US" sz="3600" dirty="0">
+                <a:solidFill>
+                  <a:prstClr val="black"/>
+                </a:solidFill>
+              </a:rPr>
             </a:br>
             <a:r>
-              <a:rPr lang="en-US" sz="6000" dirty="0" smtClean="0"/>
-              <a:t>IT Infrastructure</a:t>
-            </a:r>
-            <a:br>
-              <a:rPr lang="en-US" sz="6000" dirty="0" smtClean="0"/>
-            </a:br>
-            <a:r>
-              <a:rPr lang="en-US" sz="6000" dirty="0" smtClean="0"/>
+              <a:rPr lang="en-US" sz="3600" dirty="0">
+                <a:solidFill>
+                  <a:prstClr val="black"/>
+                </a:solidFill>
+              </a:rPr>
               <a:t>Week </a:t>
             </a:r>
             <a:r>
-              <a:rPr lang="en-US" sz="6000" dirty="0" smtClean="0"/>
+              <a:rPr lang="en-US" sz="3600" dirty="0" smtClean="0">
+                <a:solidFill>
+                  <a:prstClr val="black"/>
+                </a:solidFill>
+              </a:rPr>
               <a:t>5</a:t>
             </a:r>
             <a:endParaRPr lang="en-US" sz="6000" dirty="0"/>
@@ -3234,6 +3266,30 @@
           </a:p>
         </p:txBody>
       </p:sp>
+      <p:pic>
+        <p:nvPicPr>
+          <p:cNvPr id="5" name="Picture 4"/>
+          <p:cNvPicPr>
+            <a:picLocks noChangeAspect="1"/>
+          </p:cNvPicPr>
+          <p:nvPr/>
+        </p:nvPicPr>
+        <p:blipFill>
+          <a:blip r:embed="rId2"/>
+          <a:stretch>
+            <a:fillRect/>
+          </a:stretch>
+        </p:blipFill>
+        <p:spPr>
+          <a:xfrm>
+            <a:off x="6145020" y="3779029"/>
+            <a:ext cx="2892033" cy="2956941"/>
+          </a:xfrm>
+          <a:prstGeom prst="rect">
+            <a:avLst/>
+          </a:prstGeom>
+        </p:spPr>
+      </p:pic>
     </p:spTree>
     <p:extLst>
       <p:ext uri="{BB962C8B-B14F-4D97-AF65-F5344CB8AC3E}">
@@ -5424,6 +5480,30 @@
           </a:p>
         </p:txBody>
       </p:sp>
+      <p:pic>
+        <p:nvPicPr>
+          <p:cNvPr id="4" name="Picture 3"/>
+          <p:cNvPicPr>
+            <a:picLocks noChangeAspect="1"/>
+          </p:cNvPicPr>
+          <p:nvPr/>
+        </p:nvPicPr>
+        <p:blipFill>
+          <a:blip r:embed="rId2"/>
+          <a:stretch>
+            <a:fillRect/>
+          </a:stretch>
+        </p:blipFill>
+        <p:spPr>
+          <a:xfrm>
+            <a:off x="7268698" y="403586"/>
+            <a:ext cx="1014052" cy="1014052"/>
+          </a:xfrm>
+          <a:prstGeom prst="rect">
+            <a:avLst/>
+          </a:prstGeom>
+        </p:spPr>
+      </p:pic>
     </p:spTree>
     <p:extLst>
       <p:ext uri="{BB962C8B-B14F-4D97-AF65-F5344CB8AC3E}">
@@ -6427,6 +6507,30 @@
           </a:p>
         </p:txBody>
       </p:sp>
+      <p:pic>
+        <p:nvPicPr>
+          <p:cNvPr id="4" name="Picture 3"/>
+          <p:cNvPicPr>
+            <a:picLocks noChangeAspect="1"/>
+          </p:cNvPicPr>
+          <p:nvPr/>
+        </p:nvPicPr>
+        <p:blipFill>
+          <a:blip r:embed="rId2"/>
+          <a:stretch>
+            <a:fillRect/>
+          </a:stretch>
+        </p:blipFill>
+        <p:spPr>
+          <a:xfrm>
+            <a:off x="7268698" y="403586"/>
+            <a:ext cx="1014052" cy="1014052"/>
+          </a:xfrm>
+          <a:prstGeom prst="rect">
+            <a:avLst/>
+          </a:prstGeom>
+        </p:spPr>
+      </p:pic>
     </p:spTree>
     <p:extLst>
       <p:ext uri="{BB962C8B-B14F-4D97-AF65-F5344CB8AC3E}">
@@ -6897,7 +7001,6 @@
               <a:rPr lang="en-US" dirty="0" smtClean="0"/>
               <a:t>Chapters 1 &amp; 2</a:t>
             </a:r>
-            <a:endParaRPr lang="en-US" dirty="0" smtClean="0"/>
           </a:p>
         </p:txBody>
       </p:sp>
@@ -7256,6 +7359,30 @@
           </a:p>
         </p:txBody>
       </p:sp>
+      <p:pic>
+        <p:nvPicPr>
+          <p:cNvPr id="4" name="Picture 3"/>
+          <p:cNvPicPr>
+            <a:picLocks noChangeAspect="1"/>
+          </p:cNvPicPr>
+          <p:nvPr/>
+        </p:nvPicPr>
+        <p:blipFill>
+          <a:blip r:embed="rId2"/>
+          <a:stretch>
+            <a:fillRect/>
+          </a:stretch>
+        </p:blipFill>
+        <p:spPr>
+          <a:xfrm>
+            <a:off x="7268698" y="403586"/>
+            <a:ext cx="1014052" cy="1014052"/>
+          </a:xfrm>
+          <a:prstGeom prst="rect">
+            <a:avLst/>
+          </a:prstGeom>
+        </p:spPr>
+      </p:pic>
     </p:spTree>
     <p:extLst>
       <p:ext uri="{BB962C8B-B14F-4D97-AF65-F5344CB8AC3E}">

--- a/infrastructure-week-5.pptx
+++ b/infrastructure-week-5.pptx
@@ -325,7 +325,7 @@
           <a:p>
             <a:fld id="{5C992B2E-871F-DF41-938B-F17F540EA4B5}" type="datetimeFigureOut">
               <a:rPr lang="en-US" smtClean="0"/>
-              <a:t>4/11/16</a:t>
+              <a:t>8/5/16</a:t>
             </a:fld>
             <a:endParaRPr lang="en-US"/>
           </a:p>
@@ -495,7 +495,7 @@
           <a:p>
             <a:fld id="{5C992B2E-871F-DF41-938B-F17F540EA4B5}" type="datetimeFigureOut">
               <a:rPr lang="en-US" smtClean="0"/>
-              <a:t>4/11/16</a:t>
+              <a:t>8/5/16</a:t>
             </a:fld>
             <a:endParaRPr lang="en-US"/>
           </a:p>
@@ -675,7 +675,7 @@
           <a:p>
             <a:fld id="{5C992B2E-871F-DF41-938B-F17F540EA4B5}" type="datetimeFigureOut">
               <a:rPr lang="en-US" smtClean="0"/>
-              <a:t>4/11/16</a:t>
+              <a:t>8/5/16</a:t>
             </a:fld>
             <a:endParaRPr lang="en-US"/>
           </a:p>
@@ -845,7 +845,7 @@
           <a:p>
             <a:fld id="{5C992B2E-871F-DF41-938B-F17F540EA4B5}" type="datetimeFigureOut">
               <a:rPr lang="en-US" smtClean="0"/>
-              <a:t>4/11/16</a:t>
+              <a:t>8/5/16</a:t>
             </a:fld>
             <a:endParaRPr lang="en-US"/>
           </a:p>
@@ -1091,7 +1091,7 @@
           <a:p>
             <a:fld id="{5C992B2E-871F-DF41-938B-F17F540EA4B5}" type="datetimeFigureOut">
               <a:rPr lang="en-US" smtClean="0"/>
-              <a:t>4/11/16</a:t>
+              <a:t>8/5/16</a:t>
             </a:fld>
             <a:endParaRPr lang="en-US"/>
           </a:p>
@@ -1379,7 +1379,7 @@
           <a:p>
             <a:fld id="{5C992B2E-871F-DF41-938B-F17F540EA4B5}" type="datetimeFigureOut">
               <a:rPr lang="en-US" smtClean="0"/>
-              <a:t>4/11/16</a:t>
+              <a:t>8/5/16</a:t>
             </a:fld>
             <a:endParaRPr lang="en-US"/>
           </a:p>
@@ -1801,7 +1801,7 @@
           <a:p>
             <a:fld id="{5C992B2E-871F-DF41-938B-F17F540EA4B5}" type="datetimeFigureOut">
               <a:rPr lang="en-US" smtClean="0"/>
-              <a:t>4/11/16</a:t>
+              <a:t>8/5/16</a:t>
             </a:fld>
             <a:endParaRPr lang="en-US"/>
           </a:p>
@@ -1919,7 +1919,7 @@
           <a:p>
             <a:fld id="{5C992B2E-871F-DF41-938B-F17F540EA4B5}" type="datetimeFigureOut">
               <a:rPr lang="en-US" smtClean="0"/>
-              <a:t>4/11/16</a:t>
+              <a:t>8/5/16</a:t>
             </a:fld>
             <a:endParaRPr lang="en-US"/>
           </a:p>
@@ -2014,7 +2014,7 @@
           <a:p>
             <a:fld id="{5C992B2E-871F-DF41-938B-F17F540EA4B5}" type="datetimeFigureOut">
               <a:rPr lang="en-US" smtClean="0"/>
-              <a:t>4/11/16</a:t>
+              <a:t>8/5/16</a:t>
             </a:fld>
             <a:endParaRPr lang="en-US"/>
           </a:p>
@@ -2291,7 +2291,7 @@
           <a:p>
             <a:fld id="{5C992B2E-871F-DF41-938B-F17F540EA4B5}" type="datetimeFigureOut">
               <a:rPr lang="en-US" smtClean="0"/>
-              <a:t>4/11/16</a:t>
+              <a:t>8/5/16</a:t>
             </a:fld>
             <a:endParaRPr lang="en-US"/>
           </a:p>
@@ -2544,7 +2544,7 @@
           <a:p>
             <a:fld id="{5C992B2E-871F-DF41-938B-F17F540EA4B5}" type="datetimeFigureOut">
               <a:rPr lang="en-US" smtClean="0"/>
-              <a:t>4/11/16</a:t>
+              <a:t>8/5/16</a:t>
             </a:fld>
             <a:endParaRPr lang="en-US"/>
           </a:p>
@@ -2757,7 +2757,7 @@
           <a:p>
             <a:fld id="{5C992B2E-871F-DF41-938B-F17F540EA4B5}" type="datetimeFigureOut">
               <a:rPr lang="en-US" smtClean="0"/>
-              <a:t>4/11/16</a:t>
+              <a:t>8/5/16</a:t>
             </a:fld>
             <a:endParaRPr lang="en-US"/>
           </a:p>
@@ -3183,7 +3183,23 @@
                   <a:prstClr val="black"/>
                 </a:solidFill>
               </a:rPr>
-              <a:t>SEIS 6XX</a:t>
+              <a:t>SEIS </a:t>
+            </a:r>
+            <a:r>
+              <a:rPr lang="en-US" sz="3600" dirty="0" smtClean="0">
+                <a:solidFill>
+                  <a:prstClr val="black"/>
+                </a:solidFill>
+              </a:rPr>
+              <a:t>665</a:t>
+            </a:r>
+            <a:r>
+              <a:rPr lang="en-US" sz="3600" dirty="0">
+                <a:solidFill>
+                  <a:prstClr val="black"/>
+                </a:solidFill>
+              </a:rPr>
+              <a:t/>
             </a:r>
             <a:br>
               <a:rPr lang="en-US" sz="3600" dirty="0">
@@ -4135,13 +4151,21 @@
         </p:spPr>
         <p:txBody>
           <a:bodyPr>
-            <a:normAutofit fontScale="92500" lnSpcReduction="10000"/>
+            <a:normAutofit fontScale="92500" lnSpcReduction="20000"/>
           </a:bodyPr>
           <a:lstStyle/>
           <a:p>
             <a:r>
               <a:rPr lang="en-US" sz="2800" dirty="0" smtClean="0"/>
-              <a:t>To access the Internet an instance </a:t>
+              <a:t>To access the Internet </a:t>
+            </a:r>
+            <a:r>
+              <a:rPr lang="en-US" sz="2800" dirty="0" smtClean="0"/>
+              <a:t>directly an </a:t>
+            </a:r>
+            <a:r>
+              <a:rPr lang="en-US" sz="2800" dirty="0" smtClean="0"/>
+              <a:t>instance </a:t>
             </a:r>
             <a:r>
               <a:rPr lang="en-US" sz="2800" u="sng" dirty="0" smtClean="0"/>
@@ -4794,7 +4818,18 @@
             <a:pPr lvl="1"/>
             <a:r>
               <a:rPr lang="en-US" dirty="0" smtClean="0"/>
-              <a:t>Default rule is all ingress/egress data denied</a:t>
+              <a:t>Default rule is all ingress/egress data </a:t>
+            </a:r>
+            <a:r>
+              <a:rPr lang="en-US" dirty="0" smtClean="0"/>
+              <a:t>allowed</a:t>
+            </a:r>
+          </a:p>
+          <a:p>
+            <a:pPr lvl="1"/>
+            <a:r>
+              <a:rPr lang="en-US" dirty="0" smtClean="0"/>
+              <a:t>New rules start by denying all data</a:t>
             </a:r>
             <a:endParaRPr lang="en-US" dirty="0"/>
           </a:p>

--- a/infrastructure-week-5.pptx
+++ b/infrastructure-week-5.pptx
@@ -325,7 +325,7 @@
           <a:p>
             <a:fld id="{5C992B2E-871F-DF41-938B-F17F540EA4B5}" type="datetimeFigureOut">
               <a:rPr lang="en-US" smtClean="0"/>
-              <a:t>8/5/16</a:t>
+              <a:t>8/10/16</a:t>
             </a:fld>
             <a:endParaRPr lang="en-US"/>
           </a:p>
@@ -495,7 +495,7 @@
           <a:p>
             <a:fld id="{5C992B2E-871F-DF41-938B-F17F540EA4B5}" type="datetimeFigureOut">
               <a:rPr lang="en-US" smtClean="0"/>
-              <a:t>8/5/16</a:t>
+              <a:t>8/10/16</a:t>
             </a:fld>
             <a:endParaRPr lang="en-US"/>
           </a:p>
@@ -675,7 +675,7 @@
           <a:p>
             <a:fld id="{5C992B2E-871F-DF41-938B-F17F540EA4B5}" type="datetimeFigureOut">
               <a:rPr lang="en-US" smtClean="0"/>
-              <a:t>8/5/16</a:t>
+              <a:t>8/10/16</a:t>
             </a:fld>
             <a:endParaRPr lang="en-US"/>
           </a:p>
@@ -845,7 +845,7 @@
           <a:p>
             <a:fld id="{5C992B2E-871F-DF41-938B-F17F540EA4B5}" type="datetimeFigureOut">
               <a:rPr lang="en-US" smtClean="0"/>
-              <a:t>8/5/16</a:t>
+              <a:t>8/10/16</a:t>
             </a:fld>
             <a:endParaRPr lang="en-US"/>
           </a:p>
@@ -1091,7 +1091,7 @@
           <a:p>
             <a:fld id="{5C992B2E-871F-DF41-938B-F17F540EA4B5}" type="datetimeFigureOut">
               <a:rPr lang="en-US" smtClean="0"/>
-              <a:t>8/5/16</a:t>
+              <a:t>8/10/16</a:t>
             </a:fld>
             <a:endParaRPr lang="en-US"/>
           </a:p>
@@ -1379,7 +1379,7 @@
           <a:p>
             <a:fld id="{5C992B2E-871F-DF41-938B-F17F540EA4B5}" type="datetimeFigureOut">
               <a:rPr lang="en-US" smtClean="0"/>
-              <a:t>8/5/16</a:t>
+              <a:t>8/10/16</a:t>
             </a:fld>
             <a:endParaRPr lang="en-US"/>
           </a:p>
@@ -1801,7 +1801,7 @@
           <a:p>
             <a:fld id="{5C992B2E-871F-DF41-938B-F17F540EA4B5}" type="datetimeFigureOut">
               <a:rPr lang="en-US" smtClean="0"/>
-              <a:t>8/5/16</a:t>
+              <a:t>8/10/16</a:t>
             </a:fld>
             <a:endParaRPr lang="en-US"/>
           </a:p>
@@ -1919,7 +1919,7 @@
           <a:p>
             <a:fld id="{5C992B2E-871F-DF41-938B-F17F540EA4B5}" type="datetimeFigureOut">
               <a:rPr lang="en-US" smtClean="0"/>
-              <a:t>8/5/16</a:t>
+              <a:t>8/10/16</a:t>
             </a:fld>
             <a:endParaRPr lang="en-US"/>
           </a:p>
@@ -2014,7 +2014,7 @@
           <a:p>
             <a:fld id="{5C992B2E-871F-DF41-938B-F17F540EA4B5}" type="datetimeFigureOut">
               <a:rPr lang="en-US" smtClean="0"/>
-              <a:t>8/5/16</a:t>
+              <a:t>8/10/16</a:t>
             </a:fld>
             <a:endParaRPr lang="en-US"/>
           </a:p>
@@ -2291,7 +2291,7 @@
           <a:p>
             <a:fld id="{5C992B2E-871F-DF41-938B-F17F540EA4B5}" type="datetimeFigureOut">
               <a:rPr lang="en-US" smtClean="0"/>
-              <a:t>8/5/16</a:t>
+              <a:t>8/10/16</a:t>
             </a:fld>
             <a:endParaRPr lang="en-US"/>
           </a:p>
@@ -2544,7 +2544,7 @@
           <a:p>
             <a:fld id="{5C992B2E-871F-DF41-938B-F17F540EA4B5}" type="datetimeFigureOut">
               <a:rPr lang="en-US" smtClean="0"/>
-              <a:t>8/5/16</a:t>
+              <a:t>8/10/16</a:t>
             </a:fld>
             <a:endParaRPr lang="en-US"/>
           </a:p>
@@ -2757,7 +2757,7 @@
           <a:p>
             <a:fld id="{5C992B2E-871F-DF41-938B-F17F540EA4B5}" type="datetimeFigureOut">
               <a:rPr lang="en-US" smtClean="0"/>
-              <a:t>8/5/16</a:t>
+              <a:t>8/10/16</a:t>
             </a:fld>
             <a:endParaRPr lang="en-US"/>
           </a:p>
@@ -3483,23 +3483,42 @@
             <p:ph idx="1"/>
           </p:nvPr>
         </p:nvSpPr>
-        <p:spPr/>
+        <p:spPr>
+          <a:xfrm>
+            <a:off x="457200" y="1600200"/>
+            <a:ext cx="8229600" cy="4907487"/>
+          </a:xfrm>
+        </p:spPr>
         <p:txBody>
           <a:bodyPr>
-            <a:normAutofit fontScale="92500"/>
+            <a:normAutofit fontScale="92500" lnSpcReduction="20000"/>
           </a:bodyPr>
           <a:lstStyle/>
           <a:p>
             <a:r>
               <a:rPr lang="en-US" dirty="0" smtClean="0"/>
-              <a:t>A VPC is a logically isolated virtual network within a region that is used to partition resources</a:t>
-            </a:r>
-          </a:p>
-          <a:p>
-            <a:r>
-              <a:rPr lang="en-US" dirty="0" smtClean="0"/>
-              <a:t>It’s like a private cloud-based data center</a:t>
-            </a:r>
+              <a:t>A VPC is a logically isolated virtual network within a region that is used to partition </a:t>
+            </a:r>
+            <a:r>
+              <a:rPr lang="en-US" dirty="0" smtClean="0"/>
+              <a:t>resources</a:t>
+            </a:r>
+          </a:p>
+          <a:p>
+            <a:endParaRPr lang="en-US" dirty="0" smtClean="0"/>
+          </a:p>
+          <a:p>
+            <a:r>
+              <a:rPr lang="en-US" dirty="0" smtClean="0"/>
+              <a:t>It’s like a private cloud-based data </a:t>
+            </a:r>
+            <a:r>
+              <a:rPr lang="en-US" dirty="0" smtClean="0"/>
+              <a:t>center</a:t>
+            </a:r>
+          </a:p>
+          <a:p>
+            <a:endParaRPr lang="en-US" dirty="0" smtClean="0"/>
           </a:p>
           <a:p>
             <a:r>
@@ -3518,13 +3537,33 @@
             <a:pPr lvl="1"/>
             <a:r>
               <a:rPr lang="en-US" dirty="0" smtClean="0"/>
-              <a:t>Securely partition applications and organizations</a:t>
-            </a:r>
-          </a:p>
-          <a:p>
-            <a:r>
-              <a:rPr lang="en-US" dirty="0" smtClean="0"/>
-              <a:t>VPCs are hard to understand at first, but are critically important to working with AWS</a:t>
+              <a:t>Securely partition applications and </a:t>
+            </a:r>
+            <a:r>
+              <a:rPr lang="en-US" dirty="0" smtClean="0"/>
+              <a:t>organizations</a:t>
+            </a:r>
+          </a:p>
+          <a:p>
+            <a:pPr lvl="1"/>
+            <a:endParaRPr lang="en-US" dirty="0" smtClean="0"/>
+          </a:p>
+          <a:p>
+            <a:r>
+              <a:rPr lang="en-US" dirty="0" smtClean="0"/>
+              <a:t>VPCs are </a:t>
+            </a:r>
+            <a:r>
+              <a:rPr lang="en-US" dirty="0" smtClean="0"/>
+              <a:t>hard </a:t>
+            </a:r>
+            <a:r>
+              <a:rPr lang="en-US" dirty="0" smtClean="0"/>
+              <a:t>to </a:t>
+            </a:r>
+            <a:r>
+              <a:rPr lang="en-US" dirty="0" smtClean="0"/>
+              <a:t>understand at first, but are critically important to working with AWS</a:t>
             </a:r>
           </a:p>
           <a:p>
@@ -3845,20 +3884,34 @@
         </p:spPr>
         <p:txBody>
           <a:bodyPr>
-            <a:normAutofit fontScale="92500" lnSpcReduction="10000"/>
+            <a:normAutofit fontScale="85000" lnSpcReduction="10000"/>
           </a:bodyPr>
           <a:lstStyle/>
           <a:p>
             <a:r>
               <a:rPr lang="en-US" dirty="0" smtClean="0"/>
-              <a:t>A VPC network is partitioned into one or more subnets.</a:t>
-            </a:r>
-          </a:p>
-          <a:p>
-            <a:r>
-              <a:rPr lang="en-US" dirty="0" smtClean="0"/>
-              <a:t>Each subnet is associated with one AZ.</a:t>
-            </a:r>
+              <a:t>A VPC network is partitioned into one or more subnets</a:t>
+            </a:r>
+            <a:r>
+              <a:rPr lang="en-US" dirty="0" smtClean="0"/>
+              <a:t>.</a:t>
+            </a:r>
+          </a:p>
+          <a:p>
+            <a:endParaRPr lang="en-US" dirty="0" smtClean="0"/>
+          </a:p>
+          <a:p>
+            <a:r>
+              <a:rPr lang="en-US" dirty="0" smtClean="0"/>
+              <a:t>Each subnet is associated with one AZ</a:t>
+            </a:r>
+            <a:r>
+              <a:rPr lang="en-US" dirty="0" smtClean="0"/>
+              <a:t>.</a:t>
+            </a:r>
+          </a:p>
+          <a:p>
+            <a:endParaRPr lang="en-US" dirty="0" smtClean="0"/>
           </a:p>
           <a:p>
             <a:r>
@@ -3960,19 +4013,35 @@
         </p:nvSpPr>
         <p:spPr/>
         <p:txBody>
-          <a:bodyPr/>
-          <a:lstStyle/>
-          <a:p>
-            <a:r>
-              <a:rPr lang="en-US" dirty="0" smtClean="0"/>
-              <a:t>Every EC2 instance has a private IP address, automatically assigned based on the subnet</a:t>
-            </a:r>
-          </a:p>
-          <a:p>
-            <a:r>
-              <a:rPr lang="en-US" dirty="0" smtClean="0"/>
-              <a:t>Some instances may have a dynamically assigned public IP address based on subnet setting</a:t>
-            </a:r>
+          <a:bodyPr>
+            <a:normAutofit fontScale="92500" lnSpcReduction="10000"/>
+          </a:bodyPr>
+          <a:lstStyle/>
+          <a:p>
+            <a:r>
+              <a:rPr lang="en-US" dirty="0" smtClean="0"/>
+              <a:t>Every EC2 instance has a private IP address, automatically assigned based on the </a:t>
+            </a:r>
+            <a:r>
+              <a:rPr lang="en-US" dirty="0" smtClean="0"/>
+              <a:t>subnet</a:t>
+            </a:r>
+          </a:p>
+          <a:p>
+            <a:endParaRPr lang="en-US" dirty="0" smtClean="0"/>
+          </a:p>
+          <a:p>
+            <a:r>
+              <a:rPr lang="en-US" dirty="0" smtClean="0"/>
+              <a:t>Some instances may have a dynamically assigned public IP address based on subnet </a:t>
+            </a:r>
+            <a:r>
+              <a:rPr lang="en-US" dirty="0" smtClean="0"/>
+              <a:t>setting</a:t>
+            </a:r>
+          </a:p>
+          <a:p>
+            <a:endParaRPr lang="en-US" dirty="0" smtClean="0"/>
           </a:p>
           <a:p>
             <a:r>
@@ -4050,7 +4119,9 @@
         </p:nvSpPr>
         <p:spPr/>
         <p:txBody>
-          <a:bodyPr/>
+          <a:bodyPr>
+            <a:normAutofit fontScale="92500"/>
+          </a:bodyPr>
           <a:lstStyle/>
           <a:p>
             <a:r>
@@ -4062,8 +4133,16 @@
             <a:pPr lvl="1"/>
             <a:r>
               <a:rPr lang="en-US" dirty="0" smtClean="0"/>
-              <a:t>IP address doesn’t change when the instance is restarted.</a:t>
-            </a:r>
+              <a:t>IP address doesn’t change when the instance is restarted</a:t>
+            </a:r>
+            <a:r>
+              <a:rPr lang="en-US" dirty="0" smtClean="0"/>
+              <a:t>.</a:t>
+            </a:r>
+          </a:p>
+          <a:p>
+            <a:pPr lvl="1"/>
+            <a:endParaRPr lang="en-US" dirty="0" smtClean="0"/>
           </a:p>
           <a:p>
             <a:r>
@@ -4151,21 +4230,13 @@
         </p:spPr>
         <p:txBody>
           <a:bodyPr>
-            <a:normAutofit fontScale="92500" lnSpcReduction="20000"/>
+            <a:normAutofit fontScale="85000" lnSpcReduction="10000"/>
           </a:bodyPr>
           <a:lstStyle/>
           <a:p>
             <a:r>
               <a:rPr lang="en-US" sz="2800" dirty="0" smtClean="0"/>
-              <a:t>To access the Internet </a:t>
-            </a:r>
-            <a:r>
-              <a:rPr lang="en-US" sz="2800" dirty="0" smtClean="0"/>
-              <a:t>directly an </a:t>
-            </a:r>
-            <a:r>
-              <a:rPr lang="en-US" sz="2800" dirty="0" smtClean="0"/>
-              <a:t>instance </a:t>
+              <a:t>To access the Internet directly an instance </a:t>
             </a:r>
             <a:r>
               <a:rPr lang="en-US" sz="2800" u="sng" dirty="0" smtClean="0"/>
@@ -4173,14 +4244,28 @@
             </a:r>
             <a:r>
               <a:rPr lang="en-US" sz="2800" dirty="0" smtClean="0"/>
-              <a:t> have a public IP address and be on a subnet that routes through an Internet Gateway.</a:t>
-            </a:r>
-          </a:p>
-          <a:p>
+              <a:t> have a public IP address and be on a subnet that routes through an Internet Gateway</a:t>
+            </a:r>
             <a:r>
               <a:rPr lang="en-US" sz="2800" dirty="0" smtClean="0"/>
-              <a:t>Only one IG allowed per VPC.</a:t>
-            </a:r>
+              <a:t>.</a:t>
+            </a:r>
+          </a:p>
+          <a:p>
+            <a:endParaRPr lang="en-US" sz="2800" dirty="0" smtClean="0"/>
+          </a:p>
+          <a:p>
+            <a:r>
+              <a:rPr lang="en-US" sz="2800" dirty="0" smtClean="0"/>
+              <a:t>Only one IG allowed per VPC</a:t>
+            </a:r>
+            <a:r>
+              <a:rPr lang="en-US" sz="2800" dirty="0" smtClean="0"/>
+              <a:t>.</a:t>
+            </a:r>
+          </a:p>
+          <a:p>
+            <a:endParaRPr lang="en-US" sz="2800" dirty="0" smtClean="0"/>
           </a:p>
           <a:p>
             <a:r>
@@ -4777,7 +4862,9 @@
         </p:nvSpPr>
         <p:spPr/>
         <p:txBody>
-          <a:bodyPr/>
+          <a:bodyPr>
+            <a:normAutofit fontScale="85000" lnSpcReduction="20000"/>
+          </a:bodyPr>
           <a:lstStyle/>
           <a:p>
             <a:r>
@@ -4789,15 +4876,31 @@
             <a:pPr lvl="1"/>
             <a:r>
               <a:rPr lang="en-US" dirty="0" smtClean="0"/>
-              <a:t>It’s like a firewall for subnets</a:t>
-            </a:r>
-          </a:p>
-          <a:p>
-            <a:pPr lvl="1"/>
-            <a:r>
-              <a:rPr lang="en-US" dirty="0" smtClean="0"/>
-              <a:t>Filters traffic outside of subnet and before security groups</a:t>
-            </a:r>
+              <a:t>It’s like a firewall for </a:t>
+            </a:r>
+            <a:r>
+              <a:rPr lang="en-US" dirty="0" smtClean="0"/>
+              <a:t>subnets</a:t>
+            </a:r>
+          </a:p>
+          <a:p>
+            <a:pPr lvl="1"/>
+            <a:endParaRPr lang="en-US" dirty="0" smtClean="0"/>
+          </a:p>
+          <a:p>
+            <a:pPr lvl="1"/>
+            <a:r>
+              <a:rPr lang="en-US" dirty="0" smtClean="0"/>
+              <a:t>Filters traffic outside of subnet and before security </a:t>
+            </a:r>
+            <a:r>
+              <a:rPr lang="en-US" dirty="0" smtClean="0"/>
+              <a:t>groups</a:t>
+            </a:r>
+          </a:p>
+          <a:p>
+            <a:pPr lvl="1"/>
+            <a:endParaRPr lang="en-US" dirty="0" smtClean="0"/>
           </a:p>
           <a:p>
             <a:pPr lvl="1"/>
@@ -4811,8 +4914,16 @@
             </a:r>
             <a:r>
               <a:rPr lang="en-US" dirty="0" smtClean="0"/>
-              <a:t>, meaning ingress and egress rules must be explicitly defined</a:t>
-            </a:r>
+              <a:t>, meaning ingress and egress rules must be explicitly </a:t>
+            </a:r>
+            <a:r>
+              <a:rPr lang="en-US" dirty="0" smtClean="0"/>
+              <a:t>defined.</a:t>
+            </a:r>
+          </a:p>
+          <a:p>
+            <a:pPr lvl="1"/>
+            <a:endParaRPr lang="en-US" dirty="0" smtClean="0"/>
           </a:p>
           <a:p>
             <a:pPr lvl="1"/>
@@ -4824,6 +4935,10 @@
               <a:rPr lang="en-US" dirty="0" smtClean="0"/>
               <a:t>allowed</a:t>
             </a:r>
+          </a:p>
+          <a:p>
+            <a:pPr lvl="1"/>
+            <a:endParaRPr lang="en-US" dirty="0" smtClean="0"/>
           </a:p>
           <a:p>
             <a:pPr lvl="1"/>
@@ -4978,7 +5093,7 @@
         <p:spPr/>
         <p:txBody>
           <a:bodyPr>
-            <a:normAutofit fontScale="92500"/>
+            <a:normAutofit fontScale="92500" lnSpcReduction="10000"/>
           </a:bodyPr>
           <a:lstStyle/>
           <a:p>
@@ -5005,8 +5120,16 @@
             <a:pPr lvl="1"/>
             <a:r>
               <a:rPr lang="en-US" dirty="0" smtClean="0"/>
-              <a:t>Host: an instance runs on a dedicated host (bare-metal)</a:t>
-            </a:r>
+              <a:t>Host: an instance runs on a dedicated host (bare-metal</a:t>
+            </a:r>
+            <a:r>
+              <a:rPr lang="en-US" dirty="0" smtClean="0"/>
+              <a:t>)</a:t>
+            </a:r>
+          </a:p>
+          <a:p>
+            <a:pPr lvl="1"/>
+            <a:endParaRPr lang="en-US" dirty="0" smtClean="0"/>
           </a:p>
           <a:p>
             <a:r>
@@ -5320,27 +5443,55 @@
             <p:ph idx="1"/>
           </p:nvPr>
         </p:nvSpPr>
-        <p:spPr/>
-        <p:txBody>
-          <a:bodyPr/>
-          <a:lstStyle/>
-          <a:p>
-            <a:r>
-              <a:rPr lang="en-US" dirty="0" smtClean="0"/>
-              <a:t>Your account has a default VPC setup in each AWS region</a:t>
-            </a:r>
-          </a:p>
-          <a:p>
-            <a:r>
-              <a:rPr lang="en-US" dirty="0" smtClean="0"/>
-              <a:t>The default VPC has an Internet Gateway and all subnets will route public traffic through it.</a:t>
-            </a:r>
-          </a:p>
-          <a:p>
-            <a:r>
-              <a:rPr lang="en-US" dirty="0" smtClean="0"/>
-              <a:t>All subnets will dynamically assign public IPs to new instances.</a:t>
-            </a:r>
+        <p:spPr>
+          <a:xfrm>
+            <a:off x="457200" y="1600200"/>
+            <a:ext cx="8229600" cy="4907487"/>
+          </a:xfrm>
+        </p:spPr>
+        <p:txBody>
+          <a:bodyPr>
+            <a:normAutofit fontScale="92500" lnSpcReduction="20000"/>
+          </a:bodyPr>
+          <a:lstStyle/>
+          <a:p>
+            <a:r>
+              <a:rPr lang="en-US" dirty="0" smtClean="0"/>
+              <a:t>Your account has a default VPC setup in each AWS </a:t>
+            </a:r>
+            <a:r>
+              <a:rPr lang="en-US" dirty="0" smtClean="0"/>
+              <a:t>region</a:t>
+            </a:r>
+          </a:p>
+          <a:p>
+            <a:endParaRPr lang="en-US" dirty="0" smtClean="0"/>
+          </a:p>
+          <a:p>
+            <a:r>
+              <a:rPr lang="en-US" dirty="0" smtClean="0"/>
+              <a:t>The default VPC has an Internet Gateway and all subnets will route public traffic through it</a:t>
+            </a:r>
+            <a:r>
+              <a:rPr lang="en-US" dirty="0" smtClean="0"/>
+              <a:t>.</a:t>
+            </a:r>
+          </a:p>
+          <a:p>
+            <a:endParaRPr lang="en-US" dirty="0" smtClean="0"/>
+          </a:p>
+          <a:p>
+            <a:r>
+              <a:rPr lang="en-US" dirty="0" smtClean="0"/>
+              <a:t>All subnets will dynamically assign public IPs to new instances</a:t>
+            </a:r>
+            <a:r>
+              <a:rPr lang="en-US" dirty="0" smtClean="0"/>
+              <a:t>.</a:t>
+            </a:r>
+          </a:p>
+          <a:p>
+            <a:endParaRPr lang="en-US" dirty="0" smtClean="0"/>
           </a:p>
           <a:p>
             <a:r>
@@ -5605,7 +5756,7 @@
         <p:spPr/>
         <p:txBody>
           <a:bodyPr>
-            <a:normAutofit fontScale="85000" lnSpcReduction="10000"/>
+            <a:normAutofit fontScale="70000" lnSpcReduction="20000"/>
           </a:bodyPr>
           <a:lstStyle/>
           <a:p>
@@ -5625,14 +5776,29 @@
             <a:pPr lvl="1"/>
             <a:r>
               <a:rPr lang="en-US" dirty="0" smtClean="0"/>
-              <a:t>Attach to new VPC</a:t>
-            </a:r>
-          </a:p>
-          <a:p>
-            <a:r>
-              <a:rPr lang="en-US" dirty="0" smtClean="0"/>
-              <a:t>Launch one instance into each subnet</a:t>
-            </a:r>
+              <a:t>Attach to new </a:t>
+            </a:r>
+            <a:r>
+              <a:rPr lang="en-US" dirty="0" smtClean="0"/>
+              <a:t>VPC</a:t>
+            </a:r>
+          </a:p>
+          <a:p>
+            <a:pPr lvl="1"/>
+            <a:endParaRPr lang="en-US" dirty="0" smtClean="0"/>
+          </a:p>
+          <a:p>
+            <a:r>
+              <a:rPr lang="en-US" dirty="0" smtClean="0"/>
+              <a:t>Launch one instance into each </a:t>
+            </a:r>
+            <a:r>
+              <a:rPr lang="en-US" dirty="0" smtClean="0"/>
+              <a:t>subnet</a:t>
+            </a:r>
+          </a:p>
+          <a:p>
+            <a:endParaRPr lang="en-US" dirty="0" smtClean="0"/>
           </a:p>
           <a:p>
             <a:r>
@@ -5644,8 +5810,16 @@
             <a:pPr lvl="1"/>
             <a:r>
               <a:rPr lang="en-US" dirty="0" smtClean="0"/>
-              <a:t>Public routing table routes through IG</a:t>
-            </a:r>
+              <a:t>Public routing table routes through </a:t>
+            </a:r>
+            <a:r>
+              <a:rPr lang="en-US" dirty="0" smtClean="0"/>
+              <a:t>IG</a:t>
+            </a:r>
+          </a:p>
+          <a:p>
+            <a:pPr lvl="1"/>
+            <a:endParaRPr lang="en-US" dirty="0" smtClean="0"/>
           </a:p>
           <a:p>
             <a:r>
@@ -5657,8 +5831,16 @@
             <a:pPr lvl="1"/>
             <a:r>
               <a:rPr lang="en-US" dirty="0" smtClean="0"/>
-              <a:t>Modify private subnet route table to route through NAT</a:t>
-            </a:r>
+              <a:t>Modify private subnet route table to route through </a:t>
+            </a:r>
+            <a:r>
+              <a:rPr lang="en-US" dirty="0" smtClean="0"/>
+              <a:t>NAT</a:t>
+            </a:r>
+          </a:p>
+          <a:p>
+            <a:pPr lvl="1"/>
+            <a:endParaRPr lang="en-US" dirty="0" smtClean="0"/>
           </a:p>
           <a:p>
             <a:r>
@@ -5902,25 +6084,48 @@
         </p:nvSpPr>
         <p:spPr/>
         <p:txBody>
-          <a:bodyPr/>
-          <a:lstStyle/>
-          <a:p>
-            <a:r>
-              <a:rPr lang="en-US" dirty="0" smtClean="0"/>
-              <a:t>A managed load balancer for EC2 instances</a:t>
-            </a:r>
-          </a:p>
-          <a:p>
-            <a:r>
-              <a:rPr lang="en-US" dirty="0" smtClean="0"/>
-              <a:t>Provides an endpoint for external users and redirects incoming requests to instances</a:t>
-            </a:r>
-          </a:p>
-          <a:p>
-            <a:r>
-              <a:rPr lang="en-US" dirty="0" smtClean="0"/>
-              <a:t>Monitors health of instances and routes requests to healthy instances</a:t>
-            </a:r>
+          <a:bodyPr>
+            <a:normAutofit fontScale="85000" lnSpcReduction="20000"/>
+          </a:bodyPr>
+          <a:lstStyle/>
+          <a:p>
+            <a:r>
+              <a:rPr lang="en-US" dirty="0" smtClean="0"/>
+              <a:t>A managed load balancer for EC2 </a:t>
+            </a:r>
+            <a:r>
+              <a:rPr lang="en-US" dirty="0" smtClean="0"/>
+              <a:t>instances</a:t>
+            </a:r>
+          </a:p>
+          <a:p>
+            <a:endParaRPr lang="en-US" dirty="0" smtClean="0"/>
+          </a:p>
+          <a:p>
+            <a:r>
+              <a:rPr lang="en-US" dirty="0" smtClean="0"/>
+              <a:t>Provides an endpoint for external users and redirects incoming requests to </a:t>
+            </a:r>
+            <a:r>
+              <a:rPr lang="en-US" dirty="0" smtClean="0"/>
+              <a:t>instances</a:t>
+            </a:r>
+          </a:p>
+          <a:p>
+            <a:endParaRPr lang="en-US" dirty="0" smtClean="0"/>
+          </a:p>
+          <a:p>
+            <a:r>
+              <a:rPr lang="en-US" dirty="0" smtClean="0"/>
+              <a:t>Monitors health of instances and routes requests to healthy </a:t>
+            </a:r>
+            <a:r>
+              <a:rPr lang="en-US" dirty="0" smtClean="0"/>
+              <a:t>instances</a:t>
+            </a:r>
+          </a:p>
+          <a:p>
+            <a:endParaRPr lang="en-US" dirty="0" smtClean="0"/>
           </a:p>
           <a:p>
             <a:r>
@@ -6035,7 +6240,7 @@
         <p:spPr/>
         <p:txBody>
           <a:bodyPr>
-            <a:normAutofit fontScale="92500" lnSpcReduction="10000"/>
+            <a:normAutofit fontScale="92500" lnSpcReduction="20000"/>
           </a:bodyPr>
           <a:lstStyle/>
           <a:p>
@@ -6088,8 +6293,16 @@
             <a:pPr lvl="1"/>
             <a:r>
               <a:rPr lang="en-US" dirty="0" smtClean="0"/>
-              <a:t>Aurora (designed by AWS)</a:t>
-            </a:r>
+              <a:t>Aurora (designed by AWS</a:t>
+            </a:r>
+            <a:r>
+              <a:rPr lang="en-US" dirty="0" smtClean="0"/>
+              <a:t>)</a:t>
+            </a:r>
+          </a:p>
+          <a:p>
+            <a:pPr lvl="1"/>
+            <a:endParaRPr lang="en-US" dirty="0" smtClean="0"/>
           </a:p>
           <a:p>
             <a:r>
@@ -6163,17 +6376,29 @@
             <p:ph idx="1"/>
           </p:nvPr>
         </p:nvSpPr>
-        <p:spPr/>
+        <p:spPr>
+          <a:xfrm>
+            <a:off x="457200" y="1600200"/>
+            <a:ext cx="8229600" cy="5106916"/>
+          </a:xfrm>
+        </p:spPr>
         <p:txBody>
           <a:bodyPr>
-            <a:normAutofit fontScale="92500" lnSpcReduction="20000"/>
+            <a:normAutofit fontScale="77500" lnSpcReduction="20000"/>
           </a:bodyPr>
           <a:lstStyle/>
           <a:p>
             <a:r>
               <a:rPr lang="en-US" dirty="0" smtClean="0"/>
-              <a:t>RDS supports two different database backup schemes: automated backups and snapshots</a:t>
-            </a:r>
+              <a:t>RDS supports two different database backup schemes: automated backups and </a:t>
+            </a:r>
+            <a:r>
+              <a:rPr lang="en-US" dirty="0" smtClean="0"/>
+              <a:t>snapshots.</a:t>
+            </a:r>
+          </a:p>
+          <a:p>
+            <a:endParaRPr lang="en-US" dirty="0" smtClean="0"/>
           </a:p>
           <a:p>
             <a:r>
@@ -6185,22 +6410,46 @@
             <a:pPr lvl="1"/>
             <a:r>
               <a:rPr lang="en-US" dirty="0" smtClean="0"/>
-              <a:t>Retains backup data for 1 to 35 days</a:t>
-            </a:r>
-          </a:p>
-          <a:p>
-            <a:pPr lvl="1"/>
-            <a:r>
-              <a:rPr lang="en-US" dirty="0" smtClean="0"/>
-              <a:t>During recovery full backup is restored and then transaction logs are replayed</a:t>
-            </a:r>
-          </a:p>
-          <a:p>
-            <a:pPr lvl="1"/>
-            <a:r>
-              <a:rPr lang="en-US" dirty="0" smtClean="0"/>
-              <a:t>Backup data stored on S3</a:t>
-            </a:r>
+              <a:t>Retains backup data for 1 to 35 </a:t>
+            </a:r>
+            <a:r>
+              <a:rPr lang="en-US" dirty="0" smtClean="0"/>
+              <a:t>days</a:t>
+            </a:r>
+          </a:p>
+          <a:p>
+            <a:pPr lvl="1"/>
+            <a:endParaRPr lang="en-US" dirty="0" smtClean="0"/>
+          </a:p>
+          <a:p>
+            <a:pPr lvl="1"/>
+            <a:r>
+              <a:rPr lang="en-US" dirty="0" smtClean="0"/>
+              <a:t>During recovery full backup is restored and then transaction logs are </a:t>
+            </a:r>
+            <a:r>
+              <a:rPr lang="en-US" dirty="0" smtClean="0"/>
+              <a:t>replayed</a:t>
+            </a:r>
+          </a:p>
+          <a:p>
+            <a:pPr lvl="1"/>
+            <a:endParaRPr lang="en-US" dirty="0" smtClean="0"/>
+          </a:p>
+          <a:p>
+            <a:pPr lvl="1"/>
+            <a:r>
+              <a:rPr lang="en-US" dirty="0" smtClean="0"/>
+              <a:t>Backup data stored on </a:t>
+            </a:r>
+            <a:r>
+              <a:rPr lang="en-US" dirty="0" smtClean="0"/>
+              <a:t>S3</a:t>
+            </a:r>
+          </a:p>
+          <a:p>
+            <a:pPr lvl="1"/>
+            <a:endParaRPr lang="en-US" dirty="0" smtClean="0"/>
           </a:p>
           <a:p>
             <a:pPr lvl="1"/>
@@ -6274,10 +6523,15 @@
             <p:ph idx="1"/>
           </p:nvPr>
         </p:nvSpPr>
-        <p:spPr/>
+        <p:spPr>
+          <a:xfrm>
+            <a:off x="457200" y="1600200"/>
+            <a:ext cx="8229600" cy="4959968"/>
+          </a:xfrm>
+        </p:spPr>
         <p:txBody>
           <a:bodyPr>
-            <a:normAutofit fontScale="85000" lnSpcReduction="10000"/>
+            <a:normAutofit fontScale="85000" lnSpcReduction="20000"/>
           </a:bodyPr>
           <a:lstStyle/>
           <a:p>
@@ -6290,8 +6544,16 @@
             <a:pPr lvl="1"/>
             <a:r>
               <a:rPr lang="en-US" dirty="0" smtClean="0"/>
-              <a:t>It’s possible to use RDS data backups to copy databases (for testing or to move)</a:t>
-            </a:r>
+              <a:t>It’s possible to use RDS data backups to copy databases (for testing or to move</a:t>
+            </a:r>
+            <a:r>
+              <a:rPr lang="en-US" dirty="0" smtClean="0"/>
+              <a:t>)</a:t>
+            </a:r>
+          </a:p>
+          <a:p>
+            <a:pPr lvl="1"/>
+            <a:endParaRPr lang="en-US" dirty="0" smtClean="0"/>
           </a:p>
           <a:p>
             <a:r>
@@ -6303,8 +6565,16 @@
             <a:pPr lvl="1"/>
             <a:r>
               <a:rPr lang="en-US" dirty="0" smtClean="0"/>
-              <a:t>Writes to main database server are synchronized to the standby database</a:t>
-            </a:r>
+              <a:t>Writes to main database server are synchronized to the standby </a:t>
+            </a:r>
+            <a:r>
+              <a:rPr lang="en-US" dirty="0" smtClean="0"/>
+              <a:t>database</a:t>
+            </a:r>
+          </a:p>
+          <a:p>
+            <a:pPr lvl="1"/>
+            <a:endParaRPr lang="en-US" dirty="0" smtClean="0"/>
           </a:p>
           <a:p>
             <a:pPr lvl="1"/>
@@ -6386,10 +6656,15 @@
             <p:ph idx="1"/>
           </p:nvPr>
         </p:nvSpPr>
-        <p:spPr/>
+        <p:spPr>
+          <a:xfrm>
+            <a:off x="457200" y="1600200"/>
+            <a:ext cx="8229600" cy="5001953"/>
+          </a:xfrm>
+        </p:spPr>
         <p:txBody>
           <a:bodyPr>
-            <a:normAutofit fontScale="85000" lnSpcReduction="20000"/>
+            <a:normAutofit fontScale="77500" lnSpcReduction="20000"/>
           </a:bodyPr>
           <a:lstStyle/>
           <a:p>
@@ -6402,8 +6677,24 @@
             <a:pPr lvl="1"/>
             <a:r>
               <a:rPr lang="en-US" dirty="0" smtClean="0"/>
-              <a:t>Aurora is special because it is only offered in a multi-AZ architecture (2 DBs in 3 AZs = 6 total!)</a:t>
-            </a:r>
+              <a:t>Aurora is special because it is </a:t>
+            </a:r>
+            <a:r>
+              <a:rPr lang="en-US" u="sng" dirty="0" smtClean="0"/>
+              <a:t>only</a:t>
+            </a:r>
+            <a:r>
+              <a:rPr lang="en-US" dirty="0" smtClean="0"/>
+              <a:t> offered in a multi-AZ architecture (2 DBs in 3 AZs = 6 total!</a:t>
+            </a:r>
+            <a:r>
+              <a:rPr lang="en-US" dirty="0" smtClean="0"/>
+              <a:t>)</a:t>
+            </a:r>
+          </a:p>
+          <a:p>
+            <a:pPr lvl="1"/>
+            <a:endParaRPr lang="en-US" dirty="0" smtClean="0"/>
           </a:p>
           <a:p>
             <a:r>
@@ -6415,15 +6706,31 @@
             <a:pPr lvl="1"/>
             <a:r>
               <a:rPr lang="en-US" dirty="0" smtClean="0"/>
-              <a:t>Only used for READS</a:t>
-            </a:r>
-          </a:p>
-          <a:p>
-            <a:pPr lvl="1"/>
-            <a:r>
-              <a:rPr lang="en-US" dirty="0" smtClean="0"/>
-              <a:t>Scales database performance by allowing database clients to read data from multiple instances</a:t>
-            </a:r>
+              <a:t>Only used for </a:t>
+            </a:r>
+            <a:r>
+              <a:rPr lang="en-US" dirty="0" smtClean="0"/>
+              <a:t>READS</a:t>
+            </a:r>
+          </a:p>
+          <a:p>
+            <a:pPr lvl="1"/>
+            <a:endParaRPr lang="en-US" dirty="0" smtClean="0"/>
+          </a:p>
+          <a:p>
+            <a:pPr lvl="1"/>
+            <a:r>
+              <a:rPr lang="en-US" dirty="0" smtClean="0"/>
+              <a:t>Scales database performance by allowing database clients to read data from multiple </a:t>
+            </a:r>
+            <a:r>
+              <a:rPr lang="en-US" dirty="0" smtClean="0"/>
+              <a:t>instances</a:t>
+            </a:r>
+          </a:p>
+          <a:p>
+            <a:pPr lvl="1"/>
+            <a:endParaRPr lang="en-US" dirty="0" smtClean="0"/>
           </a:p>
           <a:p>
             <a:pPr lvl="1"/>
@@ -6431,6 +6738,11 @@
               <a:rPr lang="en-US" dirty="0" smtClean="0"/>
               <a:t>Up to 5 read replicas supported </a:t>
             </a:r>
+            <a:endParaRPr lang="en-US" dirty="0" smtClean="0"/>
+          </a:p>
+          <a:p>
+            <a:pPr lvl="1"/>
+            <a:endParaRPr lang="en-US" dirty="0" smtClean="0"/>
           </a:p>
           <a:p>
             <a:pPr lvl="1"/>
@@ -6506,7 +6818,9 @@
         </p:nvSpPr>
         <p:spPr/>
         <p:txBody>
-          <a:bodyPr/>
+          <a:bodyPr>
+            <a:normAutofit lnSpcReduction="10000"/>
+          </a:bodyPr>
           <a:lstStyle/>
           <a:p>
             <a:r>
@@ -6518,20 +6832,42 @@
             <a:pPr lvl="1"/>
             <a:r>
               <a:rPr lang="en-US" dirty="0" smtClean="0"/>
-              <a:t>Create database security group</a:t>
-            </a:r>
-          </a:p>
-          <a:p>
-            <a:r>
-              <a:rPr lang="en-US" dirty="0" smtClean="0"/>
-              <a:t>Locate database endpoint</a:t>
-            </a:r>
-          </a:p>
-          <a:p>
-            <a:r>
-              <a:rPr lang="en-US" dirty="0" smtClean="0"/>
-              <a:t>Review automatic backup schedule</a:t>
-            </a:r>
+              <a:t>Create database security </a:t>
+            </a:r>
+            <a:r>
+              <a:rPr lang="en-US" dirty="0" smtClean="0"/>
+              <a:t>group</a:t>
+            </a:r>
+          </a:p>
+          <a:p>
+            <a:pPr lvl="1"/>
+            <a:endParaRPr lang="en-US" dirty="0" smtClean="0"/>
+          </a:p>
+          <a:p>
+            <a:r>
+              <a:rPr lang="en-US" dirty="0" smtClean="0"/>
+              <a:t>Locate database </a:t>
+            </a:r>
+            <a:r>
+              <a:rPr lang="en-US" dirty="0" smtClean="0"/>
+              <a:t>endpoint</a:t>
+            </a:r>
+          </a:p>
+          <a:p>
+            <a:endParaRPr lang="en-US" dirty="0" smtClean="0"/>
+          </a:p>
+          <a:p>
+            <a:r>
+              <a:rPr lang="en-US" dirty="0" smtClean="0"/>
+              <a:t>Review automatic backup </a:t>
+            </a:r>
+            <a:r>
+              <a:rPr lang="en-US" dirty="0" smtClean="0"/>
+              <a:t>schedule</a:t>
+            </a:r>
+          </a:p>
+          <a:p>
+            <a:endParaRPr lang="en-US" dirty="0" smtClean="0"/>
           </a:p>
           <a:p>
             <a:r>
@@ -6629,10 +6965,15 @@
             <p:ph idx="1"/>
           </p:nvPr>
         </p:nvSpPr>
-        <p:spPr/>
+        <p:spPr>
+          <a:xfrm>
+            <a:off x="457200" y="1600200"/>
+            <a:ext cx="8229600" cy="4708058"/>
+          </a:xfrm>
+        </p:spPr>
         <p:txBody>
           <a:bodyPr>
-            <a:normAutofit fontScale="92500" lnSpcReduction="20000"/>
+            <a:normAutofit fontScale="85000" lnSpcReduction="20000"/>
           </a:bodyPr>
           <a:lstStyle/>
           <a:p>
@@ -6669,6 +7010,10 @@
             <a:endParaRPr lang="en-US" dirty="0" smtClean="0"/>
           </a:p>
           <a:p>
+            <a:pPr lvl="1"/>
+            <a:endParaRPr lang="en-US" dirty="0" smtClean="0"/>
+          </a:p>
+          <a:p>
             <a:r>
               <a:rPr lang="en-US" dirty="0" smtClean="0"/>
               <a:t>Supports highly scalable number of reads and writes with unlimited data storage</a:t>
@@ -6678,8 +7023,16 @@
             <a:pPr lvl="1"/>
             <a:r>
               <a:rPr lang="en-US" dirty="0" smtClean="0"/>
-              <a:t>Automatically scales data storage, no need to reconfigure database like RDS (relational)</a:t>
-            </a:r>
+              <a:t>Automatically scales data storage, no need to reconfigure database like RDS (relational</a:t>
+            </a:r>
+            <a:r>
+              <a:rPr lang="en-US" dirty="0" smtClean="0"/>
+              <a:t>)</a:t>
+            </a:r>
+          </a:p>
+          <a:p>
+            <a:pPr lvl="1"/>
+            <a:endParaRPr lang="en-US" dirty="0" smtClean="0"/>
           </a:p>
           <a:p>
             <a:r>
@@ -6857,10 +7210,15 @@
             <p:ph idx="1"/>
           </p:nvPr>
         </p:nvSpPr>
-        <p:spPr/>
+        <p:spPr>
+          <a:xfrm>
+            <a:off x="457200" y="1600200"/>
+            <a:ext cx="8229600" cy="5012450"/>
+          </a:xfrm>
+        </p:spPr>
         <p:txBody>
           <a:bodyPr>
-            <a:normAutofit fontScale="92500" lnSpcReduction="20000"/>
+            <a:normAutofit fontScale="85000" lnSpcReduction="20000"/>
           </a:bodyPr>
           <a:lstStyle/>
           <a:p>
@@ -6880,8 +7238,16 @@
             <a:pPr lvl="2"/>
             <a:r>
               <a:rPr lang="en-US" dirty="0" smtClean="0"/>
-              <a:t>Products purchased in a specific order</a:t>
-            </a:r>
+              <a:t>Products purchased in a specific </a:t>
+            </a:r>
+            <a:r>
+              <a:rPr lang="en-US" dirty="0" smtClean="0"/>
+              <a:t>order</a:t>
+            </a:r>
+          </a:p>
+          <a:p>
+            <a:pPr lvl="2"/>
+            <a:endParaRPr lang="en-US" dirty="0" smtClean="0"/>
           </a:p>
           <a:p>
             <a:pPr lvl="1"/>
@@ -6896,6 +7262,11 @@
               <a:rPr lang="en-US" dirty="0" smtClean="0"/>
               <a:t>Total store sales across North America </a:t>
             </a:r>
+            <a:endParaRPr lang="en-US" dirty="0" smtClean="0"/>
+          </a:p>
+          <a:p>
+            <a:pPr lvl="2"/>
+            <a:endParaRPr lang="en-US" dirty="0" smtClean="0"/>
           </a:p>
           <a:p>
             <a:r>
@@ -7110,7 +7481,7 @@
         </p:spPr>
         <p:txBody>
           <a:bodyPr>
-            <a:normAutofit fontScale="92500" lnSpcReduction="10000"/>
+            <a:normAutofit fontScale="85000" lnSpcReduction="10000"/>
           </a:bodyPr>
           <a:lstStyle/>
           <a:p>
@@ -7123,15 +7494,31 @@
             <a:pPr lvl="1"/>
             <a:r>
               <a:rPr lang="en-US" dirty="0" smtClean="0"/>
-              <a:t>Scale application performance by adding more instances</a:t>
-            </a:r>
-          </a:p>
-          <a:p>
-            <a:pPr lvl="1"/>
-            <a:r>
-              <a:rPr lang="en-US" dirty="0" smtClean="0"/>
-              <a:t>Automatically handle failed instances</a:t>
-            </a:r>
+              <a:t>Scale application performance by adding more </a:t>
+            </a:r>
+            <a:r>
+              <a:rPr lang="en-US" dirty="0" smtClean="0"/>
+              <a:t>instances</a:t>
+            </a:r>
+          </a:p>
+          <a:p>
+            <a:pPr lvl="1"/>
+            <a:endParaRPr lang="en-US" dirty="0" smtClean="0"/>
+          </a:p>
+          <a:p>
+            <a:pPr lvl="1"/>
+            <a:r>
+              <a:rPr lang="en-US" dirty="0" smtClean="0"/>
+              <a:t>Automatically handle failed </a:t>
+            </a:r>
+            <a:r>
+              <a:rPr lang="en-US" dirty="0" smtClean="0"/>
+              <a:t>instances</a:t>
+            </a:r>
+          </a:p>
+          <a:p>
+            <a:pPr lvl="1"/>
+            <a:endParaRPr lang="en-US" dirty="0" smtClean="0"/>
           </a:p>
           <a:p>
             <a:pPr lvl="1"/>
@@ -7233,14 +7620,21 @@
         <p:spPr/>
         <p:txBody>
           <a:bodyPr>
-            <a:normAutofit lnSpcReduction="10000"/>
+            <a:normAutofit fontScale="85000" lnSpcReduction="10000"/>
           </a:bodyPr>
           <a:lstStyle/>
           <a:p>
             <a:r>
               <a:rPr lang="en-US" dirty="0" smtClean="0"/>
-              <a:t>ELB is priced on an hourly basis like EC2 instances</a:t>
-            </a:r>
+              <a:t>ELB is priced on an hourly basis like EC2 </a:t>
+            </a:r>
+            <a:r>
+              <a:rPr lang="en-US" dirty="0" smtClean="0"/>
+              <a:t>instances</a:t>
+            </a:r>
+          </a:p>
+          <a:p>
+            <a:endParaRPr lang="en-US" dirty="0" smtClean="0"/>
           </a:p>
           <a:p>
             <a:r>
@@ -7252,15 +7646,31 @@
             <a:pPr lvl="1"/>
             <a:r>
               <a:rPr lang="en-US" dirty="0" smtClean="0"/>
-              <a:t>Sticky sessions: bind a user’s session to a specific instance instead of randomly redirecting</a:t>
-            </a:r>
-          </a:p>
-          <a:p>
-            <a:pPr lvl="1"/>
-            <a:r>
-              <a:rPr lang="en-US" dirty="0" smtClean="0"/>
-              <a:t>SSL support: install an SSL/TLS certificate directly on the ELB versus on individual instances</a:t>
-            </a:r>
+              <a:t>Sticky sessions: bind a user’s session to a specific instance instead of randomly </a:t>
+            </a:r>
+            <a:r>
+              <a:rPr lang="en-US" dirty="0" smtClean="0"/>
+              <a:t>redirecting (session affinity)</a:t>
+            </a:r>
+          </a:p>
+          <a:p>
+            <a:pPr lvl="1"/>
+            <a:endParaRPr lang="en-US" dirty="0" smtClean="0"/>
+          </a:p>
+          <a:p>
+            <a:pPr lvl="1"/>
+            <a:r>
+              <a:rPr lang="en-US" dirty="0" smtClean="0"/>
+              <a:t>SSL support: install an SSL/TLS certificate directly on the ELB versus on individual </a:t>
+            </a:r>
+            <a:r>
+              <a:rPr lang="en-US" dirty="0" smtClean="0"/>
+              <a:t>instances</a:t>
+            </a:r>
+          </a:p>
+          <a:p>
+            <a:pPr lvl="1"/>
+            <a:endParaRPr lang="en-US" dirty="0" smtClean="0"/>
           </a:p>
           <a:p>
             <a:pPr lvl="1"/>
@@ -7337,14 +7747,21 @@
         <p:spPr/>
         <p:txBody>
           <a:bodyPr>
-            <a:normAutofit lnSpcReduction="10000"/>
+            <a:normAutofit fontScale="85000" lnSpcReduction="10000"/>
           </a:bodyPr>
           <a:lstStyle/>
           <a:p>
             <a:r>
               <a:rPr lang="en-US" dirty="0" smtClean="0"/>
-              <a:t>Launch two instances running webservers</a:t>
-            </a:r>
+              <a:t>Launch two instances running </a:t>
+            </a:r>
+            <a:r>
+              <a:rPr lang="en-US" dirty="0" smtClean="0"/>
+              <a:t>webservers</a:t>
+            </a:r>
+          </a:p>
+          <a:p>
+            <a:endParaRPr lang="en-US" dirty="0" smtClean="0"/>
           </a:p>
           <a:p>
             <a:r>
@@ -7370,8 +7787,16 @@
             <a:pPr lvl="1"/>
             <a:r>
               <a:rPr lang="en-US" dirty="0" smtClean="0"/>
-              <a:t>Add two instances</a:t>
-            </a:r>
+              <a:t>Add two </a:t>
+            </a:r>
+            <a:r>
+              <a:rPr lang="en-US" dirty="0" smtClean="0"/>
+              <a:t>instances</a:t>
+            </a:r>
+          </a:p>
+          <a:p>
+            <a:pPr lvl="1"/>
+            <a:endParaRPr lang="en-US" dirty="0" smtClean="0"/>
           </a:p>
           <a:p>
             <a:r>
@@ -7481,10 +7906,15 @@
             <p:ph idx="1"/>
           </p:nvPr>
         </p:nvSpPr>
-        <p:spPr/>
+        <p:spPr>
+          <a:xfrm>
+            <a:off x="457200" y="1600200"/>
+            <a:ext cx="8229600" cy="4938976"/>
+          </a:xfrm>
+        </p:spPr>
         <p:txBody>
           <a:bodyPr>
-            <a:normAutofit fontScale="92500" lnSpcReduction="10000"/>
+            <a:normAutofit fontScale="92500" lnSpcReduction="20000"/>
           </a:bodyPr>
           <a:lstStyle/>
           <a:p>
@@ -7511,8 +7941,16 @@
             <a:pPr lvl="1"/>
             <a:r>
               <a:rPr lang="en-US" dirty="0" smtClean="0"/>
-              <a:t>Instances in a placement group should be similar type</a:t>
-            </a:r>
+              <a:t>Instances in a placement group should be similar </a:t>
+            </a:r>
+            <a:r>
+              <a:rPr lang="en-US" dirty="0" smtClean="0"/>
+              <a:t>type</a:t>
+            </a:r>
+          </a:p>
+          <a:p>
+            <a:pPr lvl="1"/>
+            <a:endParaRPr lang="en-US" dirty="0" smtClean="0"/>
           </a:p>
           <a:p>
             <a:r>
@@ -7531,8 +7969,16 @@
             <a:pPr lvl="1"/>
             <a:r>
               <a:rPr lang="en-US" dirty="0" smtClean="0"/>
-              <a:t>Cannot merge placement groups</a:t>
-            </a:r>
+              <a:t>Cannot merge placement </a:t>
+            </a:r>
+            <a:r>
+              <a:rPr lang="en-US" dirty="0" smtClean="0"/>
+              <a:t>groups</a:t>
+            </a:r>
+          </a:p>
+          <a:p>
+            <a:pPr lvl="1"/>
+            <a:endParaRPr lang="en-US" dirty="0" smtClean="0"/>
           </a:p>
           <a:p>
             <a:r>

--- a/infrastructure-week-5.pptx
+++ b/infrastructure-week-5.pptx
@@ -325,7 +325,7 @@
           <a:p>
             <a:fld id="{5C992B2E-871F-DF41-938B-F17F540EA4B5}" type="datetimeFigureOut">
               <a:rPr lang="en-US" smtClean="0"/>
-              <a:t>8/10/16</a:t>
+              <a:t>8/13/16</a:t>
             </a:fld>
             <a:endParaRPr lang="en-US"/>
           </a:p>
@@ -495,7 +495,7 @@
           <a:p>
             <a:fld id="{5C992B2E-871F-DF41-938B-F17F540EA4B5}" type="datetimeFigureOut">
               <a:rPr lang="en-US" smtClean="0"/>
-              <a:t>8/10/16</a:t>
+              <a:t>8/13/16</a:t>
             </a:fld>
             <a:endParaRPr lang="en-US"/>
           </a:p>
@@ -675,7 +675,7 @@
           <a:p>
             <a:fld id="{5C992B2E-871F-DF41-938B-F17F540EA4B5}" type="datetimeFigureOut">
               <a:rPr lang="en-US" smtClean="0"/>
-              <a:t>8/10/16</a:t>
+              <a:t>8/13/16</a:t>
             </a:fld>
             <a:endParaRPr lang="en-US"/>
           </a:p>
@@ -845,7 +845,7 @@
           <a:p>
             <a:fld id="{5C992B2E-871F-DF41-938B-F17F540EA4B5}" type="datetimeFigureOut">
               <a:rPr lang="en-US" smtClean="0"/>
-              <a:t>8/10/16</a:t>
+              <a:t>8/13/16</a:t>
             </a:fld>
             <a:endParaRPr lang="en-US"/>
           </a:p>
@@ -1091,7 +1091,7 @@
           <a:p>
             <a:fld id="{5C992B2E-871F-DF41-938B-F17F540EA4B5}" type="datetimeFigureOut">
               <a:rPr lang="en-US" smtClean="0"/>
-              <a:t>8/10/16</a:t>
+              <a:t>8/13/16</a:t>
             </a:fld>
             <a:endParaRPr lang="en-US"/>
           </a:p>
@@ -1379,7 +1379,7 @@
           <a:p>
             <a:fld id="{5C992B2E-871F-DF41-938B-F17F540EA4B5}" type="datetimeFigureOut">
               <a:rPr lang="en-US" smtClean="0"/>
-              <a:t>8/10/16</a:t>
+              <a:t>8/13/16</a:t>
             </a:fld>
             <a:endParaRPr lang="en-US"/>
           </a:p>
@@ -1801,7 +1801,7 @@
           <a:p>
             <a:fld id="{5C992B2E-871F-DF41-938B-F17F540EA4B5}" type="datetimeFigureOut">
               <a:rPr lang="en-US" smtClean="0"/>
-              <a:t>8/10/16</a:t>
+              <a:t>8/13/16</a:t>
             </a:fld>
             <a:endParaRPr lang="en-US"/>
           </a:p>
@@ -1919,7 +1919,7 @@
           <a:p>
             <a:fld id="{5C992B2E-871F-DF41-938B-F17F540EA4B5}" type="datetimeFigureOut">
               <a:rPr lang="en-US" smtClean="0"/>
-              <a:t>8/10/16</a:t>
+              <a:t>8/13/16</a:t>
             </a:fld>
             <a:endParaRPr lang="en-US"/>
           </a:p>
@@ -2014,7 +2014,7 @@
           <a:p>
             <a:fld id="{5C992B2E-871F-DF41-938B-F17F540EA4B5}" type="datetimeFigureOut">
               <a:rPr lang="en-US" smtClean="0"/>
-              <a:t>8/10/16</a:t>
+              <a:t>8/13/16</a:t>
             </a:fld>
             <a:endParaRPr lang="en-US"/>
           </a:p>
@@ -2291,7 +2291,7 @@
           <a:p>
             <a:fld id="{5C992B2E-871F-DF41-938B-F17F540EA4B5}" type="datetimeFigureOut">
               <a:rPr lang="en-US" smtClean="0"/>
-              <a:t>8/10/16</a:t>
+              <a:t>8/13/16</a:t>
             </a:fld>
             <a:endParaRPr lang="en-US"/>
           </a:p>
@@ -2544,7 +2544,7 @@
           <a:p>
             <a:fld id="{5C992B2E-871F-DF41-938B-F17F540EA4B5}" type="datetimeFigureOut">
               <a:rPr lang="en-US" smtClean="0"/>
-              <a:t>8/10/16</a:t>
+              <a:t>8/13/16</a:t>
             </a:fld>
             <a:endParaRPr lang="en-US"/>
           </a:p>
@@ -2757,7 +2757,7 @@
           <a:p>
             <a:fld id="{5C992B2E-871F-DF41-938B-F17F540EA4B5}" type="datetimeFigureOut">
               <a:rPr lang="en-US" smtClean="0"/>
-              <a:t>8/10/16</a:t>
+              <a:t>8/13/16</a:t>
             </a:fld>
             <a:endParaRPr lang="en-US"/>
           </a:p>
@@ -3497,11 +3497,7 @@
           <a:p>
             <a:r>
               <a:rPr lang="en-US" dirty="0" smtClean="0"/>
-              <a:t>A VPC is a logically isolated virtual network within a region that is used to partition </a:t>
-            </a:r>
-            <a:r>
-              <a:rPr lang="en-US" dirty="0" smtClean="0"/>
-              <a:t>resources</a:t>
+              <a:t>A VPC is a logically isolated virtual network within a region that is used to partition resources</a:t>
             </a:r>
           </a:p>
           <a:p>
@@ -3510,11 +3506,7 @@
           <a:p>
             <a:r>
               <a:rPr lang="en-US" dirty="0" smtClean="0"/>
-              <a:t>It’s like a private cloud-based data </a:t>
-            </a:r>
-            <a:r>
-              <a:rPr lang="en-US" dirty="0" smtClean="0"/>
-              <a:t>center</a:t>
+              <a:t>It’s like a private cloud-based data center</a:t>
             </a:r>
           </a:p>
           <a:p>
@@ -3537,11 +3529,7 @@
             <a:pPr lvl="1"/>
             <a:r>
               <a:rPr lang="en-US" dirty="0" smtClean="0"/>
-              <a:t>Securely partition applications and </a:t>
-            </a:r>
-            <a:r>
-              <a:rPr lang="en-US" dirty="0" smtClean="0"/>
-              <a:t>organizations</a:t>
+              <a:t>Securely partition applications and organizations</a:t>
             </a:r>
           </a:p>
           <a:p>
@@ -3551,19 +3539,7 @@
           <a:p>
             <a:r>
               <a:rPr lang="en-US" dirty="0" smtClean="0"/>
-              <a:t>VPCs are </a:t>
-            </a:r>
-            <a:r>
-              <a:rPr lang="en-US" dirty="0" smtClean="0"/>
-              <a:t>hard </a:t>
-            </a:r>
-            <a:r>
-              <a:rPr lang="en-US" dirty="0" smtClean="0"/>
-              <a:t>to </a:t>
-            </a:r>
-            <a:r>
-              <a:rPr lang="en-US" dirty="0" smtClean="0"/>
-              <a:t>understand at first, but are critically important to working with AWS</a:t>
+              <a:t>VPCs are hard to understand at first, but are critically important to working with AWS</a:t>
             </a:r>
           </a:p>
           <a:p>
@@ -3890,11 +3866,7 @@
           <a:p>
             <a:r>
               <a:rPr lang="en-US" dirty="0" smtClean="0"/>
-              <a:t>A VPC network is partitioned into one or more subnets</a:t>
-            </a:r>
-            <a:r>
-              <a:rPr lang="en-US" dirty="0" smtClean="0"/>
-              <a:t>.</a:t>
+              <a:t>A VPC network is partitioned into one or more subnets.</a:t>
             </a:r>
           </a:p>
           <a:p>
@@ -3903,11 +3875,7 @@
           <a:p>
             <a:r>
               <a:rPr lang="en-US" dirty="0" smtClean="0"/>
-              <a:t>Each subnet is associated with one AZ</a:t>
-            </a:r>
-            <a:r>
-              <a:rPr lang="en-US" dirty="0" smtClean="0"/>
-              <a:t>.</a:t>
+              <a:t>Each subnet is associated with one AZ.</a:t>
             </a:r>
           </a:p>
           <a:p>
@@ -4020,11 +3988,7 @@
           <a:p>
             <a:r>
               <a:rPr lang="en-US" dirty="0" smtClean="0"/>
-              <a:t>Every EC2 instance has a private IP address, automatically assigned based on the </a:t>
-            </a:r>
-            <a:r>
-              <a:rPr lang="en-US" dirty="0" smtClean="0"/>
-              <a:t>subnet</a:t>
+              <a:t>Every EC2 instance has a private IP address, automatically assigned based on the subnet</a:t>
             </a:r>
           </a:p>
           <a:p>
@@ -4033,11 +3997,7 @@
           <a:p>
             <a:r>
               <a:rPr lang="en-US" dirty="0" smtClean="0"/>
-              <a:t>Some instances may have a dynamically assigned public IP address based on subnet </a:t>
-            </a:r>
-            <a:r>
-              <a:rPr lang="en-US" dirty="0" smtClean="0"/>
-              <a:t>setting</a:t>
+              <a:t>Some instances may have a dynamically assigned public IP address based on subnet setting</a:t>
             </a:r>
           </a:p>
           <a:p>
@@ -4133,11 +4093,7 @@
             <a:pPr lvl="1"/>
             <a:r>
               <a:rPr lang="en-US" dirty="0" smtClean="0"/>
-              <a:t>IP address doesn’t change when the instance is restarted</a:t>
-            </a:r>
-            <a:r>
-              <a:rPr lang="en-US" dirty="0" smtClean="0"/>
-              <a:t>.</a:t>
+              <a:t>IP address doesn’t change when the instance is restarted.</a:t>
             </a:r>
           </a:p>
           <a:p>
@@ -4244,24 +4200,16 @@
             </a:r>
             <a:r>
               <a:rPr lang="en-US" sz="2800" dirty="0" smtClean="0"/>
-              <a:t> have a public IP address and be on a subnet that routes through an Internet Gateway</a:t>
-            </a:r>
+              <a:t> have a public IP address and be on a subnet that routes through an Internet Gateway.</a:t>
+            </a:r>
+          </a:p>
+          <a:p>
+            <a:endParaRPr lang="en-US" sz="2800" dirty="0" smtClean="0"/>
+          </a:p>
+          <a:p>
             <a:r>
               <a:rPr lang="en-US" sz="2800" dirty="0" smtClean="0"/>
-              <a:t>.</a:t>
-            </a:r>
-          </a:p>
-          <a:p>
-            <a:endParaRPr lang="en-US" sz="2800" dirty="0" smtClean="0"/>
-          </a:p>
-          <a:p>
-            <a:r>
-              <a:rPr lang="en-US" sz="2800" dirty="0" smtClean="0"/>
-              <a:t>Only one IG allowed per VPC</a:t>
-            </a:r>
-            <a:r>
-              <a:rPr lang="en-US" sz="2800" dirty="0" smtClean="0"/>
-              <a:t>.</a:t>
+              <a:t>Only one IG allowed per VPC.</a:t>
             </a:r>
           </a:p>
           <a:p>
@@ -4876,11 +4824,7 @@
             <a:pPr lvl="1"/>
             <a:r>
               <a:rPr lang="en-US" dirty="0" smtClean="0"/>
-              <a:t>It’s like a firewall for </a:t>
-            </a:r>
-            <a:r>
-              <a:rPr lang="en-US" dirty="0" smtClean="0"/>
-              <a:t>subnets</a:t>
+              <a:t>It’s like a firewall for subnets</a:t>
             </a:r>
           </a:p>
           <a:p>
@@ -4891,11 +4835,7 @@
             <a:pPr lvl="1"/>
             <a:r>
               <a:rPr lang="en-US" dirty="0" smtClean="0"/>
-              <a:t>Filters traffic outside of subnet and before security </a:t>
-            </a:r>
-            <a:r>
-              <a:rPr lang="en-US" dirty="0" smtClean="0"/>
-              <a:t>groups</a:t>
+              <a:t>Filters traffic outside of subnet and before security groups</a:t>
             </a:r>
           </a:p>
           <a:p>
@@ -4914,11 +4854,7 @@
             </a:r>
             <a:r>
               <a:rPr lang="en-US" dirty="0" smtClean="0"/>
-              <a:t>, meaning ingress and egress rules must be explicitly </a:t>
-            </a:r>
-            <a:r>
-              <a:rPr lang="en-US" dirty="0" smtClean="0"/>
-              <a:t>defined.</a:t>
+              <a:t>, meaning ingress and egress rules must be explicitly defined.</a:t>
             </a:r>
           </a:p>
           <a:p>
@@ -4929,11 +4865,7 @@
             <a:pPr lvl="1"/>
             <a:r>
               <a:rPr lang="en-US" dirty="0" smtClean="0"/>
-              <a:t>Default rule is all ingress/egress data </a:t>
-            </a:r>
-            <a:r>
-              <a:rPr lang="en-US" dirty="0" smtClean="0"/>
-              <a:t>allowed</a:t>
+              <a:t>Default rule is all ingress/egress data allowed</a:t>
             </a:r>
           </a:p>
           <a:p>
@@ -5120,11 +5052,7 @@
             <a:pPr lvl="1"/>
             <a:r>
               <a:rPr lang="en-US" dirty="0" smtClean="0"/>
-              <a:t>Host: an instance runs on a dedicated host (bare-metal</a:t>
-            </a:r>
-            <a:r>
-              <a:rPr lang="en-US" dirty="0" smtClean="0"/>
-              <a:t>)</a:t>
+              <a:t>Host: an instance runs on a dedicated host (bare-metal)</a:t>
             </a:r>
           </a:p>
           <a:p>
@@ -5457,11 +5385,7 @@
           <a:p>
             <a:r>
               <a:rPr lang="en-US" dirty="0" smtClean="0"/>
-              <a:t>Your account has a default VPC setup in each AWS </a:t>
-            </a:r>
-            <a:r>
-              <a:rPr lang="en-US" dirty="0" smtClean="0"/>
-              <a:t>region</a:t>
+              <a:t>Your account has a default VPC setup in each AWS region</a:t>
             </a:r>
           </a:p>
           <a:p>
@@ -5470,11 +5394,7 @@
           <a:p>
             <a:r>
               <a:rPr lang="en-US" dirty="0" smtClean="0"/>
-              <a:t>The default VPC has an Internet Gateway and all subnets will route public traffic through it</a:t>
-            </a:r>
-            <a:r>
-              <a:rPr lang="en-US" dirty="0" smtClean="0"/>
-              <a:t>.</a:t>
+              <a:t>The default VPC has an Internet Gateway and all subnets will route public traffic through it.</a:t>
             </a:r>
           </a:p>
           <a:p>
@@ -5483,11 +5403,7 @@
           <a:p>
             <a:r>
               <a:rPr lang="en-US" dirty="0" smtClean="0"/>
-              <a:t>All subnets will dynamically assign public IPs to new instances</a:t>
-            </a:r>
-            <a:r>
-              <a:rPr lang="en-US" dirty="0" smtClean="0"/>
-              <a:t>.</a:t>
+              <a:t>All subnets will dynamically assign public IPs to new instances.</a:t>
             </a:r>
           </a:p>
           <a:p>
@@ -5776,11 +5692,7 @@
             <a:pPr lvl="1"/>
             <a:r>
               <a:rPr lang="en-US" dirty="0" smtClean="0"/>
-              <a:t>Attach to new </a:t>
-            </a:r>
-            <a:r>
-              <a:rPr lang="en-US" dirty="0" smtClean="0"/>
-              <a:t>VPC</a:t>
+              <a:t>Attach to new VPC</a:t>
             </a:r>
           </a:p>
           <a:p>
@@ -5790,11 +5702,7 @@
           <a:p>
             <a:r>
               <a:rPr lang="en-US" dirty="0" smtClean="0"/>
-              <a:t>Launch one instance into each </a:t>
-            </a:r>
-            <a:r>
-              <a:rPr lang="en-US" dirty="0" smtClean="0"/>
-              <a:t>subnet</a:t>
+              <a:t>Launch one instance into each subnet</a:t>
             </a:r>
           </a:p>
           <a:p>
@@ -5810,11 +5718,7 @@
             <a:pPr lvl="1"/>
             <a:r>
               <a:rPr lang="en-US" dirty="0" smtClean="0"/>
-              <a:t>Public routing table routes through </a:t>
-            </a:r>
-            <a:r>
-              <a:rPr lang="en-US" dirty="0" smtClean="0"/>
-              <a:t>IG</a:t>
+              <a:t>Public routing table routes through IG</a:t>
             </a:r>
           </a:p>
           <a:p>
@@ -5831,11 +5735,7 @@
             <a:pPr lvl="1"/>
             <a:r>
               <a:rPr lang="en-US" dirty="0" smtClean="0"/>
-              <a:t>Modify private subnet route table to route through </a:t>
-            </a:r>
-            <a:r>
-              <a:rPr lang="en-US" dirty="0" smtClean="0"/>
-              <a:t>NAT</a:t>
+              <a:t>Modify private subnet route table to route through NAT</a:t>
             </a:r>
           </a:p>
           <a:p>
@@ -6091,11 +5991,7 @@
           <a:p>
             <a:r>
               <a:rPr lang="en-US" dirty="0" smtClean="0"/>
-              <a:t>A managed load balancer for EC2 </a:t>
-            </a:r>
-            <a:r>
-              <a:rPr lang="en-US" dirty="0" smtClean="0"/>
-              <a:t>instances</a:t>
+              <a:t>A managed load balancer for EC2 instances</a:t>
             </a:r>
           </a:p>
           <a:p>
@@ -6104,11 +6000,7 @@
           <a:p>
             <a:r>
               <a:rPr lang="en-US" dirty="0" smtClean="0"/>
-              <a:t>Provides an endpoint for external users and redirects incoming requests to </a:t>
-            </a:r>
-            <a:r>
-              <a:rPr lang="en-US" dirty="0" smtClean="0"/>
-              <a:t>instances</a:t>
+              <a:t>Provides an endpoint for external users and redirects incoming requests to instances</a:t>
             </a:r>
           </a:p>
           <a:p>
@@ -6117,11 +6009,7 @@
           <a:p>
             <a:r>
               <a:rPr lang="en-US" dirty="0" smtClean="0"/>
-              <a:t>Monitors health of instances and routes requests to healthy </a:t>
-            </a:r>
-            <a:r>
-              <a:rPr lang="en-US" dirty="0" smtClean="0"/>
-              <a:t>instances</a:t>
+              <a:t>Monitors health of instances and routes requests to healthy instances</a:t>
             </a:r>
           </a:p>
           <a:p>
@@ -6293,11 +6181,7 @@
             <a:pPr lvl="1"/>
             <a:r>
               <a:rPr lang="en-US" dirty="0" smtClean="0"/>
-              <a:t>Aurora (designed by AWS</a:t>
-            </a:r>
-            <a:r>
-              <a:rPr lang="en-US" dirty="0" smtClean="0"/>
-              <a:t>)</a:t>
+              <a:t>Aurora (designed by AWS)</a:t>
             </a:r>
           </a:p>
           <a:p>
@@ -6390,11 +6274,7 @@
           <a:p>
             <a:r>
               <a:rPr lang="en-US" dirty="0" smtClean="0"/>
-              <a:t>RDS supports two different database backup schemes: automated backups and </a:t>
-            </a:r>
-            <a:r>
-              <a:rPr lang="en-US" dirty="0" smtClean="0"/>
-              <a:t>snapshots.</a:t>
+              <a:t>RDS supports two different database backup schemes: automated backups and snapshots.</a:t>
             </a:r>
           </a:p>
           <a:p>
@@ -6410,11 +6290,7 @@
             <a:pPr lvl="1"/>
             <a:r>
               <a:rPr lang="en-US" dirty="0" smtClean="0"/>
-              <a:t>Retains backup data for 1 to 35 </a:t>
-            </a:r>
-            <a:r>
-              <a:rPr lang="en-US" dirty="0" smtClean="0"/>
-              <a:t>days</a:t>
+              <a:t>Retains backup data for 1 to 35 days</a:t>
             </a:r>
           </a:p>
           <a:p>
@@ -6425,11 +6301,7 @@
             <a:pPr lvl="1"/>
             <a:r>
               <a:rPr lang="en-US" dirty="0" smtClean="0"/>
-              <a:t>During recovery full backup is restored and then transaction logs are </a:t>
-            </a:r>
-            <a:r>
-              <a:rPr lang="en-US" dirty="0" smtClean="0"/>
-              <a:t>replayed</a:t>
+              <a:t>During recovery full backup is restored and then transaction logs are replayed</a:t>
             </a:r>
           </a:p>
           <a:p>
@@ -6440,11 +6312,7 @@
             <a:pPr lvl="1"/>
             <a:r>
               <a:rPr lang="en-US" dirty="0" smtClean="0"/>
-              <a:t>Backup data stored on </a:t>
-            </a:r>
-            <a:r>
-              <a:rPr lang="en-US" dirty="0" smtClean="0"/>
-              <a:t>S3</a:t>
+              <a:t>Backup data stored on S3</a:t>
             </a:r>
           </a:p>
           <a:p>
@@ -6544,11 +6412,7 @@
             <a:pPr lvl="1"/>
             <a:r>
               <a:rPr lang="en-US" dirty="0" smtClean="0"/>
-              <a:t>It’s possible to use RDS data backups to copy databases (for testing or to move</a:t>
-            </a:r>
-            <a:r>
-              <a:rPr lang="en-US" dirty="0" smtClean="0"/>
-              <a:t>)</a:t>
+              <a:t>It’s possible to use RDS data backups to copy databases (for testing or to move)</a:t>
             </a:r>
           </a:p>
           <a:p>
@@ -6565,11 +6429,7 @@
             <a:pPr lvl="1"/>
             <a:r>
               <a:rPr lang="en-US" dirty="0" smtClean="0"/>
-              <a:t>Writes to main database server are synchronized to the standby </a:t>
-            </a:r>
-            <a:r>
-              <a:rPr lang="en-US" dirty="0" smtClean="0"/>
-              <a:t>database</a:t>
+              <a:t>Writes to main database server are synchronized to the standby database</a:t>
             </a:r>
           </a:p>
           <a:p>
@@ -6685,11 +6545,7 @@
             </a:r>
             <a:r>
               <a:rPr lang="en-US" dirty="0" smtClean="0"/>
-              <a:t> offered in a multi-AZ architecture (2 DBs in 3 AZs = 6 total!</a:t>
-            </a:r>
-            <a:r>
-              <a:rPr lang="en-US" dirty="0" smtClean="0"/>
-              <a:t>)</a:t>
+              <a:t> offered in a multi-AZ architecture (2 DBs in 3 AZs = 6 total!)</a:t>
             </a:r>
           </a:p>
           <a:p>
@@ -6706,11 +6562,7 @@
             <a:pPr lvl="1"/>
             <a:r>
               <a:rPr lang="en-US" dirty="0" smtClean="0"/>
-              <a:t>Only used for </a:t>
-            </a:r>
-            <a:r>
-              <a:rPr lang="en-US" dirty="0" smtClean="0"/>
-              <a:t>READS</a:t>
+              <a:t>Only used for READS</a:t>
             </a:r>
           </a:p>
           <a:p>
@@ -6721,11 +6573,7 @@
             <a:pPr lvl="1"/>
             <a:r>
               <a:rPr lang="en-US" dirty="0" smtClean="0"/>
-              <a:t>Scales database performance by allowing database clients to read data from multiple </a:t>
-            </a:r>
-            <a:r>
-              <a:rPr lang="en-US" dirty="0" smtClean="0"/>
-              <a:t>instances</a:t>
+              <a:t>Scales database performance by allowing database clients to read data from multiple instances</a:t>
             </a:r>
           </a:p>
           <a:p>
@@ -6738,7 +6586,6 @@
               <a:rPr lang="en-US" dirty="0" smtClean="0"/>
               <a:t>Up to 5 read replicas supported </a:t>
             </a:r>
-            <a:endParaRPr lang="en-US" dirty="0" smtClean="0"/>
           </a:p>
           <a:p>
             <a:pPr lvl="1"/>
@@ -6832,11 +6679,7 @@
             <a:pPr lvl="1"/>
             <a:r>
               <a:rPr lang="en-US" dirty="0" smtClean="0"/>
-              <a:t>Create database security </a:t>
-            </a:r>
-            <a:r>
-              <a:rPr lang="en-US" dirty="0" smtClean="0"/>
-              <a:t>group</a:t>
+              <a:t>Create database security group</a:t>
             </a:r>
           </a:p>
           <a:p>
@@ -6846,11 +6689,7 @@
           <a:p>
             <a:r>
               <a:rPr lang="en-US" dirty="0" smtClean="0"/>
-              <a:t>Locate database </a:t>
-            </a:r>
-            <a:r>
-              <a:rPr lang="en-US" dirty="0" smtClean="0"/>
-              <a:t>endpoint</a:t>
+              <a:t>Locate database endpoint</a:t>
             </a:r>
           </a:p>
           <a:p>
@@ -6859,11 +6698,7 @@
           <a:p>
             <a:r>
               <a:rPr lang="en-US" dirty="0" smtClean="0"/>
-              <a:t>Review automatic backup </a:t>
-            </a:r>
-            <a:r>
-              <a:rPr lang="en-US" dirty="0" smtClean="0"/>
-              <a:t>schedule</a:t>
+              <a:t>Review automatic backup schedule</a:t>
             </a:r>
           </a:p>
           <a:p>
@@ -7023,11 +6858,7 @@
             <a:pPr lvl="1"/>
             <a:r>
               <a:rPr lang="en-US" dirty="0" smtClean="0"/>
-              <a:t>Automatically scales data storage, no need to reconfigure database like RDS (relational</a:t>
-            </a:r>
-            <a:r>
-              <a:rPr lang="en-US" dirty="0" smtClean="0"/>
-              <a:t>)</a:t>
+              <a:t>Automatically scales data storage, no need to reconfigure database like RDS (relational)</a:t>
             </a:r>
           </a:p>
           <a:p>
@@ -7238,11 +7069,7 @@
             <a:pPr lvl="2"/>
             <a:r>
               <a:rPr lang="en-US" dirty="0" smtClean="0"/>
-              <a:t>Products purchased in a specific </a:t>
-            </a:r>
-            <a:r>
-              <a:rPr lang="en-US" dirty="0" smtClean="0"/>
-              <a:t>order</a:t>
+              <a:t>Products purchased in a specific order</a:t>
             </a:r>
           </a:p>
           <a:p>
@@ -7262,7 +7089,6 @@
               <a:rPr lang="en-US" dirty="0" smtClean="0"/>
               <a:t>Total store sales across North America </a:t>
             </a:r>
-            <a:endParaRPr lang="en-US" dirty="0" smtClean="0"/>
           </a:p>
           <a:p>
             <a:pPr lvl="2"/>
@@ -7389,7 +7215,7 @@
               <a:t>Assignment </a:t>
             </a:r>
             <a:r>
-              <a:rPr lang="en-US" dirty="0"/>
+              <a:rPr lang="en-US" dirty="0" smtClean="0"/>
               <a:t>5</a:t>
             </a:r>
             <a:endParaRPr lang="en-US" dirty="0" smtClean="0"/>
@@ -7401,12 +7227,13 @@
             </a:r>
             <a:r>
               <a:rPr lang="en-US" i="1" dirty="0" smtClean="0"/>
-              <a:t>Web Operations </a:t>
-            </a:r>
-            <a:r>
-              <a:rPr lang="en-US" dirty="0" smtClean="0"/>
-              <a:t>Chapters 1 &amp; 2</a:t>
-            </a:r>
+              <a:t>Infrastructure as Code </a:t>
+            </a:r>
+            <a:r>
+              <a:rPr lang="en-US" dirty="0" smtClean="0"/>
+              <a:t>Chapters 3 &amp; 4</a:t>
+            </a:r>
+            <a:endParaRPr lang="en-US" dirty="0" smtClean="0"/>
           </a:p>
         </p:txBody>
       </p:sp>
@@ -7494,11 +7321,7 @@
             <a:pPr lvl="1"/>
             <a:r>
               <a:rPr lang="en-US" dirty="0" smtClean="0"/>
-              <a:t>Scale application performance by adding more </a:t>
-            </a:r>
-            <a:r>
-              <a:rPr lang="en-US" dirty="0" smtClean="0"/>
-              <a:t>instances</a:t>
+              <a:t>Scale application performance by adding more instances</a:t>
             </a:r>
           </a:p>
           <a:p>
@@ -7509,11 +7332,7 @@
             <a:pPr lvl="1"/>
             <a:r>
               <a:rPr lang="en-US" dirty="0" smtClean="0"/>
-              <a:t>Automatically handle failed </a:t>
-            </a:r>
-            <a:r>
-              <a:rPr lang="en-US" dirty="0" smtClean="0"/>
-              <a:t>instances</a:t>
+              <a:t>Automatically handle failed instances</a:t>
             </a:r>
           </a:p>
           <a:p>
@@ -7626,11 +7445,7 @@
           <a:p>
             <a:r>
               <a:rPr lang="en-US" dirty="0" smtClean="0"/>
-              <a:t>ELB is priced on an hourly basis like EC2 </a:t>
-            </a:r>
-            <a:r>
-              <a:rPr lang="en-US" dirty="0" smtClean="0"/>
-              <a:t>instances</a:t>
+              <a:t>ELB is priced on an hourly basis like EC2 instances</a:t>
             </a:r>
           </a:p>
           <a:p>
@@ -7646,11 +7461,7 @@
             <a:pPr lvl="1"/>
             <a:r>
               <a:rPr lang="en-US" dirty="0" smtClean="0"/>
-              <a:t>Sticky sessions: bind a user’s session to a specific instance instead of randomly </a:t>
-            </a:r>
-            <a:r>
-              <a:rPr lang="en-US" dirty="0" smtClean="0"/>
-              <a:t>redirecting (session affinity)</a:t>
+              <a:t>Sticky sessions: bind a user’s session to a specific instance instead of randomly redirecting (session affinity)</a:t>
             </a:r>
           </a:p>
           <a:p>
@@ -7661,11 +7472,7 @@
             <a:pPr lvl="1"/>
             <a:r>
               <a:rPr lang="en-US" dirty="0" smtClean="0"/>
-              <a:t>SSL support: install an SSL/TLS certificate directly on the ELB versus on individual </a:t>
-            </a:r>
-            <a:r>
-              <a:rPr lang="en-US" dirty="0" smtClean="0"/>
-              <a:t>instances</a:t>
+              <a:t>SSL support: install an SSL/TLS certificate directly on the ELB versus on individual instances</a:t>
             </a:r>
           </a:p>
           <a:p>
@@ -7753,11 +7560,7 @@
           <a:p>
             <a:r>
               <a:rPr lang="en-US" dirty="0" smtClean="0"/>
-              <a:t>Launch two instances running </a:t>
-            </a:r>
-            <a:r>
-              <a:rPr lang="en-US" dirty="0" smtClean="0"/>
-              <a:t>webservers</a:t>
+              <a:t>Launch two instances running webservers</a:t>
             </a:r>
           </a:p>
           <a:p>
@@ -7787,11 +7590,7 @@
             <a:pPr lvl="1"/>
             <a:r>
               <a:rPr lang="en-US" dirty="0" smtClean="0"/>
-              <a:t>Add two </a:t>
-            </a:r>
-            <a:r>
-              <a:rPr lang="en-US" dirty="0" smtClean="0"/>
-              <a:t>instances</a:t>
+              <a:t>Add two instances</a:t>
             </a:r>
           </a:p>
           <a:p>
@@ -7941,11 +7740,7 @@
             <a:pPr lvl="1"/>
             <a:r>
               <a:rPr lang="en-US" dirty="0" smtClean="0"/>
-              <a:t>Instances in a placement group should be similar </a:t>
-            </a:r>
-            <a:r>
-              <a:rPr lang="en-US" dirty="0" smtClean="0"/>
-              <a:t>type</a:t>
+              <a:t>Instances in a placement group should be similar type</a:t>
             </a:r>
           </a:p>
           <a:p>
@@ -7969,11 +7764,7 @@
             <a:pPr lvl="1"/>
             <a:r>
               <a:rPr lang="en-US" dirty="0" smtClean="0"/>
-              <a:t>Cannot merge placement </a:t>
-            </a:r>
-            <a:r>
-              <a:rPr lang="en-US" dirty="0" smtClean="0"/>
-              <a:t>groups</a:t>
+              <a:t>Cannot merge placement groups</a:t>
             </a:r>
           </a:p>
           <a:p>

--- a/infrastructure-week-5.pptx
+++ b/infrastructure-week-5.pptx
@@ -42,7 +42,8 @@
     <p:sldId id="288" r:id="rId36"/>
     <p:sldId id="289" r:id="rId37"/>
     <p:sldId id="290" r:id="rId38"/>
-    <p:sldId id="259" r:id="rId39"/>
+    <p:sldId id="295" r:id="rId39"/>
+    <p:sldId id="259" r:id="rId40"/>
   </p:sldIdLst>
   <p:sldSz cx="9144000" cy="6858000" type="screen4x3"/>
   <p:notesSz cx="6858000" cy="9144000"/>
@@ -325,7 +326,7 @@
           <a:p>
             <a:fld id="{5C992B2E-871F-DF41-938B-F17F540EA4B5}" type="datetimeFigureOut">
               <a:rPr lang="en-US" smtClean="0"/>
-              <a:t>8/13/16</a:t>
+              <a:t>8/14/16</a:t>
             </a:fld>
             <a:endParaRPr lang="en-US"/>
           </a:p>
@@ -495,7 +496,7 @@
           <a:p>
             <a:fld id="{5C992B2E-871F-DF41-938B-F17F540EA4B5}" type="datetimeFigureOut">
               <a:rPr lang="en-US" smtClean="0"/>
-              <a:t>8/13/16</a:t>
+              <a:t>8/14/16</a:t>
             </a:fld>
             <a:endParaRPr lang="en-US"/>
           </a:p>
@@ -675,7 +676,7 @@
           <a:p>
             <a:fld id="{5C992B2E-871F-DF41-938B-F17F540EA4B5}" type="datetimeFigureOut">
               <a:rPr lang="en-US" smtClean="0"/>
-              <a:t>8/13/16</a:t>
+              <a:t>8/14/16</a:t>
             </a:fld>
             <a:endParaRPr lang="en-US"/>
           </a:p>
@@ -845,7 +846,7 @@
           <a:p>
             <a:fld id="{5C992B2E-871F-DF41-938B-F17F540EA4B5}" type="datetimeFigureOut">
               <a:rPr lang="en-US" smtClean="0"/>
-              <a:t>8/13/16</a:t>
+              <a:t>8/14/16</a:t>
             </a:fld>
             <a:endParaRPr lang="en-US"/>
           </a:p>
@@ -1091,7 +1092,7 @@
           <a:p>
             <a:fld id="{5C992B2E-871F-DF41-938B-F17F540EA4B5}" type="datetimeFigureOut">
               <a:rPr lang="en-US" smtClean="0"/>
-              <a:t>8/13/16</a:t>
+              <a:t>8/14/16</a:t>
             </a:fld>
             <a:endParaRPr lang="en-US"/>
           </a:p>
@@ -1379,7 +1380,7 @@
           <a:p>
             <a:fld id="{5C992B2E-871F-DF41-938B-F17F540EA4B5}" type="datetimeFigureOut">
               <a:rPr lang="en-US" smtClean="0"/>
-              <a:t>8/13/16</a:t>
+              <a:t>8/14/16</a:t>
             </a:fld>
             <a:endParaRPr lang="en-US"/>
           </a:p>
@@ -1801,7 +1802,7 @@
           <a:p>
             <a:fld id="{5C992B2E-871F-DF41-938B-F17F540EA4B5}" type="datetimeFigureOut">
               <a:rPr lang="en-US" smtClean="0"/>
-              <a:t>8/13/16</a:t>
+              <a:t>8/14/16</a:t>
             </a:fld>
             <a:endParaRPr lang="en-US"/>
           </a:p>
@@ -1919,7 +1920,7 @@
           <a:p>
             <a:fld id="{5C992B2E-871F-DF41-938B-F17F540EA4B5}" type="datetimeFigureOut">
               <a:rPr lang="en-US" smtClean="0"/>
-              <a:t>8/13/16</a:t>
+              <a:t>8/14/16</a:t>
             </a:fld>
             <a:endParaRPr lang="en-US"/>
           </a:p>
@@ -2014,7 +2015,7 @@
           <a:p>
             <a:fld id="{5C992B2E-871F-DF41-938B-F17F540EA4B5}" type="datetimeFigureOut">
               <a:rPr lang="en-US" smtClean="0"/>
-              <a:t>8/13/16</a:t>
+              <a:t>8/14/16</a:t>
             </a:fld>
             <a:endParaRPr lang="en-US"/>
           </a:p>
@@ -2291,7 +2292,7 @@
           <a:p>
             <a:fld id="{5C992B2E-871F-DF41-938B-F17F540EA4B5}" type="datetimeFigureOut">
               <a:rPr lang="en-US" smtClean="0"/>
-              <a:t>8/13/16</a:t>
+              <a:t>8/14/16</a:t>
             </a:fld>
             <a:endParaRPr lang="en-US"/>
           </a:p>
@@ -2544,7 +2545,7 @@
           <a:p>
             <a:fld id="{5C992B2E-871F-DF41-938B-F17F540EA4B5}" type="datetimeFigureOut">
               <a:rPr lang="en-US" smtClean="0"/>
-              <a:t>8/13/16</a:t>
+              <a:t>8/14/16</a:t>
             </a:fld>
             <a:endParaRPr lang="en-US"/>
           </a:p>
@@ -2757,7 +2758,7 @@
           <a:p>
             <a:fld id="{5C992B2E-871F-DF41-938B-F17F540EA4B5}" type="datetimeFigureOut">
               <a:rPr lang="en-US" smtClean="0"/>
-              <a:t>8/13/16</a:t>
+              <a:t>8/14/16</a:t>
             </a:fld>
             <a:endParaRPr lang="en-US"/>
           </a:p>
@@ -5385,8 +5386,13 @@
           <a:p>
             <a:r>
               <a:rPr lang="en-US" dirty="0" smtClean="0"/>
-              <a:t>Your account has a default VPC setup in each AWS region</a:t>
-            </a:r>
+              <a:t>Your account has a default VPC setup in each AWS </a:t>
+            </a:r>
+            <a:r>
+              <a:rPr lang="en-US" dirty="0" smtClean="0"/>
+              <a:t>region.</a:t>
+            </a:r>
+            <a:endParaRPr lang="en-US" dirty="0" smtClean="0"/>
           </a:p>
           <a:p>
             <a:endParaRPr lang="en-US" dirty="0" smtClean="0"/>
@@ -6191,7 +6197,11 @@
           <a:p>
             <a:r>
               <a:rPr lang="en-US" dirty="0" smtClean="0"/>
-              <a:t>RDS provides an endpoint for each database which is used by an application for communication</a:t>
+              <a:t>RDS provides an endpoint for each database which is used by an application for </a:t>
+            </a:r>
+            <a:r>
+              <a:rPr lang="en-US" dirty="0" smtClean="0"/>
+              <a:t>communication.</a:t>
             </a:r>
             <a:endParaRPr lang="en-US" dirty="0"/>
           </a:p>
@@ -6283,48 +6293,81 @@
           <a:p>
             <a:r>
               <a:rPr lang="en-US" dirty="0" smtClean="0"/>
-              <a:t>Automated backups: RDS performs a full daily backup of the database and stores transaction logs since the backup job</a:t>
-            </a:r>
-          </a:p>
-          <a:p>
-            <a:pPr lvl="1"/>
-            <a:r>
-              <a:rPr lang="en-US" dirty="0" smtClean="0"/>
-              <a:t>Retains backup data for 1 to 35 days</a:t>
-            </a:r>
-          </a:p>
-          <a:p>
-            <a:pPr lvl="1"/>
-            <a:endParaRPr lang="en-US" dirty="0" smtClean="0"/>
-          </a:p>
-          <a:p>
-            <a:pPr lvl="1"/>
-            <a:r>
-              <a:rPr lang="en-US" dirty="0" smtClean="0"/>
-              <a:t>During recovery full backup is restored and then transaction logs are replayed</a:t>
-            </a:r>
-          </a:p>
-          <a:p>
-            <a:pPr lvl="1"/>
-            <a:endParaRPr lang="en-US" dirty="0" smtClean="0"/>
-          </a:p>
-          <a:p>
-            <a:pPr lvl="1"/>
-            <a:r>
-              <a:rPr lang="en-US" dirty="0" smtClean="0"/>
-              <a:t>Backup data stored on S3</a:t>
-            </a:r>
-          </a:p>
-          <a:p>
-            <a:pPr lvl="1"/>
-            <a:endParaRPr lang="en-US" dirty="0" smtClean="0"/>
-          </a:p>
-          <a:p>
-            <a:pPr lvl="1"/>
-            <a:r>
-              <a:rPr lang="en-US" dirty="0" smtClean="0"/>
-              <a:t>Backups occur during a specified window and the database storage I/O may be significantly reduced</a:t>
-            </a:r>
+              <a:t>Automated backups: RDS performs a full daily backup of the database and stores transaction logs since the backup </a:t>
+            </a:r>
+            <a:r>
+              <a:rPr lang="en-US" dirty="0" smtClean="0"/>
+              <a:t>job.</a:t>
+            </a:r>
+            <a:endParaRPr lang="en-US" dirty="0" smtClean="0"/>
+          </a:p>
+          <a:p>
+            <a:pPr lvl="1"/>
+            <a:r>
+              <a:rPr lang="en-US" dirty="0" smtClean="0"/>
+              <a:t>Retains backup data for 1 to 35 </a:t>
+            </a:r>
+            <a:r>
+              <a:rPr lang="en-US" dirty="0" smtClean="0"/>
+              <a:t>days.</a:t>
+            </a:r>
+            <a:endParaRPr lang="en-US" dirty="0" smtClean="0"/>
+          </a:p>
+          <a:p>
+            <a:pPr lvl="1"/>
+            <a:endParaRPr lang="en-US" dirty="0" smtClean="0"/>
+          </a:p>
+          <a:p>
+            <a:pPr lvl="1"/>
+            <a:r>
+              <a:rPr lang="en-US" dirty="0" smtClean="0"/>
+              <a:t>During recovery full backup is restored and then transaction logs are </a:t>
+            </a:r>
+            <a:r>
+              <a:rPr lang="en-US" dirty="0" smtClean="0"/>
+              <a:t>replayed.</a:t>
+            </a:r>
+            <a:endParaRPr lang="en-US" dirty="0" smtClean="0"/>
+          </a:p>
+          <a:p>
+            <a:pPr lvl="1"/>
+            <a:endParaRPr lang="en-US" dirty="0" smtClean="0"/>
+          </a:p>
+          <a:p>
+            <a:pPr lvl="1"/>
+            <a:r>
+              <a:rPr lang="en-US" dirty="0" smtClean="0"/>
+              <a:t>Backup data </a:t>
+            </a:r>
+            <a:r>
+              <a:rPr lang="en-US" dirty="0" smtClean="0"/>
+              <a:t>is stored </a:t>
+            </a:r>
+            <a:r>
+              <a:rPr lang="en-US" dirty="0" smtClean="0"/>
+              <a:t>on </a:t>
+            </a:r>
+            <a:r>
+              <a:rPr lang="en-US" dirty="0" smtClean="0"/>
+              <a:t>S3.</a:t>
+            </a:r>
+            <a:endParaRPr lang="en-US" dirty="0" smtClean="0"/>
+          </a:p>
+          <a:p>
+            <a:pPr lvl="1"/>
+            <a:endParaRPr lang="en-US" dirty="0" smtClean="0"/>
+          </a:p>
+          <a:p>
+            <a:pPr lvl="1"/>
+            <a:r>
+              <a:rPr lang="en-US" dirty="0" smtClean="0"/>
+              <a:t>Backups occur during a specified window and the database storage I/O may be significantly </a:t>
+            </a:r>
+            <a:r>
+              <a:rPr lang="en-US" dirty="0" smtClean="0"/>
+              <a:t>reduced.</a:t>
+            </a:r>
+            <a:endParaRPr lang="en-US" dirty="0" smtClean="0"/>
           </a:p>
         </p:txBody>
       </p:sp>
@@ -6405,49 +6448,78 @@
           <a:p>
             <a:r>
               <a:rPr lang="en-US" dirty="0" smtClean="0"/>
-              <a:t>RDS snapshots are initiated manually by the user and exist indefinitely – even after database is removed</a:t>
-            </a:r>
-          </a:p>
-          <a:p>
-            <a:pPr lvl="1"/>
-            <a:r>
-              <a:rPr lang="en-US" dirty="0" smtClean="0"/>
-              <a:t>It’s possible to use RDS data backups to copy databases (for testing or to move)</a:t>
-            </a:r>
-          </a:p>
-          <a:p>
-            <a:pPr lvl="1"/>
-            <a:endParaRPr lang="en-US" dirty="0" smtClean="0"/>
-          </a:p>
-          <a:p>
-            <a:r>
-              <a:rPr lang="en-US" dirty="0" smtClean="0"/>
-              <a:t>Multi-AZ capability provides standby database instance in a separate AZ for fail-over purposes</a:t>
-            </a:r>
-          </a:p>
-          <a:p>
-            <a:pPr lvl="1"/>
-            <a:r>
-              <a:rPr lang="en-US" dirty="0" smtClean="0"/>
-              <a:t>Writes to main database server are synchronized to the standby database</a:t>
-            </a:r>
-          </a:p>
-          <a:p>
-            <a:pPr lvl="1"/>
-            <a:endParaRPr lang="en-US" dirty="0" smtClean="0"/>
-          </a:p>
-          <a:p>
-            <a:pPr lvl="1"/>
-            <a:r>
-              <a:rPr lang="en-US" dirty="0" smtClean="0"/>
-              <a:t>Main purpose is for greater service resiliency, it does not improve performance</a:t>
-            </a:r>
+              <a:t>RDS snapshots are initiated manually by the user and exist indefinitely – even after database is </a:t>
+            </a:r>
+            <a:r>
+              <a:rPr lang="en-US" dirty="0" smtClean="0"/>
+              <a:t>removed.</a:t>
+            </a:r>
+            <a:endParaRPr lang="en-US" dirty="0" smtClean="0"/>
+          </a:p>
+          <a:p>
+            <a:pPr lvl="1"/>
+            <a:r>
+              <a:rPr lang="en-US" dirty="0" smtClean="0"/>
+              <a:t>It’s possible to use RDS data backups to copy databases (for testing or to move</a:t>
+            </a:r>
+            <a:r>
+              <a:rPr lang="en-US" dirty="0" smtClean="0"/>
+              <a:t>).</a:t>
+            </a:r>
+            <a:endParaRPr lang="en-US" dirty="0" smtClean="0"/>
+          </a:p>
+          <a:p>
+            <a:pPr lvl="1"/>
+            <a:endParaRPr lang="en-US" dirty="0" smtClean="0"/>
+          </a:p>
+          <a:p>
+            <a:r>
+              <a:rPr lang="en-US" dirty="0" smtClean="0"/>
+              <a:t>Multi-AZ capability provides standby database instance in a separate AZ for fail-over </a:t>
+            </a:r>
+            <a:r>
+              <a:rPr lang="en-US" dirty="0" smtClean="0"/>
+              <a:t>purposes.</a:t>
+            </a:r>
+            <a:endParaRPr lang="en-US" dirty="0" smtClean="0"/>
+          </a:p>
+          <a:p>
+            <a:pPr lvl="1"/>
+            <a:r>
+              <a:rPr lang="en-US" dirty="0" smtClean="0"/>
+              <a:t>Writes to main database server are synchronized to the standby </a:t>
+            </a:r>
+            <a:r>
+              <a:rPr lang="en-US" dirty="0" smtClean="0"/>
+              <a:t>database.</a:t>
+            </a:r>
+            <a:endParaRPr lang="en-US" dirty="0" smtClean="0"/>
+          </a:p>
+          <a:p>
+            <a:pPr lvl="1"/>
+            <a:endParaRPr lang="en-US" dirty="0" smtClean="0"/>
+          </a:p>
+          <a:p>
+            <a:pPr lvl="1"/>
+            <a:r>
+              <a:rPr lang="en-US" dirty="0" smtClean="0"/>
+              <a:t>Main purpose is for greater service resiliency, it does not improve </a:t>
+            </a:r>
+            <a:r>
+              <a:rPr lang="en-US" dirty="0" smtClean="0"/>
+              <a:t>performance.</a:t>
+            </a:r>
+            <a:endParaRPr lang="en-US" dirty="0" smtClean="0"/>
           </a:p>
           <a:p>
             <a:pPr lvl="2"/>
             <a:r>
               <a:rPr lang="en-US" dirty="0" smtClean="0"/>
-              <a:t>Although, it allows RDS to update or backup a server without degrading I/O</a:t>
+              <a:t>Although, it allows RDS to update or backup a server without degrading I/</a:t>
+            </a:r>
+            <a:r>
+              <a:rPr lang="en-US" dirty="0" smtClean="0"/>
+              <a:t>O.</a:t>
             </a:r>
             <a:endParaRPr lang="en-US" dirty="0"/>
           </a:p>
@@ -6545,18 +6617,28 @@
             </a:r>
             <a:r>
               <a:rPr lang="en-US" dirty="0" smtClean="0"/>
-              <a:t> offered in a multi-AZ architecture (2 DBs in 3 AZs = 6 total!)</a:t>
-            </a:r>
-          </a:p>
-          <a:p>
-            <a:pPr lvl="1"/>
-            <a:endParaRPr lang="en-US" dirty="0" smtClean="0"/>
-          </a:p>
-          <a:p>
-            <a:r>
-              <a:rPr lang="en-US" dirty="0" smtClean="0"/>
-              <a:t>Read Replica: a database instance in a separate AZ which asynchronously copies data from the main database</a:t>
-            </a:r>
+              <a:t> offered in a multi-AZ architecture (2 DBs in 3 AZs = 6 total!</a:t>
+            </a:r>
+            <a:r>
+              <a:rPr lang="en-US" dirty="0" smtClean="0"/>
+              <a:t>).</a:t>
+            </a:r>
+            <a:endParaRPr lang="en-US" dirty="0" smtClean="0"/>
+          </a:p>
+          <a:p>
+            <a:pPr lvl="1"/>
+            <a:endParaRPr lang="en-US" dirty="0" smtClean="0"/>
+          </a:p>
+          <a:p>
+            <a:r>
+              <a:rPr lang="en-US" dirty="0" smtClean="0"/>
+              <a:t>Read Replica: a database instance in a separate AZ which asynchronously copies data from the main </a:t>
+            </a:r>
+            <a:r>
+              <a:rPr lang="en-US" dirty="0" smtClean="0"/>
+              <a:t>database.</a:t>
+            </a:r>
+            <a:endParaRPr lang="en-US" dirty="0" smtClean="0"/>
           </a:p>
           <a:p>
             <a:pPr lvl="1"/>
@@ -6573,30 +6655,45 @@
             <a:pPr lvl="1"/>
             <a:r>
               <a:rPr lang="en-US" dirty="0" smtClean="0"/>
-              <a:t>Scales database performance by allowing database clients to read data from multiple instances</a:t>
-            </a:r>
-          </a:p>
-          <a:p>
-            <a:pPr lvl="1"/>
-            <a:endParaRPr lang="en-US" dirty="0" smtClean="0"/>
-          </a:p>
-          <a:p>
-            <a:pPr lvl="1"/>
-            <a:r>
-              <a:rPr lang="en-US" dirty="0" smtClean="0"/>
-              <a:t>Up to 5 read replicas supported </a:t>
-            </a:r>
-          </a:p>
-          <a:p>
-            <a:pPr lvl="1"/>
-            <a:endParaRPr lang="en-US" dirty="0" smtClean="0"/>
-          </a:p>
-          <a:p>
-            <a:pPr lvl="1"/>
-            <a:r>
-              <a:rPr lang="en-US" dirty="0" smtClean="0"/>
-              <a:t>Owner can promote a read replica into a separate database, splitting relationship with parent</a:t>
-            </a:r>
+              <a:t>Scales database performance by allowing database clients to read data from multiple </a:t>
+            </a:r>
+            <a:r>
+              <a:rPr lang="en-US" dirty="0" smtClean="0"/>
+              <a:t>instances.</a:t>
+            </a:r>
+            <a:endParaRPr lang="en-US" dirty="0" smtClean="0"/>
+          </a:p>
+          <a:p>
+            <a:pPr lvl="1"/>
+            <a:endParaRPr lang="en-US" dirty="0" smtClean="0"/>
+          </a:p>
+          <a:p>
+            <a:pPr lvl="1"/>
+            <a:r>
+              <a:rPr lang="en-US" dirty="0" smtClean="0"/>
+              <a:t>Up to 5 read replicas </a:t>
+            </a:r>
+            <a:r>
+              <a:rPr lang="en-US" dirty="0" smtClean="0"/>
+              <a:t>supported. </a:t>
+            </a:r>
+            <a:endParaRPr lang="en-US" dirty="0" smtClean="0"/>
+          </a:p>
+          <a:p>
+            <a:pPr lvl="1"/>
+            <a:endParaRPr lang="en-US" dirty="0" smtClean="0"/>
+          </a:p>
+          <a:p>
+            <a:pPr lvl="1"/>
+            <a:r>
+              <a:rPr lang="en-US" dirty="0" smtClean="0"/>
+              <a:t>Owner can promote a read replica into a separate database, splitting relationship with </a:t>
+            </a:r>
+            <a:r>
+              <a:rPr lang="en-US" dirty="0" smtClean="0"/>
+              <a:t>parent.</a:t>
+            </a:r>
+            <a:endParaRPr lang="en-US" dirty="0" smtClean="0"/>
           </a:p>
         </p:txBody>
       </p:sp>
@@ -6672,42 +6769,66 @@
           <a:p>
             <a:r>
               <a:rPr lang="en-US" dirty="0" smtClean="0"/>
-              <a:t>Create an RDS database</a:t>
-            </a:r>
-          </a:p>
-          <a:p>
-            <a:pPr lvl="1"/>
-            <a:r>
-              <a:rPr lang="en-US" dirty="0" smtClean="0"/>
-              <a:t>Create database security group</a:t>
-            </a:r>
-          </a:p>
-          <a:p>
-            <a:pPr lvl="1"/>
-            <a:endParaRPr lang="en-US" dirty="0" smtClean="0"/>
-          </a:p>
-          <a:p>
-            <a:r>
-              <a:rPr lang="en-US" dirty="0" smtClean="0"/>
-              <a:t>Locate database endpoint</a:t>
-            </a:r>
-          </a:p>
-          <a:p>
-            <a:endParaRPr lang="en-US" dirty="0" smtClean="0"/>
-          </a:p>
-          <a:p>
-            <a:r>
-              <a:rPr lang="en-US" dirty="0" smtClean="0"/>
-              <a:t>Review automatic backup schedule</a:t>
-            </a:r>
-          </a:p>
-          <a:p>
-            <a:endParaRPr lang="en-US" dirty="0" smtClean="0"/>
-          </a:p>
-          <a:p>
-            <a:r>
-              <a:rPr lang="en-US" dirty="0" smtClean="0"/>
-              <a:t>Perform a snapshot</a:t>
+              <a:t>Create an RDS </a:t>
+            </a:r>
+            <a:r>
+              <a:rPr lang="en-US" dirty="0" smtClean="0"/>
+              <a:t>database.</a:t>
+            </a:r>
+            <a:endParaRPr lang="en-US" dirty="0" smtClean="0"/>
+          </a:p>
+          <a:p>
+            <a:pPr lvl="1"/>
+            <a:r>
+              <a:rPr lang="en-US" dirty="0" smtClean="0"/>
+              <a:t>Create database security </a:t>
+            </a:r>
+            <a:r>
+              <a:rPr lang="en-US" dirty="0" smtClean="0"/>
+              <a:t>group.</a:t>
+            </a:r>
+            <a:endParaRPr lang="en-US" dirty="0" smtClean="0"/>
+          </a:p>
+          <a:p>
+            <a:pPr lvl="1"/>
+            <a:endParaRPr lang="en-US" dirty="0" smtClean="0"/>
+          </a:p>
+          <a:p>
+            <a:r>
+              <a:rPr lang="en-US" dirty="0" smtClean="0"/>
+              <a:t>Locate database </a:t>
+            </a:r>
+            <a:r>
+              <a:rPr lang="en-US" dirty="0" smtClean="0"/>
+              <a:t>endpoint.</a:t>
+            </a:r>
+            <a:endParaRPr lang="en-US" dirty="0" smtClean="0"/>
+          </a:p>
+          <a:p>
+            <a:endParaRPr lang="en-US" dirty="0" smtClean="0"/>
+          </a:p>
+          <a:p>
+            <a:r>
+              <a:rPr lang="en-US" dirty="0" smtClean="0"/>
+              <a:t>Review automatic backup </a:t>
+            </a:r>
+            <a:r>
+              <a:rPr lang="en-US" dirty="0" smtClean="0"/>
+              <a:t>schedule.</a:t>
+            </a:r>
+            <a:endParaRPr lang="en-US" dirty="0" smtClean="0"/>
+          </a:p>
+          <a:p>
+            <a:endParaRPr lang="en-US" dirty="0" smtClean="0"/>
+          </a:p>
+          <a:p>
+            <a:r>
+              <a:rPr lang="en-US" dirty="0" smtClean="0"/>
+              <a:t>Perform a </a:t>
+            </a:r>
+            <a:r>
+              <a:rPr lang="en-US" dirty="0" smtClean="0"/>
+              <a:t>snapshot.</a:t>
             </a:r>
             <a:endParaRPr lang="en-US" dirty="0"/>
           </a:p>
@@ -6822,54 +6943,74 @@
             </a:r>
             <a:r>
               <a:rPr lang="en-US" dirty="0" smtClean="0"/>
-              <a:t> database based on document storage</a:t>
-            </a:r>
-          </a:p>
-          <a:p>
-            <a:pPr lvl="1"/>
-            <a:r>
-              <a:rPr lang="en-US" dirty="0" smtClean="0"/>
-              <a:t>Each document is comprised of key/value pairs stored in JavaScript Object Notation (JSON)</a:t>
-            </a:r>
-          </a:p>
-          <a:p>
-            <a:pPr lvl="1"/>
-            <a:r>
-              <a:rPr lang="en-US" dirty="0" smtClean="0"/>
-              <a:t>Similar to </a:t>
-            </a:r>
-            <a:r>
-              <a:rPr lang="en-US" dirty="0" err="1" smtClean="0"/>
-              <a:t>MongoDB</a:t>
-            </a:r>
-            <a:endParaRPr lang="en-US" dirty="0" smtClean="0"/>
-          </a:p>
-          <a:p>
-            <a:pPr lvl="1"/>
-            <a:endParaRPr lang="en-US" dirty="0" smtClean="0"/>
-          </a:p>
-          <a:p>
-            <a:r>
-              <a:rPr lang="en-US" dirty="0" smtClean="0"/>
-              <a:t>Supports highly scalable number of reads and writes with unlimited data storage</a:t>
-            </a:r>
-          </a:p>
-          <a:p>
-            <a:pPr lvl="1"/>
-            <a:r>
-              <a:rPr lang="en-US" dirty="0" smtClean="0"/>
-              <a:t>Automatically scales data storage, no need to reconfigure database like RDS (relational)</a:t>
-            </a:r>
-          </a:p>
-          <a:p>
-            <a:pPr lvl="1"/>
-            <a:endParaRPr lang="en-US" dirty="0" smtClean="0"/>
-          </a:p>
-          <a:p>
-            <a:r>
-              <a:rPr lang="en-US" dirty="0" smtClean="0"/>
-              <a:t>Data replicated between 3 separate datacenters (not necessarily in separate AZs)</a:t>
-            </a:r>
+              <a:t> </a:t>
+            </a:r>
+            <a:r>
+              <a:rPr lang="en-US" dirty="0" smtClean="0"/>
+              <a:t>database utilizing a document processing architecture.</a:t>
+            </a:r>
+          </a:p>
+          <a:p>
+            <a:pPr lvl="1"/>
+            <a:r>
+              <a:rPr lang="en-US" dirty="0" smtClean="0"/>
+              <a:t>Based on Google Big Table design.</a:t>
+            </a:r>
+            <a:endParaRPr lang="en-US" dirty="0" smtClean="0"/>
+          </a:p>
+          <a:p>
+            <a:pPr lvl="1"/>
+            <a:r>
+              <a:rPr lang="en-US" dirty="0" smtClean="0"/>
+              <a:t>Each document is comprised of key/value pairs stored in JavaScript Object Notation (JSON</a:t>
+            </a:r>
+            <a:r>
+              <a:rPr lang="en-US" dirty="0" smtClean="0"/>
+              <a:t>).</a:t>
+            </a:r>
+            <a:endParaRPr lang="en-US" dirty="0" smtClean="0"/>
+          </a:p>
+          <a:p>
+            <a:pPr lvl="1"/>
+            <a:endParaRPr lang="en-US" dirty="0" smtClean="0"/>
+          </a:p>
+          <a:p>
+            <a:r>
+              <a:rPr lang="en-US" dirty="0" smtClean="0"/>
+              <a:t>Supports highly scalable number of reads and writes with unlimited data </a:t>
+            </a:r>
+            <a:r>
+              <a:rPr lang="en-US" dirty="0" smtClean="0"/>
+              <a:t>storage.</a:t>
+            </a:r>
+            <a:endParaRPr lang="en-US" dirty="0" smtClean="0"/>
+          </a:p>
+          <a:p>
+            <a:pPr lvl="1"/>
+            <a:r>
+              <a:rPr lang="en-US" dirty="0" smtClean="0"/>
+              <a:t>Automatically scales data storage, no need to reconfigure database like RDS (relational</a:t>
+            </a:r>
+            <a:r>
+              <a:rPr lang="en-US" dirty="0" smtClean="0"/>
+              <a:t>).</a:t>
+            </a:r>
+            <a:endParaRPr lang="en-US" dirty="0" smtClean="0"/>
+          </a:p>
+          <a:p>
+            <a:pPr lvl="1"/>
+            <a:endParaRPr lang="en-US" dirty="0" smtClean="0"/>
+          </a:p>
+          <a:p>
+            <a:r>
+              <a:rPr lang="en-US" dirty="0" smtClean="0"/>
+              <a:t>Data replicated between 3 separate datacenters (not necessarily in separate AZs</a:t>
+            </a:r>
+            <a:r>
+              <a:rPr lang="en-US" dirty="0" smtClean="0"/>
+              <a:t>).</a:t>
+            </a:r>
+            <a:endParaRPr lang="en-US" dirty="0" smtClean="0"/>
           </a:p>
           <a:p>
             <a:pPr lvl="1"/>
@@ -7062,8 +7203,13 @@
             <a:pPr lvl="1"/>
             <a:r>
               <a:rPr lang="en-US" dirty="0" smtClean="0"/>
-              <a:t>Online Transaction Processing (OLTP) focuses on querying and maintaining individual transactions</a:t>
-            </a:r>
+              <a:t>Online Transaction Processing (OLTP) focuses on querying and maintaining individual </a:t>
+            </a:r>
+            <a:r>
+              <a:rPr lang="en-US" dirty="0" smtClean="0"/>
+              <a:t>transactions.</a:t>
+            </a:r>
+            <a:endParaRPr lang="en-US" dirty="0" smtClean="0"/>
           </a:p>
           <a:p>
             <a:pPr lvl="2"/>
@@ -7080,8 +7226,13 @@
             <a:pPr lvl="1"/>
             <a:r>
               <a:rPr lang="en-US" dirty="0" smtClean="0"/>
-              <a:t>Online Analytical Processing (OLAP) focuses on the analysis of aggregate sets of data</a:t>
-            </a:r>
+              <a:t>Online Analytical Processing (OLAP) focuses on the analysis of aggregate sets of </a:t>
+            </a:r>
+            <a:r>
+              <a:rPr lang="en-US" dirty="0" smtClean="0"/>
+              <a:t>data.</a:t>
+            </a:r>
+            <a:endParaRPr lang="en-US" dirty="0" smtClean="0"/>
           </a:p>
           <a:p>
             <a:pPr lvl="2"/>
@@ -7097,15 +7248,25 @@
           <a:p>
             <a:r>
               <a:rPr lang="en-US" dirty="0" smtClean="0"/>
-              <a:t>Uses columnar storage to improve performance</a:t>
-            </a:r>
-          </a:p>
-          <a:p>
-            <a:pPr lvl="1"/>
-            <a:r>
-              <a:rPr lang="en-US" dirty="0" smtClean="0"/>
-              <a:t>Generally computation is performed on values within a column, so store them in the same page to improve query performance (reduce I/O)</a:t>
-            </a:r>
+              <a:t>Uses columnar storage to improve </a:t>
+            </a:r>
+            <a:r>
+              <a:rPr lang="en-US" dirty="0" smtClean="0"/>
+              <a:t>performance.</a:t>
+            </a:r>
+            <a:endParaRPr lang="en-US" dirty="0" smtClean="0"/>
+          </a:p>
+          <a:p>
+            <a:pPr lvl="1"/>
+            <a:r>
+              <a:rPr lang="en-US" dirty="0" smtClean="0"/>
+              <a:t>Generally computation is performed on values within a column, so store them in the same page to improve query performance (reduce I/O</a:t>
+            </a:r>
+            <a:r>
+              <a:rPr lang="en-US" dirty="0" smtClean="0"/>
+              <a:t>).</a:t>
+            </a:r>
+            <a:endParaRPr lang="en-US" dirty="0" smtClean="0"/>
           </a:p>
         </p:txBody>
       </p:sp>
@@ -7175,6 +7336,198 @@
         </p:nvSpPr>
         <p:spPr/>
         <p:txBody>
+          <a:bodyPr/>
+          <a:lstStyle/>
+          <a:p>
+            <a:r>
+              <a:rPr lang="en-US" dirty="0" smtClean="0"/>
+              <a:t>Directory Service</a:t>
+            </a:r>
+            <a:endParaRPr lang="en-US" dirty="0"/>
+          </a:p>
+        </p:txBody>
+      </p:sp>
+      <p:sp>
+        <p:nvSpPr>
+          <p:cNvPr id="3" name="Content Placeholder 2"/>
+          <p:cNvSpPr>
+            <a:spLocks noGrp="1"/>
+          </p:cNvSpPr>
+          <p:nvPr>
+            <p:ph idx="1"/>
+          </p:nvPr>
+        </p:nvSpPr>
+        <p:spPr>
+          <a:xfrm>
+            <a:off x="457200" y="1600200"/>
+            <a:ext cx="8229600" cy="4962802"/>
+          </a:xfrm>
+        </p:spPr>
+        <p:txBody>
+          <a:bodyPr>
+            <a:normAutofit fontScale="77500" lnSpcReduction="20000"/>
+          </a:bodyPr>
+          <a:lstStyle/>
+          <a:p>
+            <a:r>
+              <a:rPr lang="en-US" dirty="0" smtClean="0"/>
+              <a:t>Provides multiple ways to use Microsoft Active Directory with AWS services.</a:t>
+            </a:r>
+          </a:p>
+          <a:p>
+            <a:endParaRPr lang="en-US" dirty="0" smtClean="0"/>
+          </a:p>
+          <a:p>
+            <a:r>
+              <a:rPr lang="en-US" dirty="0" smtClean="0"/>
+              <a:t>Three options:</a:t>
+            </a:r>
+          </a:p>
+          <a:p>
+            <a:pPr lvl="1"/>
+            <a:r>
+              <a:rPr lang="en-US" dirty="0" smtClean="0"/>
+              <a:t>Simple AD</a:t>
+            </a:r>
+          </a:p>
+          <a:p>
+            <a:pPr lvl="2"/>
+            <a:r>
+              <a:rPr lang="en-US" dirty="0" smtClean="0"/>
+              <a:t>Microsoft AD-compatible service powered by Samba 4.</a:t>
+            </a:r>
+          </a:p>
+          <a:p>
+            <a:pPr lvl="2"/>
+            <a:r>
+              <a:rPr lang="en-US" dirty="0" smtClean="0"/>
+              <a:t>Supports most </a:t>
+            </a:r>
+            <a:r>
+              <a:rPr lang="en-US" smtClean="0"/>
+              <a:t>AD functionality.</a:t>
+            </a:r>
+            <a:endParaRPr lang="en-US" dirty="0" smtClean="0"/>
+          </a:p>
+          <a:p>
+            <a:pPr lvl="2"/>
+            <a:r>
+              <a:rPr lang="en-US" dirty="0" smtClean="0"/>
+              <a:t>Designed for less than 5000 users.</a:t>
+            </a:r>
+          </a:p>
+          <a:p>
+            <a:pPr lvl="2"/>
+            <a:endParaRPr lang="en-US" dirty="0" smtClean="0"/>
+          </a:p>
+          <a:p>
+            <a:pPr lvl="1"/>
+            <a:r>
+              <a:rPr lang="en-US" dirty="0" smtClean="0"/>
+              <a:t>Microsoft AD Enterprise</a:t>
+            </a:r>
+          </a:p>
+          <a:p>
+            <a:pPr lvl="2"/>
+            <a:r>
+              <a:rPr lang="en-US" dirty="0" smtClean="0"/>
+              <a:t>Full Microsoft AD service managed by AWS.</a:t>
+            </a:r>
+          </a:p>
+          <a:p>
+            <a:pPr lvl="2"/>
+            <a:r>
+              <a:rPr lang="en-US" dirty="0" smtClean="0"/>
+              <a:t>Designed for more than 5000 users.</a:t>
+            </a:r>
+          </a:p>
+          <a:p>
+            <a:pPr lvl="2"/>
+            <a:endParaRPr lang="en-US" dirty="0" smtClean="0"/>
+          </a:p>
+          <a:p>
+            <a:pPr lvl="1"/>
+            <a:r>
+              <a:rPr lang="en-US" dirty="0" smtClean="0"/>
+              <a:t>AD Connector</a:t>
+            </a:r>
+          </a:p>
+          <a:p>
+            <a:pPr lvl="2"/>
+            <a:r>
+              <a:rPr lang="en-US" dirty="0" smtClean="0"/>
+              <a:t>Proxy service for connecting on-premise AD servers to AWS resources.</a:t>
+            </a:r>
+            <a:endParaRPr lang="en-US" dirty="0"/>
+          </a:p>
+        </p:txBody>
+      </p:sp>
+      <p:pic>
+        <p:nvPicPr>
+          <p:cNvPr id="4" name="Picture 3"/>
+          <p:cNvPicPr>
+            <a:picLocks noChangeAspect="1"/>
+          </p:cNvPicPr>
+          <p:nvPr/>
+        </p:nvPicPr>
+        <p:blipFill>
+          <a:blip r:embed="rId2"/>
+          <a:stretch>
+            <a:fillRect/>
+          </a:stretch>
+        </p:blipFill>
+        <p:spPr>
+          <a:xfrm>
+            <a:off x="7203938" y="400287"/>
+            <a:ext cx="1596227" cy="1104589"/>
+          </a:xfrm>
+          <a:prstGeom prst="rect">
+            <a:avLst/>
+          </a:prstGeom>
+        </p:spPr>
+      </p:pic>
+    </p:spTree>
+    <p:extLst>
+      <p:ext uri="{BB962C8B-B14F-4D97-AF65-F5344CB8AC3E}">
+        <p14:creationId xmlns:p14="http://schemas.microsoft.com/office/powerpoint/2010/main" val="2256972082"/>
+      </p:ext>
+    </p:extLst>
+  </p:cSld>
+  <p:clrMapOvr>
+    <a:masterClrMapping/>
+  </p:clrMapOvr>
+</p:sld>
+</file>
+
+<file path=ppt/slides/slide39.xml><?xml version="1.0" encoding="utf-8"?>
+<p:sld xmlns:a="http://schemas.openxmlformats.org/drawingml/2006/main" xmlns:r="http://schemas.openxmlformats.org/officeDocument/2006/relationships" xmlns:p="http://schemas.openxmlformats.org/presentationml/2006/main">
+  <p:cSld>
+    <p:spTree>
+      <p:nvGrpSpPr>
+        <p:cNvPr id="1" name=""/>
+        <p:cNvGrpSpPr/>
+        <p:nvPr/>
+      </p:nvGrpSpPr>
+      <p:grpSpPr>
+        <a:xfrm>
+          <a:off x="0" y="0"/>
+          <a:ext cx="0" cy="0"/>
+          <a:chOff x="0" y="0"/>
+          <a:chExt cx="0" cy="0"/>
+        </a:xfrm>
+      </p:grpSpPr>
+      <p:sp>
+        <p:nvSpPr>
+          <p:cNvPr id="2" name="Title 1"/>
+          <p:cNvSpPr>
+            <a:spLocks noGrp="1"/>
+          </p:cNvSpPr>
+          <p:nvPr>
+            <p:ph type="title"/>
+          </p:nvPr>
+        </p:nvSpPr>
+        <p:spPr/>
+        <p:txBody>
           <a:bodyPr>
             <a:normAutofit/>
           </a:bodyPr>
@@ -7212,13 +7565,8 @@
           <a:p>
             <a:r>
               <a:rPr lang="en-US" dirty="0" smtClean="0"/>
-              <a:t>Assignment </a:t>
-            </a:r>
-            <a:r>
-              <a:rPr lang="en-US" dirty="0" smtClean="0"/>
-              <a:t>5</a:t>
-            </a:r>
-            <a:endParaRPr lang="en-US" dirty="0" smtClean="0"/>
+              <a:t>Assignment 5</a:t>
+            </a:r>
           </a:p>
           <a:p>
             <a:r>
@@ -7233,7 +7581,6 @@
               <a:rPr lang="en-US" dirty="0" smtClean="0"/>
               <a:t>Chapters 3 &amp; 4</a:t>
             </a:r>
-            <a:endParaRPr lang="en-US" dirty="0" smtClean="0"/>
           </a:p>
         </p:txBody>
       </p:sp>

--- a/infrastructure-week-5.pptx
+++ b/infrastructure-week-5.pptx
@@ -326,7 +326,7 @@
           <a:p>
             <a:fld id="{5C992B2E-871F-DF41-938B-F17F540EA4B5}" type="datetimeFigureOut">
               <a:rPr lang="en-US" smtClean="0"/>
-              <a:t>8/14/16</a:t>
+              <a:t>8/15/16</a:t>
             </a:fld>
             <a:endParaRPr lang="en-US"/>
           </a:p>
@@ -496,7 +496,7 @@
           <a:p>
             <a:fld id="{5C992B2E-871F-DF41-938B-F17F540EA4B5}" type="datetimeFigureOut">
               <a:rPr lang="en-US" smtClean="0"/>
-              <a:t>8/14/16</a:t>
+              <a:t>8/15/16</a:t>
             </a:fld>
             <a:endParaRPr lang="en-US"/>
           </a:p>
@@ -676,7 +676,7 @@
           <a:p>
             <a:fld id="{5C992B2E-871F-DF41-938B-F17F540EA4B5}" type="datetimeFigureOut">
               <a:rPr lang="en-US" smtClean="0"/>
-              <a:t>8/14/16</a:t>
+              <a:t>8/15/16</a:t>
             </a:fld>
             <a:endParaRPr lang="en-US"/>
           </a:p>
@@ -846,7 +846,7 @@
           <a:p>
             <a:fld id="{5C992B2E-871F-DF41-938B-F17F540EA4B5}" type="datetimeFigureOut">
               <a:rPr lang="en-US" smtClean="0"/>
-              <a:t>8/14/16</a:t>
+              <a:t>8/15/16</a:t>
             </a:fld>
             <a:endParaRPr lang="en-US"/>
           </a:p>
@@ -1092,7 +1092,7 @@
           <a:p>
             <a:fld id="{5C992B2E-871F-DF41-938B-F17F540EA4B5}" type="datetimeFigureOut">
               <a:rPr lang="en-US" smtClean="0"/>
-              <a:t>8/14/16</a:t>
+              <a:t>8/15/16</a:t>
             </a:fld>
             <a:endParaRPr lang="en-US"/>
           </a:p>
@@ -1380,7 +1380,7 @@
           <a:p>
             <a:fld id="{5C992B2E-871F-DF41-938B-F17F540EA4B5}" type="datetimeFigureOut">
               <a:rPr lang="en-US" smtClean="0"/>
-              <a:t>8/14/16</a:t>
+              <a:t>8/15/16</a:t>
             </a:fld>
             <a:endParaRPr lang="en-US"/>
           </a:p>
@@ -1802,7 +1802,7 @@
           <a:p>
             <a:fld id="{5C992B2E-871F-DF41-938B-F17F540EA4B5}" type="datetimeFigureOut">
               <a:rPr lang="en-US" smtClean="0"/>
-              <a:t>8/14/16</a:t>
+              <a:t>8/15/16</a:t>
             </a:fld>
             <a:endParaRPr lang="en-US"/>
           </a:p>
@@ -1920,7 +1920,7 @@
           <a:p>
             <a:fld id="{5C992B2E-871F-DF41-938B-F17F540EA4B5}" type="datetimeFigureOut">
               <a:rPr lang="en-US" smtClean="0"/>
-              <a:t>8/14/16</a:t>
+              <a:t>8/15/16</a:t>
             </a:fld>
             <a:endParaRPr lang="en-US"/>
           </a:p>
@@ -2015,7 +2015,7 @@
           <a:p>
             <a:fld id="{5C992B2E-871F-DF41-938B-F17F540EA4B5}" type="datetimeFigureOut">
               <a:rPr lang="en-US" smtClean="0"/>
-              <a:t>8/14/16</a:t>
+              <a:t>8/15/16</a:t>
             </a:fld>
             <a:endParaRPr lang="en-US"/>
           </a:p>
@@ -2292,7 +2292,7 @@
           <a:p>
             <a:fld id="{5C992B2E-871F-DF41-938B-F17F540EA4B5}" type="datetimeFigureOut">
               <a:rPr lang="en-US" smtClean="0"/>
-              <a:t>8/14/16</a:t>
+              <a:t>8/15/16</a:t>
             </a:fld>
             <a:endParaRPr lang="en-US"/>
           </a:p>
@@ -2545,7 +2545,7 @@
           <a:p>
             <a:fld id="{5C992B2E-871F-DF41-938B-F17F540EA4B5}" type="datetimeFigureOut">
               <a:rPr lang="en-US" smtClean="0"/>
-              <a:t>8/14/16</a:t>
+              <a:t>8/15/16</a:t>
             </a:fld>
             <a:endParaRPr lang="en-US"/>
           </a:p>
@@ -2758,7 +2758,7 @@
           <a:p>
             <a:fld id="{5C992B2E-871F-DF41-938B-F17F540EA4B5}" type="datetimeFigureOut">
               <a:rPr lang="en-US" smtClean="0"/>
-              <a:t>8/14/16</a:t>
+              <a:t>8/15/16</a:t>
             </a:fld>
             <a:endParaRPr lang="en-US"/>
           </a:p>
@@ -3431,6 +3431,13 @@
   <p:clrMapOvr>
     <a:masterClrMapping/>
   </p:clrMapOvr>
+  <p:timing>
+    <p:tnLst>
+      <p:par>
+        <p:cTn xmlns:p14="http://schemas.microsoft.com/office/powerpoint/2010/main" id="1" dur="indefinite" restart="never" nodeType="tmRoot"/>
+      </p:par>
+    </p:tnLst>
+  </p:timing>
 </p:sld>
 </file>
 
@@ -3498,24 +3505,34 @@
           <a:p>
             <a:r>
               <a:rPr lang="en-US" dirty="0" smtClean="0"/>
-              <a:t>A VPC is a logically isolated virtual network within a region that is used to partition resources</a:t>
-            </a:r>
-          </a:p>
-          <a:p>
+              <a:t>A VPC is a logically isolated virtual network within a region that is used to partition </a:t>
+            </a:r>
+            <a:r>
+              <a:rPr lang="en-US" dirty="0" smtClean="0"/>
+              <a:t>resources.</a:t>
+            </a:r>
             <a:endParaRPr lang="en-US" dirty="0" smtClean="0"/>
           </a:p>
           <a:p>
-            <a:r>
-              <a:rPr lang="en-US" dirty="0" smtClean="0"/>
-              <a:t>It’s like a private cloud-based data center</a:t>
-            </a:r>
-          </a:p>
-          <a:p>
             <a:endParaRPr lang="en-US" dirty="0" smtClean="0"/>
           </a:p>
           <a:p>
             <a:r>
               <a:rPr lang="en-US" dirty="0" smtClean="0"/>
+              <a:t>It’s like a private cloud-based data </a:t>
+            </a:r>
+            <a:r>
+              <a:rPr lang="en-US" dirty="0" smtClean="0"/>
+              <a:t>center.</a:t>
+            </a:r>
+            <a:endParaRPr lang="en-US" dirty="0" smtClean="0"/>
+          </a:p>
+          <a:p>
+            <a:endParaRPr lang="en-US" dirty="0" smtClean="0"/>
+          </a:p>
+          <a:p>
+            <a:r>
+              <a:rPr lang="en-US" dirty="0" smtClean="0"/>
               <a:t>Benefits:</a:t>
             </a:r>
           </a:p>
@@ -3523,25 +3540,44 @@
             <a:pPr lvl="1"/>
             <a:r>
               <a:rPr lang="en-US" dirty="0" smtClean="0"/>
-              <a:t>Allow you to build secure application architectures</a:t>
-            </a:r>
-          </a:p>
-          <a:p>
-            <a:pPr lvl="1"/>
-            <a:r>
-              <a:rPr lang="en-US" dirty="0" smtClean="0"/>
-              <a:t>Securely partition applications and organizations</a:t>
-            </a:r>
-          </a:p>
-          <a:p>
-            <a:pPr lvl="1"/>
+              <a:t>Allow you to build secure application </a:t>
+            </a:r>
+            <a:r>
+              <a:rPr lang="en-US" dirty="0" smtClean="0"/>
+              <a:t>architectures.</a:t>
+            </a:r>
             <a:endParaRPr lang="en-US" dirty="0" smtClean="0"/>
           </a:p>
           <a:p>
-            <a:r>
-              <a:rPr lang="en-US" dirty="0" smtClean="0"/>
-              <a:t>VPCs are hard to understand at first, but are critically important to working with AWS</a:t>
-            </a:r>
+            <a:pPr lvl="1"/>
+            <a:r>
+              <a:rPr lang="en-US" dirty="0" smtClean="0"/>
+              <a:t>Securely partition applications and </a:t>
+            </a:r>
+            <a:r>
+              <a:rPr lang="en-US" dirty="0" smtClean="0"/>
+              <a:t>organizations.</a:t>
+            </a:r>
+            <a:endParaRPr lang="en-US" dirty="0" smtClean="0"/>
+          </a:p>
+          <a:p>
+            <a:pPr lvl="1"/>
+            <a:endParaRPr lang="en-US" dirty="0" smtClean="0"/>
+          </a:p>
+          <a:p>
+            <a:r>
+              <a:rPr lang="en-US" dirty="0" smtClean="0"/>
+              <a:t>VPCs are hard to understand at first, but are critically important to working </a:t>
+            </a:r>
+            <a:r>
+              <a:rPr lang="en-US" smtClean="0"/>
+              <a:t>with </a:t>
+            </a:r>
+            <a:r>
+              <a:rPr lang="en-US" smtClean="0"/>
+              <a:t>AWS.</a:t>
+            </a:r>
+            <a:endParaRPr lang="en-US" dirty="0" smtClean="0"/>
           </a:p>
           <a:p>
             <a:endParaRPr lang="en-US" dirty="0"/>
@@ -3582,6 +3618,13 @@
   <p:clrMapOvr>
     <a:masterClrMapping/>
   </p:clrMapOvr>
+  <p:timing>
+    <p:tnLst>
+      <p:par>
+        <p:cTn xmlns:p14="http://schemas.microsoft.com/office/powerpoint/2010/main" id="1" dur="indefinite" restart="never" nodeType="tmRoot"/>
+      </p:par>
+    </p:tnLst>
+  </p:timing>
 </p:sld>
 </file>
 
@@ -3684,6 +3727,13 @@
   <p:clrMapOvr>
     <a:masterClrMapping/>
   </p:clrMapOvr>
+  <p:timing>
+    <p:tnLst>
+      <p:par>
+        <p:cTn xmlns:p14="http://schemas.microsoft.com/office/powerpoint/2010/main" id="1" dur="indefinite" restart="never" nodeType="tmRoot"/>
+      </p:par>
+    </p:tnLst>
+  </p:timing>
 </p:sld>
 </file>
 
@@ -5386,13 +5436,8 @@
           <a:p>
             <a:r>
               <a:rPr lang="en-US" dirty="0" smtClean="0"/>
-              <a:t>Your account has a default VPC setup in each AWS </a:t>
-            </a:r>
-            <a:r>
-              <a:rPr lang="en-US" dirty="0" smtClean="0"/>
-              <a:t>region.</a:t>
-            </a:r>
-            <a:endParaRPr lang="en-US" dirty="0" smtClean="0"/>
+              <a:t>Your account has a default VPC setup in each AWS region.</a:t>
+            </a:r>
           </a:p>
           <a:p>
             <a:endParaRPr lang="en-US" dirty="0" smtClean="0"/>
@@ -6197,11 +6242,7 @@
           <a:p>
             <a:r>
               <a:rPr lang="en-US" dirty="0" smtClean="0"/>
-              <a:t>RDS provides an endpoint for each database which is used by an application for </a:t>
-            </a:r>
-            <a:r>
-              <a:rPr lang="en-US" dirty="0" smtClean="0"/>
-              <a:t>communication.</a:t>
+              <a:t>RDS provides an endpoint for each database which is used by an application for communication.</a:t>
             </a:r>
             <a:endParaRPr lang="en-US" dirty="0"/>
           </a:p>
@@ -6293,81 +6334,48 @@
           <a:p>
             <a:r>
               <a:rPr lang="en-US" dirty="0" smtClean="0"/>
-              <a:t>Automated backups: RDS performs a full daily backup of the database and stores transaction logs since the backup </a:t>
-            </a:r>
-            <a:r>
-              <a:rPr lang="en-US" dirty="0" smtClean="0"/>
-              <a:t>job.</a:t>
-            </a:r>
+              <a:t>Automated backups: RDS performs a full daily backup of the database and stores transaction logs since the backup job.</a:t>
+            </a:r>
+          </a:p>
+          <a:p>
+            <a:pPr lvl="1"/>
+            <a:r>
+              <a:rPr lang="en-US" dirty="0" smtClean="0"/>
+              <a:t>Retains backup data for 1 to 35 days.</a:t>
+            </a:r>
+          </a:p>
+          <a:p>
+            <a:pPr lvl="1"/>
             <a:endParaRPr lang="en-US" dirty="0" smtClean="0"/>
           </a:p>
           <a:p>
             <a:pPr lvl="1"/>
             <a:r>
               <a:rPr lang="en-US" dirty="0" smtClean="0"/>
-              <a:t>Retains backup data for 1 to 35 </a:t>
-            </a:r>
-            <a:r>
-              <a:rPr lang="en-US" dirty="0" smtClean="0"/>
-              <a:t>days.</a:t>
-            </a:r>
+              <a:t>During recovery full backup is restored and then transaction logs are replayed.</a:t>
+            </a:r>
+          </a:p>
+          <a:p>
+            <a:pPr lvl="1"/>
             <a:endParaRPr lang="en-US" dirty="0" smtClean="0"/>
           </a:p>
           <a:p>
             <a:pPr lvl="1"/>
+            <a:r>
+              <a:rPr lang="en-US" dirty="0" smtClean="0"/>
+              <a:t>Backup data is stored on S3.</a:t>
+            </a:r>
+          </a:p>
+          <a:p>
+            <a:pPr lvl="1"/>
             <a:endParaRPr lang="en-US" dirty="0" smtClean="0"/>
           </a:p>
           <a:p>
             <a:pPr lvl="1"/>
             <a:r>
               <a:rPr lang="en-US" dirty="0" smtClean="0"/>
-              <a:t>During recovery full backup is restored and then transaction logs are </a:t>
-            </a:r>
-            <a:r>
-              <a:rPr lang="en-US" dirty="0" smtClean="0"/>
-              <a:t>replayed.</a:t>
-            </a:r>
-            <a:endParaRPr lang="en-US" dirty="0" smtClean="0"/>
-          </a:p>
-          <a:p>
-            <a:pPr lvl="1"/>
-            <a:endParaRPr lang="en-US" dirty="0" smtClean="0"/>
-          </a:p>
-          <a:p>
-            <a:pPr lvl="1"/>
-            <a:r>
-              <a:rPr lang="en-US" dirty="0" smtClean="0"/>
-              <a:t>Backup data </a:t>
-            </a:r>
-            <a:r>
-              <a:rPr lang="en-US" dirty="0" smtClean="0"/>
-              <a:t>is stored </a:t>
-            </a:r>
-            <a:r>
-              <a:rPr lang="en-US" dirty="0" smtClean="0"/>
-              <a:t>on </a:t>
-            </a:r>
-            <a:r>
-              <a:rPr lang="en-US" dirty="0" smtClean="0"/>
-              <a:t>S3.</a:t>
-            </a:r>
-            <a:endParaRPr lang="en-US" dirty="0" smtClean="0"/>
-          </a:p>
-          <a:p>
-            <a:pPr lvl="1"/>
-            <a:endParaRPr lang="en-US" dirty="0" smtClean="0"/>
-          </a:p>
-          <a:p>
-            <a:pPr lvl="1"/>
-            <a:r>
-              <a:rPr lang="en-US" dirty="0" smtClean="0"/>
-              <a:t>Backups occur during a specified window and the database storage I/O may be significantly </a:t>
-            </a:r>
-            <a:r>
-              <a:rPr lang="en-US" dirty="0" smtClean="0"/>
-              <a:t>reduced.</a:t>
-            </a:r>
-            <a:endParaRPr lang="en-US" dirty="0" smtClean="0"/>
+              <a:t>Backups occur during a specified window and the database storage I/O may be significantly reduced.</a:t>
+            </a:r>
           </a:p>
         </p:txBody>
       </p:sp>
@@ -6448,78 +6456,49 @@
           <a:p>
             <a:r>
               <a:rPr lang="en-US" dirty="0" smtClean="0"/>
-              <a:t>RDS snapshots are initiated manually by the user and exist indefinitely – even after database is </a:t>
-            </a:r>
-            <a:r>
-              <a:rPr lang="en-US" dirty="0" smtClean="0"/>
-              <a:t>removed.</a:t>
-            </a:r>
+              <a:t>RDS snapshots are initiated manually by the user and exist indefinitely – even after database is removed.</a:t>
+            </a:r>
+          </a:p>
+          <a:p>
+            <a:pPr lvl="1"/>
+            <a:r>
+              <a:rPr lang="en-US" dirty="0" smtClean="0"/>
+              <a:t>It’s possible to use RDS data backups to copy databases (for testing or to move).</a:t>
+            </a:r>
+          </a:p>
+          <a:p>
+            <a:pPr lvl="1"/>
             <a:endParaRPr lang="en-US" dirty="0" smtClean="0"/>
           </a:p>
           <a:p>
-            <a:pPr lvl="1"/>
-            <a:r>
-              <a:rPr lang="en-US" dirty="0" smtClean="0"/>
-              <a:t>It’s possible to use RDS data backups to copy databases (for testing or to move</a:t>
-            </a:r>
-            <a:r>
-              <a:rPr lang="en-US" dirty="0" smtClean="0"/>
-              <a:t>).</a:t>
-            </a:r>
+            <a:r>
+              <a:rPr lang="en-US" dirty="0" smtClean="0"/>
+              <a:t>Multi-AZ capability provides standby database instance in a separate AZ for fail-over purposes.</a:t>
+            </a:r>
+          </a:p>
+          <a:p>
+            <a:pPr lvl="1"/>
+            <a:r>
+              <a:rPr lang="en-US" dirty="0" smtClean="0"/>
+              <a:t>Writes to main database server are synchronized to the standby database.</a:t>
+            </a:r>
+          </a:p>
+          <a:p>
+            <a:pPr lvl="1"/>
             <a:endParaRPr lang="en-US" dirty="0" smtClean="0"/>
           </a:p>
           <a:p>
             <a:pPr lvl="1"/>
-            <a:endParaRPr lang="en-US" dirty="0" smtClean="0"/>
-          </a:p>
-          <a:p>
-            <a:r>
-              <a:rPr lang="en-US" dirty="0" smtClean="0"/>
-              <a:t>Multi-AZ capability provides standby database instance in a separate AZ for fail-over </a:t>
-            </a:r>
-            <a:r>
-              <a:rPr lang="en-US" dirty="0" smtClean="0"/>
-              <a:t>purposes.</a:t>
-            </a:r>
-            <a:endParaRPr lang="en-US" dirty="0" smtClean="0"/>
-          </a:p>
-          <a:p>
-            <a:pPr lvl="1"/>
-            <a:r>
-              <a:rPr lang="en-US" dirty="0" smtClean="0"/>
-              <a:t>Writes to main database server are synchronized to the standby </a:t>
-            </a:r>
-            <a:r>
-              <a:rPr lang="en-US" dirty="0" smtClean="0"/>
-              <a:t>database.</a:t>
-            </a:r>
-            <a:endParaRPr lang="en-US" dirty="0" smtClean="0"/>
-          </a:p>
-          <a:p>
-            <a:pPr lvl="1"/>
-            <a:endParaRPr lang="en-US" dirty="0" smtClean="0"/>
-          </a:p>
-          <a:p>
-            <a:pPr lvl="1"/>
-            <a:r>
-              <a:rPr lang="en-US" dirty="0" smtClean="0"/>
-              <a:t>Main purpose is for greater service resiliency, it does not improve </a:t>
-            </a:r>
-            <a:r>
-              <a:rPr lang="en-US" dirty="0" smtClean="0"/>
-              <a:t>performance.</a:t>
-            </a:r>
-            <a:endParaRPr lang="en-US" dirty="0" smtClean="0"/>
+            <a:r>
+              <a:rPr lang="en-US" dirty="0" smtClean="0"/>
+              <a:t>Main purpose is for greater service resiliency, it does not improve performance.</a:t>
+            </a:r>
           </a:p>
           <a:p>
             <a:pPr lvl="2"/>
             <a:r>
               <a:rPr lang="en-US" dirty="0" smtClean="0"/>
-              <a:t>Although, it allows RDS to update or backup a server without degrading I/</a:t>
-            </a:r>
-            <a:r>
-              <a:rPr lang="en-US" dirty="0" smtClean="0"/>
-              <a:t>O.</a:t>
+              <a:t>Although, it allows RDS to update or backup a server without degrading I/O.</a:t>
             </a:r>
             <a:endParaRPr lang="en-US" dirty="0"/>
           </a:p>
@@ -6617,34 +6596,46 @@
             </a:r>
             <a:r>
               <a:rPr lang="en-US" dirty="0" smtClean="0"/>
-              <a:t> offered in a multi-AZ architecture (2 DBs in 3 AZs = 6 total!</a:t>
-            </a:r>
-            <a:r>
-              <a:rPr lang="en-US" dirty="0" smtClean="0"/>
-              <a:t>).</a:t>
-            </a:r>
+              <a:t> offered in a multi-AZ architecture (2 DBs in 3 AZs = 6 total!).</a:t>
+            </a:r>
+          </a:p>
+          <a:p>
+            <a:pPr lvl="1"/>
             <a:endParaRPr lang="en-US" dirty="0" smtClean="0"/>
           </a:p>
           <a:p>
+            <a:r>
+              <a:rPr lang="en-US" dirty="0" smtClean="0"/>
+              <a:t>Read Replica: a database instance in a separate AZ which asynchronously copies data from the main database.</a:t>
+            </a:r>
+          </a:p>
+          <a:p>
+            <a:pPr lvl="1"/>
+            <a:r>
+              <a:rPr lang="en-US" dirty="0" smtClean="0"/>
+              <a:t>Only used for READS</a:t>
+            </a:r>
+          </a:p>
+          <a:p>
             <a:pPr lvl="1"/>
             <a:endParaRPr lang="en-US" dirty="0" smtClean="0"/>
           </a:p>
           <a:p>
-            <a:r>
-              <a:rPr lang="en-US" dirty="0" smtClean="0"/>
-              <a:t>Read Replica: a database instance in a separate AZ which asynchronously copies data from the main </a:t>
-            </a:r>
-            <a:r>
-              <a:rPr lang="en-US" dirty="0" smtClean="0"/>
-              <a:t>database.</a:t>
-            </a:r>
+            <a:pPr lvl="1"/>
+            <a:r>
+              <a:rPr lang="en-US" dirty="0" smtClean="0"/>
+              <a:t>Scales database performance by allowing database clients to read data from multiple instances.</a:t>
+            </a:r>
+          </a:p>
+          <a:p>
+            <a:pPr lvl="1"/>
             <a:endParaRPr lang="en-US" dirty="0" smtClean="0"/>
           </a:p>
           <a:p>
             <a:pPr lvl="1"/>
             <a:r>
               <a:rPr lang="en-US" dirty="0" smtClean="0"/>
-              <a:t>Only used for READS</a:t>
+              <a:t>Up to 5 read replicas supported. </a:t>
             </a:r>
           </a:p>
           <a:p>
@@ -6655,45 +6646,8 @@
             <a:pPr lvl="1"/>
             <a:r>
               <a:rPr lang="en-US" dirty="0" smtClean="0"/>
-              <a:t>Scales database performance by allowing database clients to read data from multiple </a:t>
-            </a:r>
-            <a:r>
-              <a:rPr lang="en-US" dirty="0" smtClean="0"/>
-              <a:t>instances.</a:t>
-            </a:r>
-            <a:endParaRPr lang="en-US" dirty="0" smtClean="0"/>
-          </a:p>
-          <a:p>
-            <a:pPr lvl="1"/>
-            <a:endParaRPr lang="en-US" dirty="0" smtClean="0"/>
-          </a:p>
-          <a:p>
-            <a:pPr lvl="1"/>
-            <a:r>
-              <a:rPr lang="en-US" dirty="0" smtClean="0"/>
-              <a:t>Up to 5 read replicas </a:t>
-            </a:r>
-            <a:r>
-              <a:rPr lang="en-US" dirty="0" smtClean="0"/>
-              <a:t>supported. </a:t>
-            </a:r>
-            <a:endParaRPr lang="en-US" dirty="0" smtClean="0"/>
-          </a:p>
-          <a:p>
-            <a:pPr lvl="1"/>
-            <a:endParaRPr lang="en-US" dirty="0" smtClean="0"/>
-          </a:p>
-          <a:p>
-            <a:pPr lvl="1"/>
-            <a:r>
-              <a:rPr lang="en-US" dirty="0" smtClean="0"/>
-              <a:t>Owner can promote a read replica into a separate database, splitting relationship with </a:t>
-            </a:r>
-            <a:r>
-              <a:rPr lang="en-US" dirty="0" smtClean="0"/>
-              <a:t>parent.</a:t>
-            </a:r>
-            <a:endParaRPr lang="en-US" dirty="0" smtClean="0"/>
+              <a:t>Owner can promote a read replica into a separate database, splitting relationship with parent.</a:t>
+            </a:r>
           </a:p>
         </p:txBody>
       </p:sp>
@@ -6769,66 +6723,42 @@
           <a:p>
             <a:r>
               <a:rPr lang="en-US" dirty="0" smtClean="0"/>
-              <a:t>Create an RDS </a:t>
-            </a:r>
-            <a:r>
-              <a:rPr lang="en-US" dirty="0" smtClean="0"/>
-              <a:t>database.</a:t>
-            </a:r>
+              <a:t>Create an RDS database.</a:t>
+            </a:r>
+          </a:p>
+          <a:p>
+            <a:pPr lvl="1"/>
+            <a:r>
+              <a:rPr lang="en-US" dirty="0" smtClean="0"/>
+              <a:t>Create database security group.</a:t>
+            </a:r>
+          </a:p>
+          <a:p>
+            <a:pPr lvl="1"/>
             <a:endParaRPr lang="en-US" dirty="0" smtClean="0"/>
           </a:p>
           <a:p>
-            <a:pPr lvl="1"/>
-            <a:r>
-              <a:rPr lang="en-US" dirty="0" smtClean="0"/>
-              <a:t>Create database security </a:t>
-            </a:r>
-            <a:r>
-              <a:rPr lang="en-US" dirty="0" smtClean="0"/>
-              <a:t>group.</a:t>
-            </a:r>
+            <a:r>
+              <a:rPr lang="en-US" dirty="0" smtClean="0"/>
+              <a:t>Locate database endpoint.</a:t>
+            </a:r>
+          </a:p>
+          <a:p>
             <a:endParaRPr lang="en-US" dirty="0" smtClean="0"/>
           </a:p>
           <a:p>
-            <a:pPr lvl="1"/>
+            <a:r>
+              <a:rPr lang="en-US" dirty="0" smtClean="0"/>
+              <a:t>Review automatic backup schedule.</a:t>
+            </a:r>
+          </a:p>
+          <a:p>
             <a:endParaRPr lang="en-US" dirty="0" smtClean="0"/>
           </a:p>
           <a:p>
             <a:r>
               <a:rPr lang="en-US" dirty="0" smtClean="0"/>
-              <a:t>Locate database </a:t>
-            </a:r>
-            <a:r>
-              <a:rPr lang="en-US" dirty="0" smtClean="0"/>
-              <a:t>endpoint.</a:t>
-            </a:r>
-            <a:endParaRPr lang="en-US" dirty="0" smtClean="0"/>
-          </a:p>
-          <a:p>
-            <a:endParaRPr lang="en-US" dirty="0" smtClean="0"/>
-          </a:p>
-          <a:p>
-            <a:r>
-              <a:rPr lang="en-US" dirty="0" smtClean="0"/>
-              <a:t>Review automatic backup </a:t>
-            </a:r>
-            <a:r>
-              <a:rPr lang="en-US" dirty="0" smtClean="0"/>
-              <a:t>schedule.</a:t>
-            </a:r>
-            <a:endParaRPr lang="en-US" dirty="0" smtClean="0"/>
-          </a:p>
-          <a:p>
-            <a:endParaRPr lang="en-US" dirty="0" smtClean="0"/>
-          </a:p>
-          <a:p>
-            <a:r>
-              <a:rPr lang="en-US" dirty="0" smtClean="0"/>
-              <a:t>Perform a </a:t>
-            </a:r>
-            <a:r>
-              <a:rPr lang="en-US" dirty="0" smtClean="0"/>
-              <a:t>snapshot.</a:t>
+              <a:t>Perform a snapshot.</a:t>
             </a:r>
             <a:endParaRPr lang="en-US" dirty="0"/>
           </a:p>
@@ -6943,11 +6873,7 @@
             </a:r>
             <a:r>
               <a:rPr lang="en-US" dirty="0" smtClean="0"/>
-              <a:t> </a:t>
-            </a:r>
-            <a:r>
-              <a:rPr lang="en-US" dirty="0" smtClean="0"/>
-              <a:t>database utilizing a document processing architecture.</a:t>
+              <a:t> database utilizing a document processing architecture.</a:t>
             </a:r>
           </a:p>
           <a:p>
@@ -6956,61 +6882,40 @@
               <a:rPr lang="en-US" dirty="0" smtClean="0"/>
               <a:t>Based on Google Big Table design.</a:t>
             </a:r>
+          </a:p>
+          <a:p>
+            <a:pPr lvl="1"/>
+            <a:r>
+              <a:rPr lang="en-US" dirty="0" smtClean="0"/>
+              <a:t>Each document is comprised of key/value pairs stored in JavaScript Object Notation (JSON).</a:t>
+            </a:r>
+          </a:p>
+          <a:p>
+            <a:pPr lvl="1"/>
             <a:endParaRPr lang="en-US" dirty="0" smtClean="0"/>
           </a:p>
           <a:p>
-            <a:pPr lvl="1"/>
-            <a:r>
-              <a:rPr lang="en-US" dirty="0" smtClean="0"/>
-              <a:t>Each document is comprised of key/value pairs stored in JavaScript Object Notation (JSON</a:t>
-            </a:r>
-            <a:r>
-              <a:rPr lang="en-US" dirty="0" smtClean="0"/>
-              <a:t>).</a:t>
-            </a:r>
+            <a:r>
+              <a:rPr lang="en-US" dirty="0" smtClean="0"/>
+              <a:t>Supports highly scalable number of reads and writes with unlimited data storage.</a:t>
+            </a:r>
+          </a:p>
+          <a:p>
+            <a:pPr lvl="1"/>
+            <a:r>
+              <a:rPr lang="en-US" dirty="0" smtClean="0"/>
+              <a:t>Automatically scales data storage, no need to reconfigure database like RDS (relational).</a:t>
+            </a:r>
+          </a:p>
+          <a:p>
+            <a:pPr lvl="1"/>
             <a:endParaRPr lang="en-US" dirty="0" smtClean="0"/>
           </a:p>
           <a:p>
-            <a:pPr lvl="1"/>
-            <a:endParaRPr lang="en-US" dirty="0" smtClean="0"/>
-          </a:p>
-          <a:p>
-            <a:r>
-              <a:rPr lang="en-US" dirty="0" smtClean="0"/>
-              <a:t>Supports highly scalable number of reads and writes with unlimited data </a:t>
-            </a:r>
-            <a:r>
-              <a:rPr lang="en-US" dirty="0" smtClean="0"/>
-              <a:t>storage.</a:t>
-            </a:r>
-            <a:endParaRPr lang="en-US" dirty="0" smtClean="0"/>
-          </a:p>
-          <a:p>
-            <a:pPr lvl="1"/>
-            <a:r>
-              <a:rPr lang="en-US" dirty="0" smtClean="0"/>
-              <a:t>Automatically scales data storage, no need to reconfigure database like RDS (relational</a:t>
-            </a:r>
-            <a:r>
-              <a:rPr lang="en-US" dirty="0" smtClean="0"/>
-              <a:t>).</a:t>
-            </a:r>
-            <a:endParaRPr lang="en-US" dirty="0" smtClean="0"/>
-          </a:p>
-          <a:p>
-            <a:pPr lvl="1"/>
-            <a:endParaRPr lang="en-US" dirty="0" smtClean="0"/>
-          </a:p>
-          <a:p>
-            <a:r>
-              <a:rPr lang="en-US" dirty="0" smtClean="0"/>
-              <a:t>Data replicated between 3 separate datacenters (not necessarily in separate AZs</a:t>
-            </a:r>
-            <a:r>
-              <a:rPr lang="en-US" dirty="0" smtClean="0"/>
-              <a:t>).</a:t>
-            </a:r>
-            <a:endParaRPr lang="en-US" dirty="0" smtClean="0"/>
+            <a:r>
+              <a:rPr lang="en-US" dirty="0" smtClean="0"/>
+              <a:t>Data replicated between 3 separate datacenters (not necessarily in separate AZs).</a:t>
+            </a:r>
           </a:p>
           <a:p>
             <a:pPr lvl="1"/>
@@ -7203,13 +7108,8 @@
             <a:pPr lvl="1"/>
             <a:r>
               <a:rPr lang="en-US" dirty="0" smtClean="0"/>
-              <a:t>Online Transaction Processing (OLTP) focuses on querying and maintaining individual </a:t>
-            </a:r>
-            <a:r>
-              <a:rPr lang="en-US" dirty="0" smtClean="0"/>
-              <a:t>transactions.</a:t>
-            </a:r>
-            <a:endParaRPr lang="en-US" dirty="0" smtClean="0"/>
+              <a:t>Online Transaction Processing (OLTP) focuses on querying and maintaining individual transactions.</a:t>
+            </a:r>
           </a:p>
           <a:p>
             <a:pPr lvl="2"/>
@@ -7226,13 +7126,8 @@
             <a:pPr lvl="1"/>
             <a:r>
               <a:rPr lang="en-US" dirty="0" smtClean="0"/>
-              <a:t>Online Analytical Processing (OLAP) focuses on the analysis of aggregate sets of </a:t>
-            </a:r>
-            <a:r>
-              <a:rPr lang="en-US" dirty="0" smtClean="0"/>
-              <a:t>data.</a:t>
-            </a:r>
-            <a:endParaRPr lang="en-US" dirty="0" smtClean="0"/>
+              <a:t>Online Analytical Processing (OLAP) focuses on the analysis of aggregate sets of data.</a:t>
+            </a:r>
           </a:p>
           <a:p>
             <a:pPr lvl="2"/>
@@ -7248,25 +7143,15 @@
           <a:p>
             <a:r>
               <a:rPr lang="en-US" dirty="0" smtClean="0"/>
-              <a:t>Uses columnar storage to improve </a:t>
-            </a:r>
-            <a:r>
-              <a:rPr lang="en-US" dirty="0" smtClean="0"/>
-              <a:t>performance.</a:t>
-            </a:r>
-            <a:endParaRPr lang="en-US" dirty="0" smtClean="0"/>
-          </a:p>
-          <a:p>
-            <a:pPr lvl="1"/>
-            <a:r>
-              <a:rPr lang="en-US" dirty="0" smtClean="0"/>
-              <a:t>Generally computation is performed on values within a column, so store them in the same page to improve query performance (reduce I/O</a:t>
-            </a:r>
-            <a:r>
-              <a:rPr lang="en-US" dirty="0" smtClean="0"/>
-              <a:t>).</a:t>
-            </a:r>
-            <a:endParaRPr lang="en-US" dirty="0" smtClean="0"/>
+              <a:t>Uses columnar storage to improve performance.</a:t>
+            </a:r>
+          </a:p>
+          <a:p>
+            <a:pPr lvl="1"/>
+            <a:r>
+              <a:rPr lang="en-US" dirty="0" smtClean="0"/>
+              <a:t>Generally computation is performed on values within a column, so store them in the same page to improve query performance (reduce I/O).</a:t>
+            </a:r>
           </a:p>
         </p:txBody>
       </p:sp>
